--- a/material/figures/introduction/transmission_lines.pptx
+++ b/material/figures/introduction/transmission_lines.pptx
@@ -288,7 +288,8 @@
           <a:p>
             <a:fld id="{90308D75-6CD1-47BF-9C58-4A834C045EAD}" type="datetimeFigureOut">
               <a:rPr lang="de-DE" smtClean="0"/>
-              <a:t>23.05.2012</a:t>
+              <a:pPr/>
+              <a:t>11.07.2012</a:t>
             </a:fld>
             <a:endParaRPr lang="de-DE"/>
           </a:p>
@@ -330,6 +331,7 @@
           <a:p>
             <a:fld id="{3F04C7F0-3297-4179-8086-A3E29931157D}" type="slidenum">
               <a:rPr lang="de-DE" smtClean="0"/>
+              <a:pPr/>
               <a:t>‹Nr.›</a:t>
             </a:fld>
             <a:endParaRPr lang="de-DE"/>
@@ -453,7 +455,8 @@
           <a:p>
             <a:fld id="{90308D75-6CD1-47BF-9C58-4A834C045EAD}" type="datetimeFigureOut">
               <a:rPr lang="de-DE" smtClean="0"/>
-              <a:t>23.05.2012</a:t>
+              <a:pPr/>
+              <a:t>11.07.2012</a:t>
             </a:fld>
             <a:endParaRPr lang="de-DE"/>
           </a:p>
@@ -495,6 +498,7 @@
           <a:p>
             <a:fld id="{3F04C7F0-3297-4179-8086-A3E29931157D}" type="slidenum">
               <a:rPr lang="de-DE" smtClean="0"/>
+              <a:pPr/>
               <a:t>‹Nr.›</a:t>
             </a:fld>
             <a:endParaRPr lang="de-DE"/>
@@ -628,7 +632,8 @@
           <a:p>
             <a:fld id="{90308D75-6CD1-47BF-9C58-4A834C045EAD}" type="datetimeFigureOut">
               <a:rPr lang="de-DE" smtClean="0"/>
-              <a:t>23.05.2012</a:t>
+              <a:pPr/>
+              <a:t>11.07.2012</a:t>
             </a:fld>
             <a:endParaRPr lang="de-DE"/>
           </a:p>
@@ -670,6 +675,7 @@
           <a:p>
             <a:fld id="{3F04C7F0-3297-4179-8086-A3E29931157D}" type="slidenum">
               <a:rPr lang="de-DE" smtClean="0"/>
+              <a:pPr/>
               <a:t>‹Nr.›</a:t>
             </a:fld>
             <a:endParaRPr lang="de-DE"/>
@@ -793,7 +799,8 @@
           <a:p>
             <a:fld id="{90308D75-6CD1-47BF-9C58-4A834C045EAD}" type="datetimeFigureOut">
               <a:rPr lang="de-DE" smtClean="0"/>
-              <a:t>23.05.2012</a:t>
+              <a:pPr/>
+              <a:t>11.07.2012</a:t>
             </a:fld>
             <a:endParaRPr lang="de-DE"/>
           </a:p>
@@ -835,6 +842,7 @@
           <a:p>
             <a:fld id="{3F04C7F0-3297-4179-8086-A3E29931157D}" type="slidenum">
               <a:rPr lang="de-DE" smtClean="0"/>
+              <a:pPr/>
               <a:t>‹Nr.›</a:t>
             </a:fld>
             <a:endParaRPr lang="de-DE"/>
@@ -1034,7 +1042,8 @@
           <a:p>
             <a:fld id="{90308D75-6CD1-47BF-9C58-4A834C045EAD}" type="datetimeFigureOut">
               <a:rPr lang="de-DE" smtClean="0"/>
-              <a:t>23.05.2012</a:t>
+              <a:pPr/>
+              <a:t>11.07.2012</a:t>
             </a:fld>
             <a:endParaRPr lang="de-DE"/>
           </a:p>
@@ -1076,6 +1085,7 @@
           <a:p>
             <a:fld id="{3F04C7F0-3297-4179-8086-A3E29931157D}" type="slidenum">
               <a:rPr lang="de-DE" smtClean="0"/>
+              <a:pPr/>
               <a:t>‹Nr.›</a:t>
             </a:fld>
             <a:endParaRPr lang="de-DE"/>
@@ -1317,7 +1327,8 @@
           <a:p>
             <a:fld id="{90308D75-6CD1-47BF-9C58-4A834C045EAD}" type="datetimeFigureOut">
               <a:rPr lang="de-DE" smtClean="0"/>
-              <a:t>23.05.2012</a:t>
+              <a:pPr/>
+              <a:t>11.07.2012</a:t>
             </a:fld>
             <a:endParaRPr lang="de-DE"/>
           </a:p>
@@ -1359,6 +1370,7 @@
           <a:p>
             <a:fld id="{3F04C7F0-3297-4179-8086-A3E29931157D}" type="slidenum">
               <a:rPr lang="de-DE" smtClean="0"/>
+              <a:pPr/>
               <a:t>‹Nr.›</a:t>
             </a:fld>
             <a:endParaRPr lang="de-DE"/>
@@ -1734,7 +1746,8 @@
           <a:p>
             <a:fld id="{90308D75-6CD1-47BF-9C58-4A834C045EAD}" type="datetimeFigureOut">
               <a:rPr lang="de-DE" smtClean="0"/>
-              <a:t>23.05.2012</a:t>
+              <a:pPr/>
+              <a:t>11.07.2012</a:t>
             </a:fld>
             <a:endParaRPr lang="de-DE"/>
           </a:p>
@@ -1776,6 +1789,7 @@
           <a:p>
             <a:fld id="{3F04C7F0-3297-4179-8086-A3E29931157D}" type="slidenum">
               <a:rPr lang="de-DE" smtClean="0"/>
+              <a:pPr/>
               <a:t>‹Nr.›</a:t>
             </a:fld>
             <a:endParaRPr lang="de-DE"/>
@@ -1847,7 +1861,8 @@
           <a:p>
             <a:fld id="{90308D75-6CD1-47BF-9C58-4A834C045EAD}" type="datetimeFigureOut">
               <a:rPr lang="de-DE" smtClean="0"/>
-              <a:t>23.05.2012</a:t>
+              <a:pPr/>
+              <a:t>11.07.2012</a:t>
             </a:fld>
             <a:endParaRPr lang="de-DE"/>
           </a:p>
@@ -1889,6 +1904,7 @@
           <a:p>
             <a:fld id="{3F04C7F0-3297-4179-8086-A3E29931157D}" type="slidenum">
               <a:rPr lang="de-DE" smtClean="0"/>
+              <a:pPr/>
               <a:t>‹Nr.›</a:t>
             </a:fld>
             <a:endParaRPr lang="de-DE"/>
@@ -1937,7 +1953,8 @@
           <a:p>
             <a:fld id="{90308D75-6CD1-47BF-9C58-4A834C045EAD}" type="datetimeFigureOut">
               <a:rPr lang="de-DE" smtClean="0"/>
-              <a:t>23.05.2012</a:t>
+              <a:pPr/>
+              <a:t>11.07.2012</a:t>
             </a:fld>
             <a:endParaRPr lang="de-DE"/>
           </a:p>
@@ -1979,6 +1996,7 @@
           <a:p>
             <a:fld id="{3F04C7F0-3297-4179-8086-A3E29931157D}" type="slidenum">
               <a:rPr lang="de-DE" smtClean="0"/>
+              <a:pPr/>
               <a:t>‹Nr.›</a:t>
             </a:fld>
             <a:endParaRPr lang="de-DE"/>
@@ -2209,7 +2227,8 @@
           <a:p>
             <a:fld id="{90308D75-6CD1-47BF-9C58-4A834C045EAD}" type="datetimeFigureOut">
               <a:rPr lang="de-DE" smtClean="0"/>
-              <a:t>23.05.2012</a:t>
+              <a:pPr/>
+              <a:t>11.07.2012</a:t>
             </a:fld>
             <a:endParaRPr lang="de-DE"/>
           </a:p>
@@ -2251,6 +2270,7 @@
           <a:p>
             <a:fld id="{3F04C7F0-3297-4179-8086-A3E29931157D}" type="slidenum">
               <a:rPr lang="de-DE" smtClean="0"/>
+              <a:pPr/>
               <a:t>‹Nr.›</a:t>
             </a:fld>
             <a:endParaRPr lang="de-DE"/>
@@ -2457,7 +2477,8 @@
           <a:p>
             <a:fld id="{90308D75-6CD1-47BF-9C58-4A834C045EAD}" type="datetimeFigureOut">
               <a:rPr lang="de-DE" smtClean="0"/>
-              <a:t>23.05.2012</a:t>
+              <a:pPr/>
+              <a:t>11.07.2012</a:t>
             </a:fld>
             <a:endParaRPr lang="de-DE"/>
           </a:p>
@@ -2499,6 +2520,7 @@
           <a:p>
             <a:fld id="{3F04C7F0-3297-4179-8086-A3E29931157D}" type="slidenum">
               <a:rPr lang="de-DE" smtClean="0"/>
+              <a:pPr/>
               <a:t>‹Nr.›</a:t>
             </a:fld>
             <a:endParaRPr lang="de-DE"/>
@@ -2665,7 +2687,8 @@
           <a:p>
             <a:fld id="{90308D75-6CD1-47BF-9C58-4A834C045EAD}" type="datetimeFigureOut">
               <a:rPr lang="de-DE" smtClean="0"/>
-              <a:t>23.05.2012</a:t>
+              <a:pPr/>
+              <a:t>11.07.2012</a:t>
             </a:fld>
             <a:endParaRPr lang="de-DE"/>
           </a:p>
@@ -2743,6 +2766,7 @@
           <a:p>
             <a:fld id="{3F04C7F0-3297-4179-8086-A3E29931157D}" type="slidenum">
               <a:rPr lang="de-DE" smtClean="0"/>
+              <a:pPr/>
               <a:t>‹Nr.›</a:t>
             </a:fld>
             <a:endParaRPr lang="de-DE"/>
@@ -3037,14 +3061,14 @@
       </p:grpSpPr>
       <p:cxnSp>
         <p:nvCxnSpPr>
-          <p:cNvPr id="10" name="Gerade Verbindung 9"/>
+          <p:cNvPr id="46" name="Gerade Verbindung 45"/>
           <p:cNvCxnSpPr/>
           <p:nvPr/>
         </p:nvCxnSpPr>
         <p:spPr>
-          <a:xfrm>
-            <a:off x="1547664" y="2636912"/>
-            <a:ext cx="0" cy="216024"/>
+          <a:xfrm flipH="1">
+            <a:off x="3491880" y="3822031"/>
+            <a:ext cx="127859" cy="0"/>
           </a:xfrm>
           <a:prstGeom prst="line">
             <a:avLst/>
@@ -3070,21 +3094,67 @@
           </a:fontRef>
         </p:style>
       </p:cxnSp>
+      <p:sp>
+        <p:nvSpPr>
+          <p:cNvPr id="47" name="Ellipse 46"/>
+          <p:cNvSpPr/>
+          <p:nvPr/>
+        </p:nvSpPr>
+        <p:spPr>
+          <a:xfrm>
+            <a:off x="3619739" y="3780703"/>
+            <a:ext cx="63930" cy="72008"/>
+          </a:xfrm>
+          <a:prstGeom prst="ellipse">
+            <a:avLst/>
+          </a:prstGeom>
+          <a:noFill/>
+          <a:ln>
+            <a:solidFill>
+              <a:schemeClr val="tx1"/>
+            </a:solidFill>
+          </a:ln>
+        </p:spPr>
+        <p:style>
+          <a:lnRef idx="2">
+            <a:schemeClr val="accent1">
+              <a:shade val="50000"/>
+            </a:schemeClr>
+          </a:lnRef>
+          <a:fillRef idx="1">
+            <a:schemeClr val="accent1"/>
+          </a:fillRef>
+          <a:effectRef idx="0">
+            <a:schemeClr val="accent1"/>
+          </a:effectRef>
+          <a:fontRef idx="minor">
+            <a:schemeClr val="lt1"/>
+          </a:fontRef>
+        </p:style>
+        <p:txBody>
+          <a:bodyPr rtlCol="0" anchor="ctr"/>
+          <a:lstStyle/>
+          <a:p>
+            <a:pPr algn="ctr"/>
+            <a:endParaRPr lang="de-DE"/>
+          </a:p>
+        </p:txBody>
+      </p:sp>
       <p:cxnSp>
         <p:nvCxnSpPr>
-          <p:cNvPr id="12" name="Gerade Verbindung 11"/>
+          <p:cNvPr id="44" name="Gerade Verbindung 43"/>
           <p:cNvCxnSpPr/>
           <p:nvPr/>
         </p:nvCxnSpPr>
         <p:spPr>
-          <a:xfrm>
-            <a:off x="1331640" y="2852936"/>
-            <a:ext cx="432048" cy="0"/>
+          <a:xfrm flipH="1">
+            <a:off x="1014017" y="3828057"/>
+            <a:ext cx="255717" cy="0"/>
           </a:xfrm>
           <a:prstGeom prst="line">
             <a:avLst/>
           </a:prstGeom>
-          <a:ln w="38100">
+          <a:ln w="28575">
             <a:solidFill>
               <a:schemeClr val="tx1"/>
             </a:solidFill>
@@ -3105,349 +3175,52 @@
           </a:fontRef>
         </p:style>
       </p:cxnSp>
-      <p:cxnSp>
-        <p:nvCxnSpPr>
-          <p:cNvPr id="13" name="Gerade Verbindung 12"/>
-          <p:cNvCxnSpPr/>
+      <p:sp>
+        <p:nvSpPr>
+          <p:cNvPr id="45" name="Ellipse 44"/>
+          <p:cNvSpPr/>
           <p:nvPr/>
-        </p:nvCxnSpPr>
+        </p:nvSpPr>
         <p:spPr>
           <a:xfrm>
-            <a:off x="1403648" y="2924944"/>
-            <a:ext cx="288032" cy="0"/>
+            <a:off x="959259" y="3791895"/>
+            <a:ext cx="63930" cy="72008"/>
           </a:xfrm>
-          <a:prstGeom prst="line">
+          <a:prstGeom prst="ellipse">
             <a:avLst/>
           </a:prstGeom>
-          <a:ln w="38100">
+          <a:noFill/>
+          <a:ln>
             <a:solidFill>
               <a:schemeClr val="tx1"/>
             </a:solidFill>
           </a:ln>
         </p:spPr>
         <p:style>
-          <a:lnRef idx="1">
-            <a:schemeClr val="accent1"/>
+          <a:lnRef idx="2">
+            <a:schemeClr val="accent1">
+              <a:shade val="50000"/>
+            </a:schemeClr>
           </a:lnRef>
-          <a:fillRef idx="0">
+          <a:fillRef idx="1">
             <a:schemeClr val="accent1"/>
           </a:fillRef>
           <a:effectRef idx="0">
             <a:schemeClr val="accent1"/>
           </a:effectRef>
           <a:fontRef idx="minor">
-            <a:schemeClr val="tx1"/>
+            <a:schemeClr val="lt1"/>
           </a:fontRef>
         </p:style>
-      </p:cxnSp>
-      <p:cxnSp>
-        <p:nvCxnSpPr>
-          <p:cNvPr id="14" name="Gerade Verbindung 13"/>
-          <p:cNvCxnSpPr/>
-          <p:nvPr/>
-        </p:nvCxnSpPr>
-        <p:spPr>
-          <a:xfrm>
-            <a:off x="1475656" y="2996952"/>
-            <a:ext cx="144016" cy="0"/>
-          </a:xfrm>
-          <a:prstGeom prst="line">
-            <a:avLst/>
-          </a:prstGeom>
-          <a:ln w="38100">
-            <a:solidFill>
-              <a:schemeClr val="tx1"/>
-            </a:solidFill>
-          </a:ln>
-        </p:spPr>
-        <p:style>
-          <a:lnRef idx="1">
-            <a:schemeClr val="accent1"/>
-          </a:lnRef>
-          <a:fillRef idx="0">
-            <a:schemeClr val="accent1"/>
-          </a:fillRef>
-          <a:effectRef idx="0">
-            <a:schemeClr val="accent1"/>
-          </a:effectRef>
-          <a:fontRef idx="minor">
-            <a:schemeClr val="tx1"/>
-          </a:fontRef>
-        </p:style>
-      </p:cxnSp>
-      <p:grpSp>
-        <p:nvGrpSpPr>
-          <p:cNvPr id="23" name="Gruppieren 22"/>
-          <p:cNvGrpSpPr/>
-          <p:nvPr/>
-        </p:nvGrpSpPr>
-        <p:grpSpPr>
-          <a:xfrm>
-            <a:off x="899592" y="2377653"/>
-            <a:ext cx="2808312" cy="297623"/>
-            <a:chOff x="899592" y="2377653"/>
-            <a:chExt cx="2808312" cy="297623"/>
-          </a:xfrm>
-        </p:grpSpPr>
-        <p:cxnSp>
-          <p:nvCxnSpPr>
-            <p:cNvPr id="5" name="Gerade Verbindung 4"/>
-            <p:cNvCxnSpPr/>
-            <p:nvPr/>
-          </p:nvCxnSpPr>
-          <p:spPr>
-            <a:xfrm>
-              <a:off x="971600" y="2420888"/>
-              <a:ext cx="2664296" cy="0"/>
-            </a:xfrm>
-            <a:prstGeom prst="line">
-              <a:avLst/>
-            </a:prstGeom>
-            <a:ln w="28575">
-              <a:solidFill>
-                <a:schemeClr val="tx1"/>
-              </a:solidFill>
-              <a:headEnd type="none" w="med" len="med"/>
-              <a:tailEnd type="none" w="med" len="med"/>
-            </a:ln>
-          </p:spPr>
-          <p:style>
-            <a:lnRef idx="1">
-              <a:schemeClr val="accent1"/>
-            </a:lnRef>
-            <a:fillRef idx="0">
-              <a:schemeClr val="accent1"/>
-            </a:fillRef>
-            <a:effectRef idx="0">
-              <a:schemeClr val="accent1"/>
-            </a:effectRef>
-            <a:fontRef idx="minor">
-              <a:schemeClr val="tx1"/>
-            </a:fontRef>
-          </p:style>
-        </p:cxnSp>
-        <p:cxnSp>
-          <p:nvCxnSpPr>
-            <p:cNvPr id="7" name="Gerade Verbindung 6"/>
-            <p:cNvCxnSpPr/>
-            <p:nvPr/>
-          </p:nvCxnSpPr>
-          <p:spPr>
-            <a:xfrm>
-              <a:off x="971600" y="2636912"/>
-              <a:ext cx="2664296" cy="0"/>
-            </a:xfrm>
-            <a:prstGeom prst="line">
-              <a:avLst/>
-            </a:prstGeom>
-            <a:ln w="28575">
-              <a:solidFill>
-                <a:schemeClr val="tx1"/>
-              </a:solidFill>
-              <a:headEnd type="none" w="med" len="med"/>
-              <a:tailEnd type="none" w="med" len="med"/>
-            </a:ln>
-          </p:spPr>
-          <p:style>
-            <a:lnRef idx="1">
-              <a:schemeClr val="accent1"/>
-            </a:lnRef>
-            <a:fillRef idx="0">
-              <a:schemeClr val="accent1"/>
-            </a:fillRef>
-            <a:effectRef idx="0">
-              <a:schemeClr val="accent1"/>
-            </a:effectRef>
-            <a:fontRef idx="minor">
-              <a:schemeClr val="tx1"/>
-            </a:fontRef>
-          </p:style>
-        </p:cxnSp>
-        <p:sp>
-          <p:nvSpPr>
-            <p:cNvPr id="19" name="Ellipse 18"/>
-            <p:cNvSpPr/>
-            <p:nvPr/>
-          </p:nvSpPr>
-          <p:spPr>
-            <a:xfrm>
-              <a:off x="3635896" y="2377653"/>
-              <a:ext cx="72008" cy="72008"/>
-            </a:xfrm>
-            <a:prstGeom prst="ellipse">
-              <a:avLst/>
-            </a:prstGeom>
-            <a:noFill/>
-            <a:ln>
-              <a:solidFill>
-                <a:schemeClr val="tx1"/>
-              </a:solidFill>
-            </a:ln>
-          </p:spPr>
-          <p:style>
-            <a:lnRef idx="2">
-              <a:schemeClr val="accent1">
-                <a:shade val="50000"/>
-              </a:schemeClr>
-            </a:lnRef>
-            <a:fillRef idx="1">
-              <a:schemeClr val="accent1"/>
-            </a:fillRef>
-            <a:effectRef idx="0">
-              <a:schemeClr val="accent1"/>
-            </a:effectRef>
-            <a:fontRef idx="minor">
-              <a:schemeClr val="lt1"/>
-            </a:fontRef>
-          </p:style>
-          <p:txBody>
-            <a:bodyPr rtlCol="0" anchor="ctr"/>
-            <a:lstStyle/>
-            <a:p>
-              <a:pPr algn="ctr"/>
-              <a:endParaRPr lang="de-DE"/>
-            </a:p>
-          </p:txBody>
-        </p:sp>
-        <p:sp>
-          <p:nvSpPr>
-            <p:cNvPr id="20" name="Ellipse 19"/>
-            <p:cNvSpPr/>
-            <p:nvPr/>
-          </p:nvSpPr>
-          <p:spPr>
-            <a:xfrm>
-              <a:off x="3635896" y="2601745"/>
-              <a:ext cx="72008" cy="72008"/>
-            </a:xfrm>
-            <a:prstGeom prst="ellipse">
-              <a:avLst/>
-            </a:prstGeom>
-            <a:noFill/>
-            <a:ln>
-              <a:solidFill>
-                <a:schemeClr val="tx1"/>
-              </a:solidFill>
-            </a:ln>
-          </p:spPr>
-          <p:style>
-            <a:lnRef idx="2">
-              <a:schemeClr val="accent1">
-                <a:shade val="50000"/>
-              </a:schemeClr>
-            </a:lnRef>
-            <a:fillRef idx="1">
-              <a:schemeClr val="accent1"/>
-            </a:fillRef>
-            <a:effectRef idx="0">
-              <a:schemeClr val="accent1"/>
-            </a:effectRef>
-            <a:fontRef idx="minor">
-              <a:schemeClr val="lt1"/>
-            </a:fontRef>
-          </p:style>
-          <p:txBody>
-            <a:bodyPr rtlCol="0" anchor="ctr"/>
-            <a:lstStyle/>
-            <a:p>
-              <a:pPr algn="ctr"/>
-              <a:endParaRPr lang="de-DE"/>
-            </a:p>
-          </p:txBody>
-        </p:sp>
-        <p:sp>
-          <p:nvSpPr>
-            <p:cNvPr id="21" name="Ellipse 20"/>
-            <p:cNvSpPr/>
-            <p:nvPr/>
-          </p:nvSpPr>
-          <p:spPr>
-            <a:xfrm>
-              <a:off x="899592" y="2379176"/>
-              <a:ext cx="72008" cy="72008"/>
-            </a:xfrm>
-            <a:prstGeom prst="ellipse">
-              <a:avLst/>
-            </a:prstGeom>
-            <a:noFill/>
-            <a:ln>
-              <a:solidFill>
-                <a:schemeClr val="tx1"/>
-              </a:solidFill>
-            </a:ln>
-          </p:spPr>
-          <p:style>
-            <a:lnRef idx="2">
-              <a:schemeClr val="accent1">
-                <a:shade val="50000"/>
-              </a:schemeClr>
-            </a:lnRef>
-            <a:fillRef idx="1">
-              <a:schemeClr val="accent1"/>
-            </a:fillRef>
-            <a:effectRef idx="0">
-              <a:schemeClr val="accent1"/>
-            </a:effectRef>
-            <a:fontRef idx="minor">
-              <a:schemeClr val="lt1"/>
-            </a:fontRef>
-          </p:style>
-          <p:txBody>
-            <a:bodyPr rtlCol="0" anchor="ctr"/>
-            <a:lstStyle/>
-            <a:p>
-              <a:pPr algn="ctr"/>
-              <a:endParaRPr lang="de-DE"/>
-            </a:p>
-          </p:txBody>
-        </p:sp>
-        <p:sp>
-          <p:nvSpPr>
-            <p:cNvPr id="22" name="Ellipse 21"/>
-            <p:cNvSpPr/>
-            <p:nvPr/>
-          </p:nvSpPr>
-          <p:spPr>
-            <a:xfrm>
-              <a:off x="899592" y="2603268"/>
-              <a:ext cx="72008" cy="72008"/>
-            </a:xfrm>
-            <a:prstGeom prst="ellipse">
-              <a:avLst/>
-            </a:prstGeom>
-            <a:noFill/>
-            <a:ln>
-              <a:solidFill>
-                <a:schemeClr val="tx1"/>
-              </a:solidFill>
-            </a:ln>
-          </p:spPr>
-          <p:style>
-            <a:lnRef idx="2">
-              <a:schemeClr val="accent1">
-                <a:shade val="50000"/>
-              </a:schemeClr>
-            </a:lnRef>
-            <a:fillRef idx="1">
-              <a:schemeClr val="accent1"/>
-            </a:fillRef>
-            <a:effectRef idx="0">
-              <a:schemeClr val="accent1"/>
-            </a:effectRef>
-            <a:fontRef idx="minor">
-              <a:schemeClr val="lt1"/>
-            </a:fontRef>
-          </p:style>
-          <p:txBody>
-            <a:bodyPr rtlCol="0" anchor="ctr"/>
-            <a:lstStyle/>
-            <a:p>
-              <a:pPr algn="ctr"/>
-              <a:endParaRPr lang="de-DE"/>
-            </a:p>
-          </p:txBody>
-        </p:sp>
-      </p:grpSp>
+        <p:txBody>
+          <a:bodyPr rtlCol="0" anchor="ctr"/>
+          <a:lstStyle/>
+          <a:p>
+            <a:pPr algn="ctr"/>
+            <a:endParaRPr lang="de-DE"/>
+          </a:p>
+        </p:txBody>
+      </p:sp>
       <p:grpSp>
         <p:nvGrpSpPr>
           <p:cNvPr id="55" name="Gruppieren 54"/>
@@ -3456,7 +3229,7 @@
         </p:nvGrpSpPr>
         <p:grpSpPr>
           <a:xfrm>
-            <a:off x="899592" y="3424641"/>
+            <a:off x="899592" y="2348880"/>
             <a:ext cx="2808312" cy="580423"/>
             <a:chOff x="544718" y="1480425"/>
             <a:chExt cx="3163186" cy="580423"/>
@@ -3993,6 +3766,302 @@
           </a:p>
         </p:txBody>
       </p:sp>
+      <p:sp>
+        <p:nvSpPr>
+          <p:cNvPr id="33" name="Rechteck 32"/>
+          <p:cNvSpPr/>
+          <p:nvPr/>
+        </p:nvSpPr>
+        <p:spPr>
+          <a:xfrm>
+            <a:off x="1259632" y="3356992"/>
+            <a:ext cx="2304256" cy="360040"/>
+          </a:xfrm>
+          <a:prstGeom prst="rect">
+            <a:avLst/>
+          </a:prstGeom>
+          <a:solidFill>
+            <a:schemeClr val="bg1">
+              <a:lumMod val="75000"/>
+            </a:schemeClr>
+          </a:solidFill>
+          <a:ln w="19050">
+            <a:solidFill>
+              <a:schemeClr val="bg1">
+                <a:lumMod val="65000"/>
+              </a:schemeClr>
+            </a:solidFill>
+          </a:ln>
+        </p:spPr>
+        <p:style>
+          <a:lnRef idx="2">
+            <a:schemeClr val="accent1">
+              <a:shade val="50000"/>
+            </a:schemeClr>
+          </a:lnRef>
+          <a:fillRef idx="1">
+            <a:schemeClr val="accent1"/>
+          </a:fillRef>
+          <a:effectRef idx="0">
+            <a:schemeClr val="accent1"/>
+          </a:effectRef>
+          <a:fontRef idx="minor">
+            <a:schemeClr val="lt1"/>
+          </a:fontRef>
+        </p:style>
+        <p:txBody>
+          <a:bodyPr rtlCol="0" anchor="ctr"/>
+          <a:lstStyle/>
+          <a:p>
+            <a:pPr algn="ctr"/>
+            <a:endParaRPr lang="de-DE"/>
+          </a:p>
+        </p:txBody>
+      </p:sp>
+      <p:sp>
+        <p:nvSpPr>
+          <p:cNvPr id="34" name="Rechteck 33"/>
+          <p:cNvSpPr/>
+          <p:nvPr/>
+        </p:nvSpPr>
+        <p:spPr>
+          <a:xfrm>
+            <a:off x="1259632" y="3789040"/>
+            <a:ext cx="2304256" cy="72008"/>
+          </a:xfrm>
+          <a:prstGeom prst="rect">
+            <a:avLst/>
+          </a:prstGeom>
+          <a:solidFill>
+            <a:schemeClr val="bg1">
+              <a:lumMod val="75000"/>
+            </a:schemeClr>
+          </a:solidFill>
+          <a:ln w="19050">
+            <a:solidFill>
+              <a:schemeClr val="bg1">
+                <a:lumMod val="65000"/>
+              </a:schemeClr>
+            </a:solidFill>
+          </a:ln>
+        </p:spPr>
+        <p:style>
+          <a:lnRef idx="2">
+            <a:schemeClr val="accent1">
+              <a:shade val="50000"/>
+            </a:schemeClr>
+          </a:lnRef>
+          <a:fillRef idx="1">
+            <a:schemeClr val="accent1"/>
+          </a:fillRef>
+          <a:effectRef idx="0">
+            <a:schemeClr val="accent1"/>
+          </a:effectRef>
+          <a:fontRef idx="minor">
+            <a:schemeClr val="lt1"/>
+          </a:fontRef>
+        </p:style>
+        <p:txBody>
+          <a:bodyPr rtlCol="0" anchor="ctr"/>
+          <a:lstStyle/>
+          <a:p>
+            <a:pPr algn="ctr"/>
+            <a:endParaRPr lang="de-DE"/>
+          </a:p>
+        </p:txBody>
+      </p:sp>
+      <p:sp>
+        <p:nvSpPr>
+          <p:cNvPr id="35" name="Rechteck 34"/>
+          <p:cNvSpPr/>
+          <p:nvPr/>
+        </p:nvSpPr>
+        <p:spPr>
+          <a:xfrm>
+            <a:off x="1259632" y="3933056"/>
+            <a:ext cx="2304256" cy="360040"/>
+          </a:xfrm>
+          <a:prstGeom prst="rect">
+            <a:avLst/>
+          </a:prstGeom>
+          <a:solidFill>
+            <a:schemeClr val="bg1">
+              <a:lumMod val="75000"/>
+            </a:schemeClr>
+          </a:solidFill>
+          <a:ln w="19050">
+            <a:solidFill>
+              <a:schemeClr val="bg1">
+                <a:lumMod val="65000"/>
+              </a:schemeClr>
+            </a:solidFill>
+          </a:ln>
+        </p:spPr>
+        <p:style>
+          <a:lnRef idx="2">
+            <a:schemeClr val="accent1">
+              <a:shade val="50000"/>
+            </a:schemeClr>
+          </a:lnRef>
+          <a:fillRef idx="1">
+            <a:schemeClr val="accent1"/>
+          </a:fillRef>
+          <a:effectRef idx="0">
+            <a:schemeClr val="accent1"/>
+          </a:effectRef>
+          <a:fontRef idx="minor">
+            <a:schemeClr val="lt1"/>
+          </a:fontRef>
+        </p:style>
+        <p:txBody>
+          <a:bodyPr rtlCol="0" anchor="ctr"/>
+          <a:lstStyle/>
+          <a:p>
+            <a:pPr algn="ctr"/>
+            <a:endParaRPr lang="de-DE"/>
+          </a:p>
+        </p:txBody>
+      </p:sp>
+      <p:cxnSp>
+        <p:nvCxnSpPr>
+          <p:cNvPr id="37" name="Gerade Verbindung 36"/>
+          <p:cNvCxnSpPr/>
+          <p:nvPr/>
+        </p:nvCxnSpPr>
+        <p:spPr>
+          <a:xfrm>
+            <a:off x="3323629" y="4293096"/>
+            <a:ext cx="0" cy="216024"/>
+          </a:xfrm>
+          <a:prstGeom prst="line">
+            <a:avLst/>
+          </a:prstGeom>
+          <a:ln w="28575">
+            <a:solidFill>
+              <a:schemeClr val="tx1"/>
+            </a:solidFill>
+          </a:ln>
+        </p:spPr>
+        <p:style>
+          <a:lnRef idx="1">
+            <a:schemeClr val="accent1"/>
+          </a:lnRef>
+          <a:fillRef idx="0">
+            <a:schemeClr val="accent1"/>
+          </a:fillRef>
+          <a:effectRef idx="0">
+            <a:schemeClr val="accent1"/>
+          </a:effectRef>
+          <a:fontRef idx="minor">
+            <a:schemeClr val="tx1"/>
+          </a:fontRef>
+        </p:style>
+      </p:cxnSp>
+      <p:cxnSp>
+        <p:nvCxnSpPr>
+          <p:cNvPr id="39" name="Gerade Verbindung 38"/>
+          <p:cNvCxnSpPr/>
+          <p:nvPr/>
+        </p:nvCxnSpPr>
+        <p:spPr>
+          <a:xfrm>
+            <a:off x="3131840" y="4509120"/>
+            <a:ext cx="383577" cy="0"/>
+          </a:xfrm>
+          <a:prstGeom prst="line">
+            <a:avLst/>
+          </a:prstGeom>
+          <a:ln w="38100">
+            <a:solidFill>
+              <a:schemeClr val="tx1"/>
+            </a:solidFill>
+          </a:ln>
+        </p:spPr>
+        <p:style>
+          <a:lnRef idx="1">
+            <a:schemeClr val="accent1"/>
+          </a:lnRef>
+          <a:fillRef idx="0">
+            <a:schemeClr val="accent1"/>
+          </a:fillRef>
+          <a:effectRef idx="0">
+            <a:schemeClr val="accent1"/>
+          </a:effectRef>
+          <a:fontRef idx="minor">
+            <a:schemeClr val="tx1"/>
+          </a:fontRef>
+        </p:style>
+      </p:cxnSp>
+      <p:cxnSp>
+        <p:nvCxnSpPr>
+          <p:cNvPr id="40" name="Gerade Verbindung 39"/>
+          <p:cNvCxnSpPr/>
+          <p:nvPr/>
+        </p:nvCxnSpPr>
+        <p:spPr>
+          <a:xfrm>
+            <a:off x="3195770" y="4581128"/>
+            <a:ext cx="255718" cy="0"/>
+          </a:xfrm>
+          <a:prstGeom prst="line">
+            <a:avLst/>
+          </a:prstGeom>
+          <a:ln w="38100">
+            <a:solidFill>
+              <a:schemeClr val="tx1"/>
+            </a:solidFill>
+          </a:ln>
+        </p:spPr>
+        <p:style>
+          <a:lnRef idx="1">
+            <a:schemeClr val="accent1"/>
+          </a:lnRef>
+          <a:fillRef idx="0">
+            <a:schemeClr val="accent1"/>
+          </a:fillRef>
+          <a:effectRef idx="0">
+            <a:schemeClr val="accent1"/>
+          </a:effectRef>
+          <a:fontRef idx="minor">
+            <a:schemeClr val="tx1"/>
+          </a:fontRef>
+        </p:style>
+      </p:cxnSp>
+      <p:cxnSp>
+        <p:nvCxnSpPr>
+          <p:cNvPr id="43" name="Gerade Verbindung 42"/>
+          <p:cNvCxnSpPr/>
+          <p:nvPr/>
+        </p:nvCxnSpPr>
+        <p:spPr>
+          <a:xfrm>
+            <a:off x="3259699" y="4653136"/>
+            <a:ext cx="127859" cy="0"/>
+          </a:xfrm>
+          <a:prstGeom prst="line">
+            <a:avLst/>
+          </a:prstGeom>
+          <a:ln w="38100">
+            <a:solidFill>
+              <a:schemeClr val="tx1"/>
+            </a:solidFill>
+          </a:ln>
+        </p:spPr>
+        <p:style>
+          <a:lnRef idx="1">
+            <a:schemeClr val="accent1"/>
+          </a:lnRef>
+          <a:fillRef idx="0">
+            <a:schemeClr val="accent1"/>
+          </a:fillRef>
+          <a:effectRef idx="0">
+            <a:schemeClr val="accent1"/>
+          </a:effectRef>
+          <a:fontRef idx="minor">
+            <a:schemeClr val="tx1"/>
+          </a:fontRef>
+        </p:style>
+      </p:cxnSp>
     </p:spTree>
   </p:cSld>
   <p:clrMapOvr>

--- a/material/figures/introduction/transmission_lines.pptx
+++ b/material/figures/introduction/transmission_lines.pptx
@@ -6,6 +6,7 @@
   </p:sldMasterIdLst>
   <p:sldIdLst>
     <p:sldId id="256" r:id="rId2"/>
+    <p:sldId id="257" r:id="rId3"/>
   </p:sldIdLst>
   <p:sldSz cx="9144000" cy="6858000" type="screen4x3"/>
   <p:notesSz cx="6858000" cy="9144000"/>
@@ -289,7 +290,7 @@
             <a:fld id="{90308D75-6CD1-47BF-9C58-4A834C045EAD}" type="datetimeFigureOut">
               <a:rPr lang="de-DE" smtClean="0"/>
               <a:pPr/>
-              <a:t>11.07.2012</a:t>
+              <a:t>14.07.2012</a:t>
             </a:fld>
             <a:endParaRPr lang="de-DE"/>
           </a:p>
@@ -456,7 +457,7 @@
             <a:fld id="{90308D75-6CD1-47BF-9C58-4A834C045EAD}" type="datetimeFigureOut">
               <a:rPr lang="de-DE" smtClean="0"/>
               <a:pPr/>
-              <a:t>11.07.2012</a:t>
+              <a:t>14.07.2012</a:t>
             </a:fld>
             <a:endParaRPr lang="de-DE"/>
           </a:p>
@@ -633,7 +634,7 @@
             <a:fld id="{90308D75-6CD1-47BF-9C58-4A834C045EAD}" type="datetimeFigureOut">
               <a:rPr lang="de-DE" smtClean="0"/>
               <a:pPr/>
-              <a:t>11.07.2012</a:t>
+              <a:t>14.07.2012</a:t>
             </a:fld>
             <a:endParaRPr lang="de-DE"/>
           </a:p>
@@ -800,7 +801,7 @@
             <a:fld id="{90308D75-6CD1-47BF-9C58-4A834C045EAD}" type="datetimeFigureOut">
               <a:rPr lang="de-DE" smtClean="0"/>
               <a:pPr/>
-              <a:t>11.07.2012</a:t>
+              <a:t>14.07.2012</a:t>
             </a:fld>
             <a:endParaRPr lang="de-DE"/>
           </a:p>
@@ -1043,7 +1044,7 @@
             <a:fld id="{90308D75-6CD1-47BF-9C58-4A834C045EAD}" type="datetimeFigureOut">
               <a:rPr lang="de-DE" smtClean="0"/>
               <a:pPr/>
-              <a:t>11.07.2012</a:t>
+              <a:t>14.07.2012</a:t>
             </a:fld>
             <a:endParaRPr lang="de-DE"/>
           </a:p>
@@ -1328,7 +1329,7 @@
             <a:fld id="{90308D75-6CD1-47BF-9C58-4A834C045EAD}" type="datetimeFigureOut">
               <a:rPr lang="de-DE" smtClean="0"/>
               <a:pPr/>
-              <a:t>11.07.2012</a:t>
+              <a:t>14.07.2012</a:t>
             </a:fld>
             <a:endParaRPr lang="de-DE"/>
           </a:p>
@@ -1747,7 +1748,7 @@
             <a:fld id="{90308D75-6CD1-47BF-9C58-4A834C045EAD}" type="datetimeFigureOut">
               <a:rPr lang="de-DE" smtClean="0"/>
               <a:pPr/>
-              <a:t>11.07.2012</a:t>
+              <a:t>14.07.2012</a:t>
             </a:fld>
             <a:endParaRPr lang="de-DE"/>
           </a:p>
@@ -1862,7 +1863,7 @@
             <a:fld id="{90308D75-6CD1-47BF-9C58-4A834C045EAD}" type="datetimeFigureOut">
               <a:rPr lang="de-DE" smtClean="0"/>
               <a:pPr/>
-              <a:t>11.07.2012</a:t>
+              <a:t>14.07.2012</a:t>
             </a:fld>
             <a:endParaRPr lang="de-DE"/>
           </a:p>
@@ -1954,7 +1955,7 @@
             <a:fld id="{90308D75-6CD1-47BF-9C58-4A834C045EAD}" type="datetimeFigureOut">
               <a:rPr lang="de-DE" smtClean="0"/>
               <a:pPr/>
-              <a:t>11.07.2012</a:t>
+              <a:t>14.07.2012</a:t>
             </a:fld>
             <a:endParaRPr lang="de-DE"/>
           </a:p>
@@ -2228,7 +2229,7 @@
             <a:fld id="{90308D75-6CD1-47BF-9C58-4A834C045EAD}" type="datetimeFigureOut">
               <a:rPr lang="de-DE" smtClean="0"/>
               <a:pPr/>
-              <a:t>11.07.2012</a:t>
+              <a:t>14.07.2012</a:t>
             </a:fld>
             <a:endParaRPr lang="de-DE"/>
           </a:p>
@@ -2478,7 +2479,7 @@
             <a:fld id="{90308D75-6CD1-47BF-9C58-4A834C045EAD}" type="datetimeFigureOut">
               <a:rPr lang="de-DE" smtClean="0"/>
               <a:pPr/>
-              <a:t>11.07.2012</a:t>
+              <a:t>14.07.2012</a:t>
             </a:fld>
             <a:endParaRPr lang="de-DE"/>
           </a:p>
@@ -2688,7 +2689,7 @@
             <a:fld id="{90308D75-6CD1-47BF-9C58-4A834C045EAD}" type="datetimeFigureOut">
               <a:rPr lang="de-DE" smtClean="0"/>
               <a:pPr/>
-              <a:t>11.07.2012</a:t>
+              <a:t>14.07.2012</a:t>
             </a:fld>
             <a:endParaRPr lang="de-DE"/>
           </a:p>
@@ -4070,6 +4071,1065 @@
 </p:sld>
 </file>
 
+<file path=ppt/slides/slide2.xml><?xml version="1.0" encoding="utf-8"?>
+<p:sld xmlns:a="http://schemas.openxmlformats.org/drawingml/2006/main" xmlns:r="http://schemas.openxmlformats.org/officeDocument/2006/relationships" xmlns:p="http://schemas.openxmlformats.org/presentationml/2006/main">
+  <p:cSld>
+    <p:spTree>
+      <p:nvGrpSpPr>
+        <p:cNvPr id="1" name=""/>
+        <p:cNvGrpSpPr/>
+        <p:nvPr/>
+      </p:nvGrpSpPr>
+      <p:grpSpPr>
+        <a:xfrm>
+          <a:off x="0" y="0"/>
+          <a:ext cx="0" cy="0"/>
+          <a:chOff x="0" y="0"/>
+          <a:chExt cx="0" cy="0"/>
+        </a:xfrm>
+      </p:grpSpPr>
+      <p:cxnSp>
+        <p:nvCxnSpPr>
+          <p:cNvPr id="44" name="Gerade Verbindung 43"/>
+          <p:cNvCxnSpPr/>
+          <p:nvPr/>
+        </p:nvCxnSpPr>
+        <p:spPr>
+          <a:xfrm>
+            <a:off x="2194663" y="4681552"/>
+            <a:ext cx="0" cy="360040"/>
+          </a:xfrm>
+          <a:prstGeom prst="line">
+            <a:avLst/>
+          </a:prstGeom>
+          <a:ln w="19050">
+            <a:solidFill>
+              <a:schemeClr val="tx1"/>
+            </a:solidFill>
+            <a:headEnd type="none" w="med" len="med"/>
+            <a:tailEnd type="none" w="med" len="med"/>
+          </a:ln>
+        </p:spPr>
+        <p:style>
+          <a:lnRef idx="1">
+            <a:schemeClr val="accent1"/>
+          </a:lnRef>
+          <a:fillRef idx="0">
+            <a:schemeClr val="accent1"/>
+          </a:fillRef>
+          <a:effectRef idx="0">
+            <a:schemeClr val="accent1"/>
+          </a:effectRef>
+          <a:fontRef idx="minor">
+            <a:schemeClr val="tx1"/>
+          </a:fontRef>
+        </p:style>
+      </p:cxnSp>
+      <p:cxnSp>
+        <p:nvCxnSpPr>
+          <p:cNvPr id="45" name="Gerade Verbindung 44"/>
+          <p:cNvCxnSpPr/>
+          <p:nvPr/>
+        </p:nvCxnSpPr>
+        <p:spPr>
+          <a:xfrm>
+            <a:off x="1972888" y="5041592"/>
+            <a:ext cx="432048" cy="0"/>
+          </a:xfrm>
+          <a:prstGeom prst="line">
+            <a:avLst/>
+          </a:prstGeom>
+          <a:ln w="19050">
+            <a:solidFill>
+              <a:schemeClr val="tx1"/>
+            </a:solidFill>
+          </a:ln>
+        </p:spPr>
+        <p:style>
+          <a:lnRef idx="1">
+            <a:schemeClr val="accent1"/>
+          </a:lnRef>
+          <a:fillRef idx="0">
+            <a:schemeClr val="accent1"/>
+          </a:fillRef>
+          <a:effectRef idx="0">
+            <a:schemeClr val="accent1"/>
+          </a:effectRef>
+          <a:fontRef idx="minor">
+            <a:schemeClr val="tx1"/>
+          </a:fontRef>
+        </p:style>
+      </p:cxnSp>
+      <p:cxnSp>
+        <p:nvCxnSpPr>
+          <p:cNvPr id="46" name="Gerade Verbindung 45"/>
+          <p:cNvCxnSpPr/>
+          <p:nvPr/>
+        </p:nvCxnSpPr>
+        <p:spPr>
+          <a:xfrm flipH="1">
+            <a:off x="2044896" y="5113600"/>
+            <a:ext cx="288032" cy="0"/>
+          </a:xfrm>
+          <a:prstGeom prst="line">
+            <a:avLst/>
+          </a:prstGeom>
+          <a:ln w="19050">
+            <a:solidFill>
+              <a:schemeClr val="tx1"/>
+            </a:solidFill>
+          </a:ln>
+        </p:spPr>
+        <p:style>
+          <a:lnRef idx="1">
+            <a:schemeClr val="accent1"/>
+          </a:lnRef>
+          <a:fillRef idx="0">
+            <a:schemeClr val="accent1"/>
+          </a:fillRef>
+          <a:effectRef idx="0">
+            <a:schemeClr val="accent1"/>
+          </a:effectRef>
+          <a:fontRef idx="minor">
+            <a:schemeClr val="tx1"/>
+          </a:fontRef>
+        </p:style>
+      </p:cxnSp>
+      <p:cxnSp>
+        <p:nvCxnSpPr>
+          <p:cNvPr id="47" name="Gerade Verbindung 46"/>
+          <p:cNvCxnSpPr/>
+          <p:nvPr/>
+        </p:nvCxnSpPr>
+        <p:spPr>
+          <a:xfrm flipH="1">
+            <a:off x="2116904" y="5185608"/>
+            <a:ext cx="144016" cy="0"/>
+          </a:xfrm>
+          <a:prstGeom prst="line">
+            <a:avLst/>
+          </a:prstGeom>
+          <a:ln w="19050">
+            <a:solidFill>
+              <a:schemeClr val="tx1"/>
+            </a:solidFill>
+          </a:ln>
+        </p:spPr>
+        <p:style>
+          <a:lnRef idx="1">
+            <a:schemeClr val="accent1"/>
+          </a:lnRef>
+          <a:fillRef idx="0">
+            <a:schemeClr val="accent1"/>
+          </a:fillRef>
+          <a:effectRef idx="0">
+            <a:schemeClr val="accent1"/>
+          </a:effectRef>
+          <a:fontRef idx="minor">
+            <a:schemeClr val="tx1"/>
+          </a:fontRef>
+        </p:style>
+      </p:cxnSp>
+      <p:grpSp>
+        <p:nvGrpSpPr>
+          <p:cNvPr id="48" name="Gruppieren 47"/>
+          <p:cNvGrpSpPr/>
+          <p:nvPr/>
+        </p:nvGrpSpPr>
+        <p:grpSpPr>
+          <a:xfrm>
+            <a:off x="2476857" y="4494097"/>
+            <a:ext cx="401841" cy="371728"/>
+            <a:chOff x="4851122" y="2121168"/>
+            <a:chExt cx="401841" cy="371728"/>
+          </a:xfrm>
+        </p:grpSpPr>
+        <p:sp>
+          <p:nvSpPr>
+            <p:cNvPr id="49" name="Ellipse 48"/>
+            <p:cNvSpPr/>
+            <p:nvPr/>
+          </p:nvSpPr>
+          <p:spPr>
+            <a:xfrm>
+              <a:off x="4860032" y="2132856"/>
+              <a:ext cx="360040" cy="360040"/>
+            </a:xfrm>
+            <a:prstGeom prst="ellipse">
+              <a:avLst/>
+            </a:prstGeom>
+            <a:noFill/>
+            <a:ln w="19050">
+              <a:solidFill>
+                <a:schemeClr val="tx1"/>
+              </a:solidFill>
+            </a:ln>
+          </p:spPr>
+          <p:style>
+            <a:lnRef idx="2">
+              <a:schemeClr val="accent1">
+                <a:shade val="50000"/>
+              </a:schemeClr>
+            </a:lnRef>
+            <a:fillRef idx="1">
+              <a:schemeClr val="accent1"/>
+            </a:fillRef>
+            <a:effectRef idx="0">
+              <a:schemeClr val="accent1"/>
+            </a:effectRef>
+            <a:fontRef idx="minor">
+              <a:schemeClr val="lt1"/>
+            </a:fontRef>
+          </p:style>
+          <p:txBody>
+            <a:bodyPr rtlCol="0" anchor="ctr"/>
+            <a:lstStyle/>
+            <a:p>
+              <a:pPr algn="ctr"/>
+              <a:endParaRPr lang="de-DE" sz="1600" i="1" baseline="-25000" dirty="0">
+                <a:solidFill>
+                  <a:schemeClr val="tx1"/>
+                </a:solidFill>
+                <a:latin typeface="Times New Roman" pitchFamily="18" charset="0"/>
+                <a:cs typeface="Times New Roman" pitchFamily="18" charset="0"/>
+              </a:endParaRPr>
+            </a:p>
+          </p:txBody>
+        </p:sp>
+        <p:sp>
+          <p:nvSpPr>
+            <p:cNvPr id="50" name="Rechteck 49"/>
+            <p:cNvSpPr/>
+            <p:nvPr/>
+          </p:nvSpPr>
+          <p:spPr>
+            <a:xfrm>
+              <a:off x="4851122" y="2121168"/>
+              <a:ext cx="401841" cy="338554"/>
+            </a:xfrm>
+            <a:prstGeom prst="rect">
+              <a:avLst/>
+            </a:prstGeom>
+            <a:ln w="19050">
+              <a:noFill/>
+            </a:ln>
+          </p:spPr>
+          <p:txBody>
+            <a:bodyPr wrap="none">
+              <a:spAutoFit/>
+            </a:bodyPr>
+            <a:lstStyle/>
+            <a:p>
+              <a:pPr algn="ctr"/>
+              <a:r>
+                <a:rPr lang="de-DE" sz="1600" i="1" dirty="0" smtClean="0">
+                  <a:solidFill>
+                    <a:schemeClr val="tx1"/>
+                  </a:solidFill>
+                  <a:latin typeface="Times New Roman" pitchFamily="18" charset="0"/>
+                  <a:cs typeface="Times New Roman" pitchFamily="18" charset="0"/>
+                </a:rPr>
+                <a:t>V</a:t>
+              </a:r>
+              <a:r>
+                <a:rPr lang="de-DE" sz="1600" i="1" baseline="-25000" dirty="0" smtClean="0">
+                  <a:latin typeface="Times New Roman" pitchFamily="18" charset="0"/>
+                  <a:cs typeface="Times New Roman" pitchFamily="18" charset="0"/>
+                </a:rPr>
+                <a:t>in</a:t>
+              </a:r>
+              <a:endParaRPr lang="de-DE" sz="2400" i="1" baseline="-25000" dirty="0">
+                <a:solidFill>
+                  <a:schemeClr val="tx1"/>
+                </a:solidFill>
+                <a:latin typeface="Times New Roman" pitchFamily="18" charset="0"/>
+                <a:cs typeface="Times New Roman" pitchFamily="18" charset="0"/>
+              </a:endParaRPr>
+            </a:p>
+          </p:txBody>
+        </p:sp>
+      </p:grpSp>
+      <p:cxnSp>
+        <p:nvCxnSpPr>
+          <p:cNvPr id="51" name="Gerade Verbindung 50"/>
+          <p:cNvCxnSpPr/>
+          <p:nvPr/>
+        </p:nvCxnSpPr>
+        <p:spPr>
+          <a:xfrm>
+            <a:off x="6161388" y="4693054"/>
+            <a:ext cx="288032" cy="0"/>
+          </a:xfrm>
+          <a:prstGeom prst="line">
+            <a:avLst/>
+          </a:prstGeom>
+          <a:ln w="19050">
+            <a:solidFill>
+              <a:schemeClr val="tx1"/>
+            </a:solidFill>
+          </a:ln>
+        </p:spPr>
+        <p:style>
+          <a:lnRef idx="1">
+            <a:schemeClr val="accent1"/>
+          </a:lnRef>
+          <a:fillRef idx="0">
+            <a:schemeClr val="accent1"/>
+          </a:fillRef>
+          <a:effectRef idx="0">
+            <a:schemeClr val="accent1"/>
+          </a:effectRef>
+          <a:fontRef idx="minor">
+            <a:schemeClr val="tx1"/>
+          </a:fontRef>
+        </p:style>
+      </p:cxnSp>
+      <p:cxnSp>
+        <p:nvCxnSpPr>
+          <p:cNvPr id="52" name="Gerade Verbindung 51"/>
+          <p:cNvCxnSpPr/>
+          <p:nvPr/>
+        </p:nvCxnSpPr>
+        <p:spPr>
+          <a:xfrm flipH="1">
+            <a:off x="2194663" y="4687303"/>
+            <a:ext cx="288032" cy="0"/>
+          </a:xfrm>
+          <a:prstGeom prst="line">
+            <a:avLst/>
+          </a:prstGeom>
+          <a:ln w="19050">
+            <a:solidFill>
+              <a:schemeClr val="tx1"/>
+            </a:solidFill>
+          </a:ln>
+        </p:spPr>
+        <p:style>
+          <a:lnRef idx="1">
+            <a:schemeClr val="accent1"/>
+          </a:lnRef>
+          <a:fillRef idx="0">
+            <a:schemeClr val="accent1"/>
+          </a:fillRef>
+          <a:effectRef idx="0">
+            <a:schemeClr val="accent1"/>
+          </a:effectRef>
+          <a:fontRef idx="minor">
+            <a:schemeClr val="tx1"/>
+          </a:fontRef>
+        </p:style>
+      </p:cxnSp>
+      <p:sp>
+        <p:nvSpPr>
+          <p:cNvPr id="55" name="Ellipse 54"/>
+          <p:cNvSpPr/>
+          <p:nvPr/>
+        </p:nvSpPr>
+        <p:spPr>
+          <a:xfrm>
+            <a:off x="3411165" y="4581059"/>
+            <a:ext cx="127859" cy="216024"/>
+          </a:xfrm>
+          <a:prstGeom prst="ellipse">
+            <a:avLst/>
+          </a:prstGeom>
+          <a:solidFill>
+            <a:schemeClr val="bg1"/>
+          </a:solidFill>
+          <a:ln w="19050">
+            <a:solidFill>
+              <a:schemeClr val="tx1"/>
+            </a:solidFill>
+          </a:ln>
+        </p:spPr>
+        <p:style>
+          <a:lnRef idx="2">
+            <a:schemeClr val="accent1">
+              <a:shade val="50000"/>
+            </a:schemeClr>
+          </a:lnRef>
+          <a:fillRef idx="1">
+            <a:schemeClr val="accent1"/>
+          </a:fillRef>
+          <a:effectRef idx="0">
+            <a:schemeClr val="accent1"/>
+          </a:effectRef>
+          <a:fontRef idx="minor">
+            <a:schemeClr val="lt1"/>
+          </a:fontRef>
+        </p:style>
+        <p:txBody>
+          <a:bodyPr rtlCol="0" anchor="ctr"/>
+          <a:lstStyle/>
+          <a:p>
+            <a:pPr algn="ctr"/>
+            <a:endParaRPr lang="de-DE"/>
+          </a:p>
+        </p:txBody>
+      </p:sp>
+      <p:cxnSp>
+        <p:nvCxnSpPr>
+          <p:cNvPr id="56" name="Gerade Verbindung 55"/>
+          <p:cNvCxnSpPr>
+            <a:endCxn id="58" idx="0"/>
+          </p:cNvCxnSpPr>
+          <p:nvPr/>
+        </p:nvCxnSpPr>
+        <p:spPr>
+          <a:xfrm flipV="1">
+            <a:off x="3474764" y="4581386"/>
+            <a:ext cx="2578349" cy="662"/>
+          </a:xfrm>
+          <a:prstGeom prst="line">
+            <a:avLst/>
+          </a:prstGeom>
+          <a:ln w="19050">
+            <a:solidFill>
+              <a:schemeClr val="tx1"/>
+            </a:solidFill>
+          </a:ln>
+        </p:spPr>
+        <p:style>
+          <a:lnRef idx="1">
+            <a:schemeClr val="accent1"/>
+          </a:lnRef>
+          <a:fillRef idx="0">
+            <a:schemeClr val="accent1"/>
+          </a:fillRef>
+          <a:effectRef idx="0">
+            <a:schemeClr val="accent1"/>
+          </a:effectRef>
+          <a:fontRef idx="minor">
+            <a:schemeClr val="tx1"/>
+          </a:fontRef>
+        </p:style>
+      </p:cxnSp>
+      <p:cxnSp>
+        <p:nvCxnSpPr>
+          <p:cNvPr id="57" name="Gerade Verbindung 56"/>
+          <p:cNvCxnSpPr>
+            <a:stCxn id="55" idx="4"/>
+            <a:endCxn id="58" idx="2"/>
+          </p:cNvCxnSpPr>
+          <p:nvPr/>
+        </p:nvCxnSpPr>
+        <p:spPr>
+          <a:xfrm>
+            <a:off x="3475095" y="4797083"/>
+            <a:ext cx="2587682" cy="3349"/>
+          </a:xfrm>
+          <a:prstGeom prst="line">
+            <a:avLst/>
+          </a:prstGeom>
+          <a:ln w="19050">
+            <a:solidFill>
+              <a:schemeClr val="tx1"/>
+            </a:solidFill>
+          </a:ln>
+        </p:spPr>
+        <p:style>
+          <a:lnRef idx="1">
+            <a:schemeClr val="accent1"/>
+          </a:lnRef>
+          <a:fillRef idx="0">
+            <a:schemeClr val="accent1"/>
+          </a:fillRef>
+          <a:effectRef idx="0">
+            <a:schemeClr val="accent1"/>
+          </a:effectRef>
+          <a:fontRef idx="minor">
+            <a:schemeClr val="tx1"/>
+          </a:fontRef>
+        </p:style>
+      </p:cxnSp>
+      <p:sp>
+        <p:nvSpPr>
+          <p:cNvPr id="58" name="Bogen 57"/>
+          <p:cNvSpPr/>
+          <p:nvPr/>
+        </p:nvSpPr>
+        <p:spPr>
+          <a:xfrm>
+            <a:off x="5963271" y="4581128"/>
+            <a:ext cx="192905" cy="219359"/>
+          </a:xfrm>
+          <a:prstGeom prst="arc">
+            <a:avLst>
+              <a:gd name="adj1" fmla="val 15992582"/>
+              <a:gd name="adj2" fmla="val 5304258"/>
+            </a:avLst>
+          </a:prstGeom>
+          <a:ln w="19050">
+            <a:solidFill>
+              <a:schemeClr val="tx1"/>
+            </a:solidFill>
+          </a:ln>
+        </p:spPr>
+        <p:style>
+          <a:lnRef idx="1">
+            <a:schemeClr val="accent1"/>
+          </a:lnRef>
+          <a:fillRef idx="0">
+            <a:schemeClr val="accent1"/>
+          </a:fillRef>
+          <a:effectRef idx="0">
+            <a:schemeClr val="accent1"/>
+          </a:effectRef>
+          <a:fontRef idx="minor">
+            <a:schemeClr val="tx1"/>
+          </a:fontRef>
+        </p:style>
+        <p:txBody>
+          <a:bodyPr rtlCol="0" anchor="ctr"/>
+          <a:lstStyle/>
+          <a:p>
+            <a:pPr algn="ctr"/>
+            <a:endParaRPr lang="de-DE"/>
+          </a:p>
+        </p:txBody>
+      </p:sp>
+      <p:cxnSp>
+        <p:nvCxnSpPr>
+          <p:cNvPr id="59" name="Gerade Verbindung 58"/>
+          <p:cNvCxnSpPr/>
+          <p:nvPr/>
+        </p:nvCxnSpPr>
+        <p:spPr>
+          <a:xfrm>
+            <a:off x="3799671" y="4807702"/>
+            <a:ext cx="740" cy="251143"/>
+          </a:xfrm>
+          <a:prstGeom prst="line">
+            <a:avLst/>
+          </a:prstGeom>
+          <a:ln w="19050">
+            <a:solidFill>
+              <a:schemeClr val="tx1"/>
+            </a:solidFill>
+          </a:ln>
+        </p:spPr>
+        <p:style>
+          <a:lnRef idx="1">
+            <a:schemeClr val="accent1"/>
+          </a:lnRef>
+          <a:fillRef idx="0">
+            <a:schemeClr val="accent1"/>
+          </a:fillRef>
+          <a:effectRef idx="0">
+            <a:schemeClr val="accent1"/>
+          </a:effectRef>
+          <a:fontRef idx="minor">
+            <a:schemeClr val="tx1"/>
+          </a:fontRef>
+        </p:style>
+      </p:cxnSp>
+      <p:cxnSp>
+        <p:nvCxnSpPr>
+          <p:cNvPr id="60" name="Gerade Verbindung 59"/>
+          <p:cNvCxnSpPr/>
+          <p:nvPr/>
+        </p:nvCxnSpPr>
+        <p:spPr>
+          <a:xfrm>
+            <a:off x="3602953" y="5058845"/>
+            <a:ext cx="383577" cy="0"/>
+          </a:xfrm>
+          <a:prstGeom prst="line">
+            <a:avLst/>
+          </a:prstGeom>
+          <a:ln w="19050">
+            <a:solidFill>
+              <a:schemeClr val="tx1"/>
+            </a:solidFill>
+          </a:ln>
+        </p:spPr>
+        <p:style>
+          <a:lnRef idx="1">
+            <a:schemeClr val="accent1"/>
+          </a:lnRef>
+          <a:fillRef idx="0">
+            <a:schemeClr val="accent1"/>
+          </a:fillRef>
+          <a:effectRef idx="0">
+            <a:schemeClr val="accent1"/>
+          </a:effectRef>
+          <a:fontRef idx="minor">
+            <a:schemeClr val="tx1"/>
+          </a:fontRef>
+        </p:style>
+      </p:cxnSp>
+      <p:cxnSp>
+        <p:nvCxnSpPr>
+          <p:cNvPr id="61" name="Gerade Verbindung 60"/>
+          <p:cNvCxnSpPr/>
+          <p:nvPr/>
+        </p:nvCxnSpPr>
+        <p:spPr>
+          <a:xfrm>
+            <a:off x="3666883" y="5130853"/>
+            <a:ext cx="255718" cy="0"/>
+          </a:xfrm>
+          <a:prstGeom prst="line">
+            <a:avLst/>
+          </a:prstGeom>
+          <a:ln w="19050">
+            <a:solidFill>
+              <a:schemeClr val="tx1"/>
+            </a:solidFill>
+          </a:ln>
+        </p:spPr>
+        <p:style>
+          <a:lnRef idx="1">
+            <a:schemeClr val="accent1"/>
+          </a:lnRef>
+          <a:fillRef idx="0">
+            <a:schemeClr val="accent1"/>
+          </a:fillRef>
+          <a:effectRef idx="0">
+            <a:schemeClr val="accent1"/>
+          </a:effectRef>
+          <a:fontRef idx="minor">
+            <a:schemeClr val="tx1"/>
+          </a:fontRef>
+        </p:style>
+      </p:cxnSp>
+      <p:cxnSp>
+        <p:nvCxnSpPr>
+          <p:cNvPr id="62" name="Gerade Verbindung 61"/>
+          <p:cNvCxnSpPr/>
+          <p:nvPr/>
+        </p:nvCxnSpPr>
+        <p:spPr>
+          <a:xfrm>
+            <a:off x="3730812" y="5202861"/>
+            <a:ext cx="127859" cy="0"/>
+          </a:xfrm>
+          <a:prstGeom prst="line">
+            <a:avLst/>
+          </a:prstGeom>
+          <a:ln w="19050">
+            <a:solidFill>
+              <a:schemeClr val="tx1"/>
+            </a:solidFill>
+          </a:ln>
+        </p:spPr>
+        <p:style>
+          <a:lnRef idx="1">
+            <a:schemeClr val="accent1"/>
+          </a:lnRef>
+          <a:fillRef idx="0">
+            <a:schemeClr val="accent1"/>
+          </a:fillRef>
+          <a:effectRef idx="0">
+            <a:schemeClr val="accent1"/>
+          </a:effectRef>
+          <a:fontRef idx="minor">
+            <a:schemeClr val="tx1"/>
+          </a:fontRef>
+        </p:style>
+      </p:cxnSp>
+      <p:cxnSp>
+        <p:nvCxnSpPr>
+          <p:cNvPr id="63" name="Gerade Verbindung 62"/>
+          <p:cNvCxnSpPr/>
+          <p:nvPr/>
+        </p:nvCxnSpPr>
+        <p:spPr>
+          <a:xfrm flipH="1">
+            <a:off x="3214791" y="4684063"/>
+            <a:ext cx="255717" cy="0"/>
+          </a:xfrm>
+          <a:prstGeom prst="line">
+            <a:avLst/>
+          </a:prstGeom>
+          <a:ln w="19050">
+            <a:solidFill>
+              <a:schemeClr val="tx1"/>
+            </a:solidFill>
+          </a:ln>
+        </p:spPr>
+        <p:style>
+          <a:lnRef idx="1">
+            <a:schemeClr val="accent1"/>
+          </a:lnRef>
+          <a:fillRef idx="0">
+            <a:schemeClr val="accent1"/>
+          </a:fillRef>
+          <a:effectRef idx="0">
+            <a:schemeClr val="accent1"/>
+          </a:effectRef>
+          <a:fontRef idx="minor">
+            <a:schemeClr val="tx1"/>
+          </a:fontRef>
+        </p:style>
+      </p:cxnSp>
+      <p:grpSp>
+        <p:nvGrpSpPr>
+          <p:cNvPr id="64" name="Gruppieren 63"/>
+          <p:cNvGrpSpPr/>
+          <p:nvPr/>
+        </p:nvGrpSpPr>
+        <p:grpSpPr>
+          <a:xfrm rot="16200000">
+            <a:off x="3035107" y="4647917"/>
+            <a:ext cx="288032" cy="72008"/>
+            <a:chOff x="4427984" y="3573016"/>
+            <a:chExt cx="288032" cy="72008"/>
+          </a:xfrm>
+        </p:grpSpPr>
+        <p:cxnSp>
+          <p:nvCxnSpPr>
+            <p:cNvPr id="65" name="Gerade Verbindung 64"/>
+            <p:cNvCxnSpPr/>
+            <p:nvPr/>
+          </p:nvCxnSpPr>
+          <p:spPr>
+            <a:xfrm>
+              <a:off x="4427984" y="3645024"/>
+              <a:ext cx="288032" cy="0"/>
+            </a:xfrm>
+            <a:prstGeom prst="line">
+              <a:avLst/>
+            </a:prstGeom>
+            <a:ln w="19050">
+              <a:solidFill>
+                <a:schemeClr val="tx1"/>
+              </a:solidFill>
+            </a:ln>
+          </p:spPr>
+          <p:style>
+            <a:lnRef idx="1">
+              <a:schemeClr val="accent1"/>
+            </a:lnRef>
+            <a:fillRef idx="0">
+              <a:schemeClr val="accent1"/>
+            </a:fillRef>
+            <a:effectRef idx="0">
+              <a:schemeClr val="accent1"/>
+            </a:effectRef>
+            <a:fontRef idx="minor">
+              <a:schemeClr val="tx1"/>
+            </a:fontRef>
+          </p:style>
+        </p:cxnSp>
+        <p:cxnSp>
+          <p:nvCxnSpPr>
+            <p:cNvPr id="66" name="Gerade Verbindung 65"/>
+            <p:cNvCxnSpPr/>
+            <p:nvPr/>
+          </p:nvCxnSpPr>
+          <p:spPr>
+            <a:xfrm>
+              <a:off x="4427984" y="3573016"/>
+              <a:ext cx="288032" cy="0"/>
+            </a:xfrm>
+            <a:prstGeom prst="line">
+              <a:avLst/>
+            </a:prstGeom>
+            <a:ln w="19050">
+              <a:solidFill>
+                <a:schemeClr val="tx1"/>
+              </a:solidFill>
+            </a:ln>
+          </p:spPr>
+          <p:style>
+            <a:lnRef idx="1">
+              <a:schemeClr val="accent1"/>
+            </a:lnRef>
+            <a:fillRef idx="0">
+              <a:schemeClr val="accent1"/>
+            </a:fillRef>
+            <a:effectRef idx="0">
+              <a:schemeClr val="accent1"/>
+            </a:effectRef>
+            <a:fontRef idx="minor">
+              <a:schemeClr val="tx1"/>
+            </a:fontRef>
+          </p:style>
+        </p:cxnSp>
+      </p:grpSp>
+      <p:cxnSp>
+        <p:nvCxnSpPr>
+          <p:cNvPr id="67" name="Gerade Verbindung 66"/>
+          <p:cNvCxnSpPr/>
+          <p:nvPr/>
+        </p:nvCxnSpPr>
+        <p:spPr>
+          <a:xfrm>
+            <a:off x="2851482" y="4684307"/>
+            <a:ext cx="288032" cy="0"/>
+          </a:xfrm>
+          <a:prstGeom prst="line">
+            <a:avLst/>
+          </a:prstGeom>
+          <a:ln w="19050">
+            <a:solidFill>
+              <a:schemeClr val="tx1"/>
+            </a:solidFill>
+          </a:ln>
+        </p:spPr>
+        <p:style>
+          <a:lnRef idx="1">
+            <a:schemeClr val="accent1"/>
+          </a:lnRef>
+          <a:fillRef idx="0">
+            <a:schemeClr val="accent1"/>
+          </a:fillRef>
+          <a:effectRef idx="0">
+            <a:schemeClr val="accent1"/>
+          </a:effectRef>
+          <a:fontRef idx="minor">
+            <a:schemeClr val="tx1"/>
+          </a:fontRef>
+        </p:style>
+      </p:cxnSp>
+      <p:sp>
+        <p:nvSpPr>
+          <p:cNvPr id="68" name="Textfeld 67"/>
+          <p:cNvSpPr txBox="1"/>
+          <p:nvPr/>
+        </p:nvSpPr>
+        <p:spPr>
+          <a:xfrm>
+            <a:off x="2912737" y="4013998"/>
+            <a:ext cx="489236" cy="400110"/>
+          </a:xfrm>
+          <a:prstGeom prst="rect">
+            <a:avLst/>
+          </a:prstGeom>
+          <a:noFill/>
+        </p:spPr>
+        <p:txBody>
+          <a:bodyPr wrap="none" rtlCol="0">
+            <a:spAutoFit/>
+          </a:bodyPr>
+          <a:lstStyle/>
+          <a:p>
+            <a:r>
+              <a:rPr lang="de-DE" sz="2000" i="1" dirty="0" err="1" smtClean="0">
+                <a:latin typeface="Times New Roman" pitchFamily="18" charset="0"/>
+                <a:cs typeface="Times New Roman" pitchFamily="18" charset="0"/>
+              </a:rPr>
+              <a:t>C</a:t>
+            </a:r>
+            <a:r>
+              <a:rPr lang="de-DE" sz="2000" i="1" baseline="-25000" dirty="0" err="1" smtClean="0">
+                <a:latin typeface="Times New Roman" pitchFamily="18" charset="0"/>
+                <a:cs typeface="Times New Roman" pitchFamily="18" charset="0"/>
+              </a:rPr>
+              <a:t>in</a:t>
+            </a:r>
+            <a:endParaRPr lang="de-DE" sz="2000" i="1" baseline="-25000" dirty="0">
+              <a:latin typeface="Times New Roman" pitchFamily="18" charset="0"/>
+              <a:cs typeface="Times New Roman" pitchFamily="18" charset="0"/>
+            </a:endParaRPr>
+          </a:p>
+        </p:txBody>
+      </p:sp>
+      <p:sp>
+        <p:nvSpPr>
+          <p:cNvPr id="76" name="Ellipse 75"/>
+          <p:cNvSpPr/>
+          <p:nvPr/>
+        </p:nvSpPr>
+        <p:spPr>
+          <a:xfrm>
+            <a:off x="6425356" y="4659960"/>
+            <a:ext cx="72008" cy="72008"/>
+          </a:xfrm>
+          <a:prstGeom prst="ellipse">
+            <a:avLst/>
+          </a:prstGeom>
+          <a:solidFill>
+            <a:schemeClr val="bg1"/>
+          </a:solidFill>
+          <a:ln>
+            <a:solidFill>
+              <a:schemeClr val="tx1"/>
+            </a:solidFill>
+          </a:ln>
+        </p:spPr>
+        <p:style>
+          <a:lnRef idx="2">
+            <a:schemeClr val="accent1">
+              <a:shade val="50000"/>
+            </a:schemeClr>
+          </a:lnRef>
+          <a:fillRef idx="1">
+            <a:schemeClr val="accent1"/>
+          </a:fillRef>
+          <a:effectRef idx="0">
+            <a:schemeClr val="accent1"/>
+          </a:effectRef>
+          <a:fontRef idx="minor">
+            <a:schemeClr val="lt1"/>
+          </a:fontRef>
+        </p:style>
+        <p:txBody>
+          <a:bodyPr rtlCol="0" anchor="ctr"/>
+          <a:lstStyle/>
+          <a:p>
+            <a:pPr algn="ctr"/>
+            <a:endParaRPr lang="de-DE"/>
+          </a:p>
+        </p:txBody>
+      </p:sp>
+      <p:cxnSp>
+        <p:nvCxnSpPr>
+          <p:cNvPr id="81" name="Gerade Verbindung 80"/>
+          <p:cNvCxnSpPr/>
+          <p:nvPr/>
+        </p:nvCxnSpPr>
+        <p:spPr>
+          <a:xfrm>
+            <a:off x="3419872" y="4077072"/>
+            <a:ext cx="0" cy="144016"/>
+          </a:xfrm>
+          <a:prstGeom prst="line">
+            <a:avLst/>
+          </a:prstGeom>
+          <a:ln w="12700">
+            <a:solidFill>
+              <a:schemeClr val="tx1"/>
+            </a:solidFill>
+          </a:ln>
+        </p:spPr>
+        <p:style>
+          <a:lnRef idx="1">
+            <a:schemeClr val="accent1"/>
+          </a:lnRef>
+          <a:fillRef idx="0">
+            <a:schemeClr val="accent1"/>
+          </a:fillRef>
+          <a:effectRef idx="0">
+            <a:schemeClr val="accent1"/>
+          </a:effectRef>
+          <a:fontRef idx="minor">
+            <a:schemeClr val="tx1"/>
+          </a:fontRef>
+        </p:style>
+      </p:cxnSp>
+      <p:cxnSp>
+        <p:nvCxnSpPr>
+          <p:cNvPr id="83" name="Gerade Verbindung 82"/>
+          <p:cNvCxnSpPr/>
+          <p:nvPr/>
+        </p:nvCxnSpPr>
+        <p:spPr>
+          <a:xfrm>
+            <a:off x="3419872" y="4149080"/>
+            <a:ext cx="2664296" cy="0"/>
+          </a:xfrm>
+          <a:prstGeom prst="line">
+            <a:avLst/>
+          </a:prstGeom>
+          <a:ln w="12700">
+            <a:solidFill>
+              <a:schemeClr val="tx1"/>
+            </a:solidFill>
+          </a:ln>
+        </p:spPr>
+        <p:style>
+          <a:lnRef idx="1">
+            <a:schemeClr val="accent1"/>
+          </a:lnRef>
+          <a:fillRef idx="0">
+            <a:schemeClr val="accent1"/>
+          </a:fillRef>
+          <a:effectRef idx="0">
+            <a:schemeClr val="accent1"/>
+          </a:effectRef>
+          <a:fontRef idx="minor">
+            <a:schemeClr val="tx1"/>
+          </a:fontRef>
+        </p:style>
+      </p:cxnSp>
+      <p:cxnSp>
+        <p:nvCxnSpPr>
+          <p:cNvPr id="84" name="Gerade Verbindung 83"/>
+          <p:cNvCxnSpPr/>
+          <p:nvPr/>
+        </p:nvCxnSpPr>
+        <p:spPr>
+          <a:xfrm>
+            <a:off x="6084168" y="4077072"/>
+            <a:ext cx="0" cy="144016"/>
+          </a:xfrm>
+          <a:prstGeom prst="line">
+            <a:avLst/>
+          </a:prstGeom>
+          <a:ln w="12700">
+            <a:solidFill>
+              <a:schemeClr val="tx1"/>
+            </a:solidFill>
+          </a:ln>
+        </p:spPr>
+        <p:style>
+          <a:lnRef idx="1">
+            <a:schemeClr val="accent1"/>
+          </a:lnRef>
+          <a:fillRef idx="0">
+            <a:schemeClr val="accent1"/>
+          </a:fillRef>
+          <a:effectRef idx="0">
+            <a:schemeClr val="accent1"/>
+          </a:effectRef>
+          <a:fontRef idx="minor">
+            <a:schemeClr val="tx1"/>
+          </a:fontRef>
+        </p:style>
+      </p:cxnSp>
+      <p:sp>
+        <p:nvSpPr>
+          <p:cNvPr id="85" name="Textfeld 84"/>
+          <p:cNvSpPr txBox="1"/>
+          <p:nvPr/>
+        </p:nvSpPr>
+        <p:spPr>
+          <a:xfrm>
+            <a:off x="4427984" y="3748970"/>
+            <a:ext cx="494046" cy="400110"/>
+          </a:xfrm>
+          <a:prstGeom prst="rect">
+            <a:avLst/>
+          </a:prstGeom>
+          <a:noFill/>
+        </p:spPr>
+        <p:txBody>
+          <a:bodyPr wrap="none" rtlCol="0">
+            <a:spAutoFit/>
+          </a:bodyPr>
+          <a:lstStyle/>
+          <a:p>
+            <a:r>
+              <a:rPr lang="el-GR" sz="2000" i="1" dirty="0" smtClean="0">
+                <a:latin typeface="Times New Roman" pitchFamily="18" charset="0"/>
+                <a:cs typeface="Times New Roman" pitchFamily="18" charset="0"/>
+              </a:rPr>
+              <a:t>λ</a:t>
+            </a:r>
+            <a:r>
+              <a:rPr lang="de-DE" sz="2000" i="1" dirty="0" smtClean="0">
+                <a:latin typeface="Times New Roman" pitchFamily="18" charset="0"/>
+                <a:cs typeface="Times New Roman" pitchFamily="18" charset="0"/>
+              </a:rPr>
+              <a:t>/2</a:t>
+            </a:r>
+            <a:endParaRPr lang="de-DE" sz="2000" i="1" dirty="0">
+              <a:latin typeface="Times New Roman" pitchFamily="18" charset="0"/>
+              <a:cs typeface="Times New Roman" pitchFamily="18" charset="0"/>
+            </a:endParaRPr>
+          </a:p>
+        </p:txBody>
+      </p:sp>
+    </p:spTree>
+  </p:cSld>
+  <p:clrMapOvr>
+    <a:masterClrMapping/>
+  </p:clrMapOvr>
+</p:sld>
+</file>
+
 <file path=ppt/theme/theme1.xml><?xml version="1.0" encoding="utf-8"?>
 <a:theme xmlns:a="http://schemas.openxmlformats.org/drawingml/2006/main" name="Larissa-Design">
   <a:themeElements>

--- a/material/figures/introduction/transmission_lines.pptx
+++ b/material/figures/introduction/transmission_lines.pptx
@@ -290,7 +290,7 @@
             <a:fld id="{90308D75-6CD1-47BF-9C58-4A834C045EAD}" type="datetimeFigureOut">
               <a:rPr lang="de-DE" smtClean="0"/>
               <a:pPr/>
-              <a:t>14.07.2012</a:t>
+              <a:t>17.07.2012</a:t>
             </a:fld>
             <a:endParaRPr lang="de-DE"/>
           </a:p>
@@ -457,7 +457,7 @@
             <a:fld id="{90308D75-6CD1-47BF-9C58-4A834C045EAD}" type="datetimeFigureOut">
               <a:rPr lang="de-DE" smtClean="0"/>
               <a:pPr/>
-              <a:t>14.07.2012</a:t>
+              <a:t>17.07.2012</a:t>
             </a:fld>
             <a:endParaRPr lang="de-DE"/>
           </a:p>
@@ -634,7 +634,7 @@
             <a:fld id="{90308D75-6CD1-47BF-9C58-4A834C045EAD}" type="datetimeFigureOut">
               <a:rPr lang="de-DE" smtClean="0"/>
               <a:pPr/>
-              <a:t>14.07.2012</a:t>
+              <a:t>17.07.2012</a:t>
             </a:fld>
             <a:endParaRPr lang="de-DE"/>
           </a:p>
@@ -801,7 +801,7 @@
             <a:fld id="{90308D75-6CD1-47BF-9C58-4A834C045EAD}" type="datetimeFigureOut">
               <a:rPr lang="de-DE" smtClean="0"/>
               <a:pPr/>
-              <a:t>14.07.2012</a:t>
+              <a:t>17.07.2012</a:t>
             </a:fld>
             <a:endParaRPr lang="de-DE"/>
           </a:p>
@@ -1044,7 +1044,7 @@
             <a:fld id="{90308D75-6CD1-47BF-9C58-4A834C045EAD}" type="datetimeFigureOut">
               <a:rPr lang="de-DE" smtClean="0"/>
               <a:pPr/>
-              <a:t>14.07.2012</a:t>
+              <a:t>17.07.2012</a:t>
             </a:fld>
             <a:endParaRPr lang="de-DE"/>
           </a:p>
@@ -1329,7 +1329,7 @@
             <a:fld id="{90308D75-6CD1-47BF-9C58-4A834C045EAD}" type="datetimeFigureOut">
               <a:rPr lang="de-DE" smtClean="0"/>
               <a:pPr/>
-              <a:t>14.07.2012</a:t>
+              <a:t>17.07.2012</a:t>
             </a:fld>
             <a:endParaRPr lang="de-DE"/>
           </a:p>
@@ -1748,7 +1748,7 @@
             <a:fld id="{90308D75-6CD1-47BF-9C58-4A834C045EAD}" type="datetimeFigureOut">
               <a:rPr lang="de-DE" smtClean="0"/>
               <a:pPr/>
-              <a:t>14.07.2012</a:t>
+              <a:t>17.07.2012</a:t>
             </a:fld>
             <a:endParaRPr lang="de-DE"/>
           </a:p>
@@ -1863,7 +1863,7 @@
             <a:fld id="{90308D75-6CD1-47BF-9C58-4A834C045EAD}" type="datetimeFigureOut">
               <a:rPr lang="de-DE" smtClean="0"/>
               <a:pPr/>
-              <a:t>14.07.2012</a:t>
+              <a:t>17.07.2012</a:t>
             </a:fld>
             <a:endParaRPr lang="de-DE"/>
           </a:p>
@@ -1955,7 +1955,7 @@
             <a:fld id="{90308D75-6CD1-47BF-9C58-4A834C045EAD}" type="datetimeFigureOut">
               <a:rPr lang="de-DE" smtClean="0"/>
               <a:pPr/>
-              <a:t>14.07.2012</a:t>
+              <a:t>17.07.2012</a:t>
             </a:fld>
             <a:endParaRPr lang="de-DE"/>
           </a:p>
@@ -2229,7 +2229,7 @@
             <a:fld id="{90308D75-6CD1-47BF-9C58-4A834C045EAD}" type="datetimeFigureOut">
               <a:rPr lang="de-DE" smtClean="0"/>
               <a:pPr/>
-              <a:t>14.07.2012</a:t>
+              <a:t>17.07.2012</a:t>
             </a:fld>
             <a:endParaRPr lang="de-DE"/>
           </a:p>
@@ -2479,7 +2479,7 @@
             <a:fld id="{90308D75-6CD1-47BF-9C58-4A834C045EAD}" type="datetimeFigureOut">
               <a:rPr lang="de-DE" smtClean="0"/>
               <a:pPr/>
-              <a:t>14.07.2012</a:t>
+              <a:t>17.07.2012</a:t>
             </a:fld>
             <a:endParaRPr lang="de-DE"/>
           </a:p>
@@ -2689,7 +2689,7 @@
             <a:fld id="{90308D75-6CD1-47BF-9C58-4A834C045EAD}" type="datetimeFigureOut">
               <a:rPr lang="de-DE" smtClean="0"/>
               <a:pPr/>
-              <a:t>14.07.2012</a:t>
+              <a:t>17.07.2012</a:t>
             </a:fld>
             <a:endParaRPr lang="de-DE"/>
           </a:p>
@@ -4090,13 +4090,89 @@
       </p:grpSpPr>
       <p:cxnSp>
         <p:nvCxnSpPr>
+          <p:cNvPr id="38" name="Gerade Verbindung 37"/>
+          <p:cNvCxnSpPr/>
+          <p:nvPr/>
+        </p:nvCxnSpPr>
+        <p:spPr>
+          <a:xfrm flipV="1">
+            <a:off x="6084168" y="404664"/>
+            <a:ext cx="0" cy="4032448"/>
+          </a:xfrm>
+          <a:prstGeom prst="line">
+            <a:avLst/>
+          </a:prstGeom>
+          <a:ln>
+            <a:solidFill>
+              <a:schemeClr val="bg1">
+                <a:lumMod val="50000"/>
+              </a:schemeClr>
+            </a:solidFill>
+            <a:prstDash val="sysDot"/>
+          </a:ln>
+        </p:spPr>
+        <p:style>
+          <a:lnRef idx="1">
+            <a:schemeClr val="accent1"/>
+          </a:lnRef>
+          <a:fillRef idx="0">
+            <a:schemeClr val="accent1"/>
+          </a:fillRef>
+          <a:effectRef idx="0">
+            <a:schemeClr val="accent1"/>
+          </a:effectRef>
+          <a:fontRef idx="minor">
+            <a:schemeClr val="tx1"/>
+          </a:fontRef>
+        </p:style>
+      </p:cxnSp>
+      <p:cxnSp>
+        <p:nvCxnSpPr>
+          <p:cNvPr id="137" name="Gerade Verbindung 136"/>
+          <p:cNvCxnSpPr/>
+          <p:nvPr/>
+        </p:nvCxnSpPr>
+        <p:spPr>
+          <a:xfrm flipV="1">
+            <a:off x="3419872" y="476672"/>
+            <a:ext cx="0" cy="3672408"/>
+          </a:xfrm>
+          <a:prstGeom prst="line">
+            <a:avLst/>
+          </a:prstGeom>
+          <a:ln>
+            <a:solidFill>
+              <a:schemeClr val="bg1">
+                <a:lumMod val="50000"/>
+              </a:schemeClr>
+            </a:solidFill>
+            <a:prstDash val="sysDot"/>
+          </a:ln>
+        </p:spPr>
+        <p:style>
+          <a:lnRef idx="1">
+            <a:schemeClr val="accent1"/>
+          </a:lnRef>
+          <a:fillRef idx="0">
+            <a:schemeClr val="accent1"/>
+          </a:fillRef>
+          <a:effectRef idx="0">
+            <a:schemeClr val="accent1"/>
+          </a:effectRef>
+          <a:fontRef idx="minor">
+            <a:schemeClr val="tx1"/>
+          </a:fontRef>
+        </p:style>
+      </p:cxnSp>
+      <p:cxnSp>
+        <p:nvCxnSpPr>
           <p:cNvPr id="44" name="Gerade Verbindung 43"/>
           <p:cNvCxnSpPr/>
           <p:nvPr/>
         </p:nvCxnSpPr>
         <p:spPr>
           <a:xfrm>
-            <a:off x="2194663" y="4681552"/>
+            <a:off x="2194663" y="2521312"/>
             <a:ext cx="0" cy="360040"/>
           </a:xfrm>
           <a:prstGeom prst="line">
@@ -4133,7 +4209,7 @@
         </p:nvCxnSpPr>
         <p:spPr>
           <a:xfrm>
-            <a:off x="1972888" y="5041592"/>
+            <a:off x="1972888" y="2881352"/>
             <a:ext cx="432048" cy="0"/>
           </a:xfrm>
           <a:prstGeom prst="line">
@@ -4168,7 +4244,7 @@
         </p:nvCxnSpPr>
         <p:spPr>
           <a:xfrm flipH="1">
-            <a:off x="2044896" y="5113600"/>
+            <a:off x="2044896" y="2953360"/>
             <a:ext cx="288032" cy="0"/>
           </a:xfrm>
           <a:prstGeom prst="line">
@@ -4203,7 +4279,7 @@
         </p:nvCxnSpPr>
         <p:spPr>
           <a:xfrm flipH="1">
-            <a:off x="2116904" y="5185608"/>
+            <a:off x="2116904" y="3025368"/>
             <a:ext cx="144016" cy="0"/>
           </a:xfrm>
           <a:prstGeom prst="line">
@@ -4238,7 +4314,7 @@
         </p:nvGrpSpPr>
         <p:grpSpPr>
           <a:xfrm>
-            <a:off x="2476857" y="4494097"/>
+            <a:off x="2476857" y="2333857"/>
             <a:ext cx="401841" cy="371728"/>
             <a:chOff x="4851122" y="2121168"/>
             <a:chExt cx="401841" cy="371728"/>
@@ -4357,7 +4433,7 @@
         </p:nvCxnSpPr>
         <p:spPr>
           <a:xfrm>
-            <a:off x="6161388" y="4693054"/>
+            <a:off x="6161388" y="2532814"/>
             <a:ext cx="288032" cy="0"/>
           </a:xfrm>
           <a:prstGeom prst="line">
@@ -4392,7 +4468,7 @@
         </p:nvCxnSpPr>
         <p:spPr>
           <a:xfrm flipH="1">
-            <a:off x="2194663" y="4687303"/>
+            <a:off x="2194663" y="2527063"/>
             <a:ext cx="288032" cy="0"/>
           </a:xfrm>
           <a:prstGeom prst="line">
@@ -4427,7 +4503,7 @@
         </p:nvSpPr>
         <p:spPr>
           <a:xfrm>
-            <a:off x="3411165" y="4581059"/>
+            <a:off x="3411165" y="2420819"/>
             <a:ext cx="127859" cy="216024"/>
           </a:xfrm>
           <a:prstGeom prst="ellipse">
@@ -4477,7 +4553,7 @@
         </p:nvCxnSpPr>
         <p:spPr>
           <a:xfrm flipV="1">
-            <a:off x="3474764" y="4581386"/>
+            <a:off x="3474764" y="2421146"/>
             <a:ext cx="2578349" cy="662"/>
           </a:xfrm>
           <a:prstGeom prst="line">
@@ -4515,7 +4591,7 @@
         </p:nvCxnSpPr>
         <p:spPr>
           <a:xfrm>
-            <a:off x="3475095" y="4797083"/>
+            <a:off x="3475095" y="2636843"/>
             <a:ext cx="2587682" cy="3349"/>
           </a:xfrm>
           <a:prstGeom prst="line">
@@ -4550,7 +4626,7 @@
         </p:nvSpPr>
         <p:spPr>
           <a:xfrm>
-            <a:off x="5963271" y="4581128"/>
+            <a:off x="5963271" y="2420888"/>
             <a:ext cx="192905" cy="219359"/>
           </a:xfrm>
           <a:prstGeom prst="arc">
@@ -4596,7 +4672,7 @@
         </p:nvCxnSpPr>
         <p:spPr>
           <a:xfrm>
-            <a:off x="3799671" y="4807702"/>
+            <a:off x="3799671" y="2647462"/>
             <a:ext cx="740" cy="251143"/>
           </a:xfrm>
           <a:prstGeom prst="line">
@@ -4631,7 +4707,7 @@
         </p:nvCxnSpPr>
         <p:spPr>
           <a:xfrm>
-            <a:off x="3602953" y="5058845"/>
+            <a:off x="3602953" y="2898605"/>
             <a:ext cx="383577" cy="0"/>
           </a:xfrm>
           <a:prstGeom prst="line">
@@ -4666,7 +4742,7 @@
         </p:nvCxnSpPr>
         <p:spPr>
           <a:xfrm>
-            <a:off x="3666883" y="5130853"/>
+            <a:off x="3666883" y="2970613"/>
             <a:ext cx="255718" cy="0"/>
           </a:xfrm>
           <a:prstGeom prst="line">
@@ -4701,7 +4777,7 @@
         </p:nvCxnSpPr>
         <p:spPr>
           <a:xfrm>
-            <a:off x="3730812" y="5202861"/>
+            <a:off x="3730812" y="3042621"/>
             <a:ext cx="127859" cy="0"/>
           </a:xfrm>
           <a:prstGeom prst="line">
@@ -4736,7 +4812,7 @@
         </p:nvCxnSpPr>
         <p:spPr>
           <a:xfrm flipH="1">
-            <a:off x="3214791" y="4684063"/>
+            <a:off x="3214791" y="2523823"/>
             <a:ext cx="255717" cy="0"/>
           </a:xfrm>
           <a:prstGeom prst="line">
@@ -4771,7 +4847,7 @@
         </p:nvGrpSpPr>
         <p:grpSpPr>
           <a:xfrm rot="16200000">
-            <a:off x="3035107" y="4647917"/>
+            <a:off x="3035107" y="2487677"/>
             <a:ext cx="288032" cy="72008"/>
             <a:chOff x="4427984" y="3573016"/>
             <a:chExt cx="288032" cy="72008"/>
@@ -4856,7 +4932,7 @@
         </p:nvCxnSpPr>
         <p:spPr>
           <a:xfrm>
-            <a:off x="2851482" y="4684307"/>
+            <a:off x="2851482" y="2524067"/>
             <a:ext cx="288032" cy="0"/>
           </a:xfrm>
           <a:prstGeom prst="line">
@@ -4891,7 +4967,7 @@
         </p:nvSpPr>
         <p:spPr>
           <a:xfrm>
-            <a:off x="2912737" y="4013998"/>
+            <a:off x="2912737" y="1853758"/>
             <a:ext cx="489236" cy="400110"/>
           </a:xfrm>
           <a:prstGeom prst="rect">
@@ -4934,7 +5010,7 @@
         </p:nvSpPr>
         <p:spPr>
           <a:xfrm>
-            <a:off x="6425356" y="4659960"/>
+            <a:off x="6425356" y="2499720"/>
             <a:ext cx="72008" cy="72008"/>
           </a:xfrm>
           <a:prstGeom prst="ellipse">
@@ -4982,7 +5058,7 @@
         </p:nvCxnSpPr>
         <p:spPr>
           <a:xfrm>
-            <a:off x="3419872" y="4077072"/>
+            <a:off x="3419872" y="1916832"/>
             <a:ext cx="0" cy="144016"/>
           </a:xfrm>
           <a:prstGeom prst="line">
@@ -5017,7 +5093,7 @@
         </p:nvCxnSpPr>
         <p:spPr>
           <a:xfrm>
-            <a:off x="3419872" y="4149080"/>
+            <a:off x="3419872" y="1988840"/>
             <a:ext cx="2664296" cy="0"/>
           </a:xfrm>
           <a:prstGeom prst="line">
@@ -5052,7 +5128,7 @@
         </p:nvCxnSpPr>
         <p:spPr>
           <a:xfrm>
-            <a:off x="6084168" y="4077072"/>
+            <a:off x="6084168" y="1916832"/>
             <a:ext cx="0" cy="144016"/>
           </a:xfrm>
           <a:prstGeom prst="line">
@@ -5087,7 +5163,7 @@
         </p:nvSpPr>
         <p:spPr>
           <a:xfrm>
-            <a:off x="4427984" y="3748970"/>
+            <a:off x="4427984" y="1588730"/>
             <a:ext cx="494046" cy="400110"/>
           </a:xfrm>
           <a:prstGeom prst="rect">
@@ -5122,11 +5198,1944 @@
           </a:p>
         </p:txBody>
       </p:sp>
+      <p:cxnSp>
+        <p:nvCxnSpPr>
+          <p:cNvPr id="31" name="Gerade Verbindung mit Pfeil 30"/>
+          <p:cNvCxnSpPr/>
+          <p:nvPr/>
+        </p:nvCxnSpPr>
+        <p:spPr>
+          <a:xfrm>
+            <a:off x="3419872" y="1484784"/>
+            <a:ext cx="2664296" cy="0"/>
+          </a:xfrm>
+          <a:prstGeom prst="straightConnector1">
+            <a:avLst/>
+          </a:prstGeom>
+          <a:ln>
+            <a:solidFill>
+              <a:schemeClr val="tx1"/>
+            </a:solidFill>
+            <a:headEnd type="none" w="med" len="med"/>
+            <a:tailEnd type="none" w="med" len="med"/>
+          </a:ln>
+        </p:spPr>
+        <p:style>
+          <a:lnRef idx="1">
+            <a:schemeClr val="accent1"/>
+          </a:lnRef>
+          <a:fillRef idx="0">
+            <a:schemeClr val="accent1"/>
+          </a:fillRef>
+          <a:effectRef idx="0">
+            <a:schemeClr val="accent1"/>
+          </a:effectRef>
+          <a:fontRef idx="minor">
+            <a:schemeClr val="tx1"/>
+          </a:fontRef>
+        </p:style>
+      </p:cxnSp>
+      <p:cxnSp>
+        <p:nvCxnSpPr>
+          <p:cNvPr id="33" name="Gerade Verbindung mit Pfeil 32"/>
+          <p:cNvCxnSpPr/>
+          <p:nvPr/>
+        </p:nvCxnSpPr>
+        <p:spPr>
+          <a:xfrm flipV="1">
+            <a:off x="3419872" y="332656"/>
+            <a:ext cx="0" cy="1152128"/>
+          </a:xfrm>
+          <a:prstGeom prst="straightConnector1">
+            <a:avLst/>
+          </a:prstGeom>
+          <a:ln>
+            <a:solidFill>
+              <a:schemeClr val="tx1"/>
+            </a:solidFill>
+            <a:tailEnd type="arrow"/>
+          </a:ln>
+        </p:spPr>
+        <p:style>
+          <a:lnRef idx="1">
+            <a:schemeClr val="accent1"/>
+          </a:lnRef>
+          <a:fillRef idx="0">
+            <a:schemeClr val="accent1"/>
+          </a:fillRef>
+          <a:effectRef idx="0">
+            <a:schemeClr val="accent1"/>
+          </a:effectRef>
+          <a:fontRef idx="minor">
+            <a:schemeClr val="tx1"/>
+          </a:fontRef>
+        </p:style>
+      </p:cxnSp>
+      <p:sp>
+        <p:nvSpPr>
+          <p:cNvPr id="35" name="Freihandform 34"/>
+          <p:cNvSpPr/>
+          <p:nvPr/>
+        </p:nvSpPr>
+        <p:spPr>
+          <a:xfrm>
+            <a:off x="3421930" y="705247"/>
+            <a:ext cx="2662238" cy="779537"/>
+          </a:xfrm>
+          <a:custGeom>
+            <a:avLst/>
+            <a:gdLst>
+              <a:gd name="connsiteX0" fmla="*/ 0 w 2658359"/>
+              <a:gd name="connsiteY0" fmla="*/ 779283 h 779283"/>
+              <a:gd name="connsiteX1" fmla="*/ 1282045 w 2658359"/>
+              <a:gd name="connsiteY1" fmla="*/ 1571 h 779283"/>
+              <a:gd name="connsiteX2" fmla="*/ 2658359 w 2658359"/>
+              <a:gd name="connsiteY2" fmla="*/ 769856 h 779283"/>
+              <a:gd name="connsiteX0" fmla="*/ 0 w 2658359"/>
+              <a:gd name="connsiteY0" fmla="*/ 777973 h 779537"/>
+              <a:gd name="connsiteX1" fmla="*/ 1282045 w 2658359"/>
+              <a:gd name="connsiteY1" fmla="*/ 261 h 779537"/>
+              <a:gd name="connsiteX2" fmla="*/ 2658359 w 2658359"/>
+              <a:gd name="connsiteY2" fmla="*/ 779537 h 779537"/>
+              <a:gd name="connsiteX0" fmla="*/ 0 w 2658359"/>
+              <a:gd name="connsiteY0" fmla="*/ 777973 h 779537"/>
+              <a:gd name="connsiteX1" fmla="*/ 1282045 w 2658359"/>
+              <a:gd name="connsiteY1" fmla="*/ 261 h 779537"/>
+              <a:gd name="connsiteX2" fmla="*/ 2658359 w 2658359"/>
+              <a:gd name="connsiteY2" fmla="*/ 779537 h 779537"/>
+            </a:gdLst>
+            <a:ahLst/>
+            <a:cxnLst>
+              <a:cxn ang="0">
+                <a:pos x="connsiteX0" y="connsiteY0"/>
+              </a:cxn>
+              <a:cxn ang="0">
+                <a:pos x="connsiteX1" y="connsiteY1"/>
+              </a:cxn>
+              <a:cxn ang="0">
+                <a:pos x="connsiteX2" y="connsiteY2"/>
+              </a:cxn>
+            </a:cxnLst>
+            <a:rect l="l" t="t" r="r" b="b"/>
+            <a:pathLst>
+              <a:path w="2658359" h="779537">
+                <a:moveTo>
+                  <a:pt x="0" y="777973"/>
+                </a:moveTo>
+                <a:cubicBezTo>
+                  <a:pt x="419492" y="389902"/>
+                  <a:pt x="838985" y="0"/>
+                  <a:pt x="1282045" y="261"/>
+                </a:cubicBezTo>
+                <a:cubicBezTo>
+                  <a:pt x="1725105" y="522"/>
+                  <a:pt x="2191732" y="394609"/>
+                  <a:pt x="2658359" y="779537"/>
+                </a:cubicBezTo>
+              </a:path>
+            </a:pathLst>
+          </a:custGeom>
+          <a:ln w="28575">
+            <a:solidFill>
+              <a:srgbClr val="FF0000"/>
+            </a:solidFill>
+          </a:ln>
+        </p:spPr>
+        <p:style>
+          <a:lnRef idx="1">
+            <a:schemeClr val="accent1"/>
+          </a:lnRef>
+          <a:fillRef idx="0">
+            <a:schemeClr val="accent1"/>
+          </a:fillRef>
+          <a:effectRef idx="0">
+            <a:schemeClr val="accent1"/>
+          </a:effectRef>
+          <a:fontRef idx="minor">
+            <a:schemeClr val="tx1"/>
+          </a:fontRef>
+        </p:style>
+        <p:txBody>
+          <a:bodyPr rtlCol="0" anchor="ctr"/>
+          <a:lstStyle/>
+          <a:p>
+            <a:pPr algn="ctr"/>
+            <a:endParaRPr lang="de-DE"/>
+          </a:p>
+        </p:txBody>
+      </p:sp>
+      <p:sp>
+        <p:nvSpPr>
+          <p:cNvPr id="36" name="Freihandform 35"/>
+          <p:cNvSpPr/>
+          <p:nvPr/>
+        </p:nvSpPr>
+        <p:spPr>
+          <a:xfrm>
+            <a:off x="3417217" y="691368"/>
+            <a:ext cx="2666952" cy="793423"/>
+          </a:xfrm>
+          <a:custGeom>
+            <a:avLst/>
+            <a:gdLst>
+              <a:gd name="connsiteX0" fmla="*/ 0 w 2677213"/>
+              <a:gd name="connsiteY0" fmla="*/ 9427 h 793423"/>
+              <a:gd name="connsiteX1" fmla="*/ 1319753 w 2677213"/>
+              <a:gd name="connsiteY1" fmla="*/ 791852 h 793423"/>
+              <a:gd name="connsiteX2" fmla="*/ 2677213 w 2677213"/>
+              <a:gd name="connsiteY2" fmla="*/ 0 h 793423"/>
+            </a:gdLst>
+            <a:ahLst/>
+            <a:cxnLst>
+              <a:cxn ang="0">
+                <a:pos x="connsiteX0" y="connsiteY0"/>
+              </a:cxn>
+              <a:cxn ang="0">
+                <a:pos x="connsiteX1" y="connsiteY1"/>
+              </a:cxn>
+              <a:cxn ang="0">
+                <a:pos x="connsiteX2" y="connsiteY2"/>
+              </a:cxn>
+            </a:cxnLst>
+            <a:rect l="l" t="t" r="r" b="b"/>
+            <a:pathLst>
+              <a:path w="2677213" h="793423">
+                <a:moveTo>
+                  <a:pt x="0" y="9427"/>
+                </a:moveTo>
+                <a:cubicBezTo>
+                  <a:pt x="436775" y="401425"/>
+                  <a:pt x="873551" y="793423"/>
+                  <a:pt x="1319753" y="791852"/>
+                </a:cubicBezTo>
+                <a:cubicBezTo>
+                  <a:pt x="1765955" y="790281"/>
+                  <a:pt x="2221584" y="395140"/>
+                  <a:pt x="2677213" y="0"/>
+                </a:cubicBezTo>
+              </a:path>
+            </a:pathLst>
+          </a:custGeom>
+          <a:ln w="28575">
+            <a:solidFill>
+              <a:srgbClr val="0070C0"/>
+            </a:solidFill>
+            <a:prstDash val="sysDash"/>
+          </a:ln>
+        </p:spPr>
+        <p:style>
+          <a:lnRef idx="1">
+            <a:schemeClr val="accent1"/>
+          </a:lnRef>
+          <a:fillRef idx="0">
+            <a:schemeClr val="accent1"/>
+          </a:fillRef>
+          <a:effectRef idx="0">
+            <a:schemeClr val="accent1"/>
+          </a:effectRef>
+          <a:fontRef idx="minor">
+            <a:schemeClr val="tx1"/>
+          </a:fontRef>
+        </p:style>
+        <p:txBody>
+          <a:bodyPr rtlCol="0" anchor="ctr"/>
+          <a:lstStyle/>
+          <a:p>
+            <a:pPr algn="ctr"/>
+            <a:endParaRPr lang="de-DE"/>
+          </a:p>
+        </p:txBody>
+      </p:sp>
+      <p:sp>
+        <p:nvSpPr>
+          <p:cNvPr id="43" name="Textfeld 42"/>
+          <p:cNvSpPr txBox="1"/>
+          <p:nvPr/>
+        </p:nvSpPr>
+        <p:spPr>
+          <a:xfrm>
+            <a:off x="2915816" y="260648"/>
+            <a:ext cx="397866" cy="307777"/>
+          </a:xfrm>
+          <a:prstGeom prst="rect">
+            <a:avLst/>
+          </a:prstGeom>
+          <a:noFill/>
+        </p:spPr>
+        <p:txBody>
+          <a:bodyPr wrap="none" rtlCol="0">
+            <a:spAutoFit/>
+          </a:bodyPr>
+          <a:lstStyle/>
+          <a:p>
+            <a:r>
+              <a:rPr lang="de-DE" sz="1400" i="1" dirty="0" smtClean="0">
+                <a:latin typeface="Times New Roman" pitchFamily="18" charset="0"/>
+                <a:cs typeface="Times New Roman" pitchFamily="18" charset="0"/>
+              </a:rPr>
+              <a:t>I,E</a:t>
+            </a:r>
+            <a:endParaRPr lang="de-DE" sz="1400" i="1" dirty="0">
+              <a:latin typeface="Times New Roman" pitchFamily="18" charset="0"/>
+              <a:cs typeface="Times New Roman" pitchFamily="18" charset="0"/>
+            </a:endParaRPr>
+          </a:p>
+        </p:txBody>
+      </p:sp>
+      <p:sp>
+        <p:nvSpPr>
+          <p:cNvPr id="53" name="Textfeld 52"/>
+          <p:cNvSpPr txBox="1"/>
+          <p:nvPr/>
+        </p:nvSpPr>
+        <p:spPr>
+          <a:xfrm>
+            <a:off x="3491880" y="548680"/>
+            <a:ext cx="293670" cy="307777"/>
+          </a:xfrm>
+          <a:prstGeom prst="rect">
+            <a:avLst/>
+          </a:prstGeom>
+          <a:noFill/>
+        </p:spPr>
+        <p:txBody>
+          <a:bodyPr wrap="none" rtlCol="0">
+            <a:spAutoFit/>
+          </a:bodyPr>
+          <a:lstStyle/>
+          <a:p>
+            <a:r>
+              <a:rPr lang="de-DE" sz="1400" i="1" dirty="0" smtClean="0">
+                <a:latin typeface="Times New Roman" pitchFamily="18" charset="0"/>
+                <a:cs typeface="Times New Roman" pitchFamily="18" charset="0"/>
+              </a:rPr>
+              <a:t>E</a:t>
+            </a:r>
+            <a:endParaRPr lang="de-DE" sz="1400" i="1" dirty="0">
+              <a:latin typeface="Times New Roman" pitchFamily="18" charset="0"/>
+              <a:cs typeface="Times New Roman" pitchFamily="18" charset="0"/>
+            </a:endParaRPr>
+          </a:p>
+        </p:txBody>
+      </p:sp>
+      <p:sp>
+        <p:nvSpPr>
+          <p:cNvPr id="54" name="Textfeld 53"/>
+          <p:cNvSpPr txBox="1"/>
+          <p:nvPr/>
+        </p:nvSpPr>
+        <p:spPr>
+          <a:xfrm>
+            <a:off x="4616054" y="456927"/>
+            <a:ext cx="243978" cy="307777"/>
+          </a:xfrm>
+          <a:prstGeom prst="rect">
+            <a:avLst/>
+          </a:prstGeom>
+          <a:noFill/>
+        </p:spPr>
+        <p:txBody>
+          <a:bodyPr wrap="none" rtlCol="0">
+            <a:spAutoFit/>
+          </a:bodyPr>
+          <a:lstStyle/>
+          <a:p>
+            <a:r>
+              <a:rPr lang="de-DE" sz="1400" i="1" dirty="0" smtClean="0">
+                <a:latin typeface="Times New Roman" pitchFamily="18" charset="0"/>
+                <a:cs typeface="Times New Roman" pitchFamily="18" charset="0"/>
+              </a:rPr>
+              <a:t>I</a:t>
+            </a:r>
+            <a:endParaRPr lang="de-DE" sz="1400" i="1" dirty="0">
+              <a:latin typeface="Times New Roman" pitchFamily="18" charset="0"/>
+              <a:cs typeface="Times New Roman" pitchFamily="18" charset="0"/>
+            </a:endParaRPr>
+          </a:p>
+        </p:txBody>
+      </p:sp>
+      <p:sp>
+        <p:nvSpPr>
+          <p:cNvPr id="70" name="Ellipse 69"/>
+          <p:cNvSpPr/>
+          <p:nvPr/>
+        </p:nvSpPr>
+        <p:spPr>
+          <a:xfrm>
+            <a:off x="5436096" y="2852936"/>
+            <a:ext cx="936104" cy="936104"/>
+          </a:xfrm>
+          <a:prstGeom prst="ellipse">
+            <a:avLst/>
+          </a:prstGeom>
+          <a:solidFill>
+            <a:schemeClr val="bg1"/>
+          </a:solidFill>
+          <a:ln>
+            <a:solidFill>
+              <a:schemeClr val="bg1">
+                <a:lumMod val="50000"/>
+              </a:schemeClr>
+            </a:solidFill>
+          </a:ln>
+        </p:spPr>
+        <p:style>
+          <a:lnRef idx="2">
+            <a:schemeClr val="accent1">
+              <a:shade val="50000"/>
+            </a:schemeClr>
+          </a:lnRef>
+          <a:fillRef idx="1">
+            <a:schemeClr val="accent1"/>
+          </a:fillRef>
+          <a:effectRef idx="0">
+            <a:schemeClr val="accent1"/>
+          </a:effectRef>
+          <a:fontRef idx="minor">
+            <a:schemeClr val="lt1"/>
+          </a:fontRef>
+        </p:style>
+        <p:txBody>
+          <a:bodyPr rtlCol="0" anchor="ctr"/>
+          <a:lstStyle/>
+          <a:p>
+            <a:pPr algn="ctr"/>
+            <a:endParaRPr lang="de-DE"/>
+          </a:p>
+        </p:txBody>
+      </p:sp>
+      <p:cxnSp>
+        <p:nvCxnSpPr>
+          <p:cNvPr id="72" name="Gerade Verbindung 71"/>
+          <p:cNvCxnSpPr>
+            <a:endCxn id="75" idx="3"/>
+          </p:cNvCxnSpPr>
+          <p:nvPr/>
+        </p:nvCxnSpPr>
+        <p:spPr>
+          <a:xfrm flipH="1" flipV="1">
+            <a:off x="4654553" y="2554359"/>
+            <a:ext cx="853551" cy="1018657"/>
+          </a:xfrm>
+          <a:prstGeom prst="line">
+            <a:avLst/>
+          </a:prstGeom>
+          <a:ln w="6350">
+            <a:solidFill>
+              <a:schemeClr val="bg1">
+                <a:lumMod val="50000"/>
+              </a:schemeClr>
+            </a:solidFill>
+            <a:prstDash val="sysDash"/>
+          </a:ln>
+        </p:spPr>
+        <p:style>
+          <a:lnRef idx="1">
+            <a:schemeClr val="accent1"/>
+          </a:lnRef>
+          <a:fillRef idx="0">
+            <a:schemeClr val="accent1"/>
+          </a:fillRef>
+          <a:effectRef idx="0">
+            <a:schemeClr val="accent1"/>
+          </a:effectRef>
+          <a:fontRef idx="minor">
+            <a:schemeClr val="tx1"/>
+          </a:fontRef>
+        </p:style>
+      </p:cxnSp>
+      <p:cxnSp>
+        <p:nvCxnSpPr>
+          <p:cNvPr id="74" name="Gerade Verbindung 73"/>
+          <p:cNvCxnSpPr>
+            <a:endCxn id="75" idx="0"/>
+          </p:cNvCxnSpPr>
+          <p:nvPr/>
+        </p:nvCxnSpPr>
+        <p:spPr>
+          <a:xfrm flipH="1" flipV="1">
+            <a:off x="4680012" y="2492896"/>
+            <a:ext cx="1476164" cy="432048"/>
+          </a:xfrm>
+          <a:prstGeom prst="line">
+            <a:avLst/>
+          </a:prstGeom>
+          <a:ln w="6350">
+            <a:solidFill>
+              <a:schemeClr val="bg1">
+                <a:lumMod val="50000"/>
+              </a:schemeClr>
+            </a:solidFill>
+            <a:prstDash val="sysDash"/>
+          </a:ln>
+        </p:spPr>
+        <p:style>
+          <a:lnRef idx="1">
+            <a:schemeClr val="accent1"/>
+          </a:lnRef>
+          <a:fillRef idx="0">
+            <a:schemeClr val="accent1"/>
+          </a:fillRef>
+          <a:effectRef idx="0">
+            <a:schemeClr val="accent1"/>
+          </a:effectRef>
+          <a:fontRef idx="minor">
+            <a:schemeClr val="tx1"/>
+          </a:fontRef>
+        </p:style>
+      </p:cxnSp>
+      <p:sp>
+        <p:nvSpPr>
+          <p:cNvPr id="75" name="Ellipse 74"/>
+          <p:cNvSpPr/>
+          <p:nvPr/>
+        </p:nvSpPr>
+        <p:spPr>
+          <a:xfrm>
+            <a:off x="4644008" y="2492896"/>
+            <a:ext cx="72008" cy="72008"/>
+          </a:xfrm>
+          <a:prstGeom prst="ellipse">
+            <a:avLst/>
+          </a:prstGeom>
+          <a:solidFill>
+            <a:schemeClr val="bg1"/>
+          </a:solidFill>
+          <a:ln>
+            <a:solidFill>
+              <a:schemeClr val="bg1">
+                <a:lumMod val="50000"/>
+              </a:schemeClr>
+            </a:solidFill>
+          </a:ln>
+        </p:spPr>
+        <p:style>
+          <a:lnRef idx="2">
+            <a:schemeClr val="accent1">
+              <a:shade val="50000"/>
+            </a:schemeClr>
+          </a:lnRef>
+          <a:fillRef idx="1">
+            <a:schemeClr val="accent1"/>
+          </a:fillRef>
+          <a:effectRef idx="0">
+            <a:schemeClr val="accent1"/>
+          </a:effectRef>
+          <a:fontRef idx="minor">
+            <a:schemeClr val="lt1"/>
+          </a:fontRef>
+        </p:style>
+        <p:txBody>
+          <a:bodyPr rtlCol="0" anchor="ctr"/>
+          <a:lstStyle/>
+          <a:p>
+            <a:pPr algn="ctr"/>
+            <a:endParaRPr lang="de-DE"/>
+          </a:p>
+        </p:txBody>
+      </p:sp>
+      <p:grpSp>
+        <p:nvGrpSpPr>
+          <p:cNvPr id="136" name="Gruppieren 135"/>
+          <p:cNvGrpSpPr/>
+          <p:nvPr/>
+        </p:nvGrpSpPr>
+        <p:grpSpPr>
+          <a:xfrm>
+            <a:off x="5580112" y="2942483"/>
+            <a:ext cx="720080" cy="702543"/>
+            <a:chOff x="3419872" y="1437099"/>
+            <a:chExt cx="1080120" cy="974363"/>
+          </a:xfrm>
+        </p:grpSpPr>
+        <p:cxnSp>
+          <p:nvCxnSpPr>
+            <p:cNvPr id="90" name="Gerade Verbindung 89"/>
+            <p:cNvCxnSpPr/>
+            <p:nvPr/>
+          </p:nvCxnSpPr>
+          <p:spPr>
+            <a:xfrm>
+              <a:off x="3419872" y="1844824"/>
+              <a:ext cx="1080120" cy="0"/>
+            </a:xfrm>
+            <a:prstGeom prst="line">
+              <a:avLst/>
+            </a:prstGeom>
+            <a:ln w="19050">
+              <a:solidFill>
+                <a:schemeClr val="tx1"/>
+              </a:solidFill>
+              <a:headEnd type="oval" w="med" len="med"/>
+              <a:tailEnd type="oval" w="med" len="med"/>
+            </a:ln>
+          </p:spPr>
+          <p:style>
+            <a:lnRef idx="1">
+              <a:schemeClr val="accent1"/>
+            </a:lnRef>
+            <a:fillRef idx="0">
+              <a:schemeClr val="accent1"/>
+            </a:fillRef>
+            <a:effectRef idx="0">
+              <a:schemeClr val="accent1"/>
+            </a:effectRef>
+            <a:fontRef idx="minor">
+              <a:schemeClr val="tx1"/>
+            </a:fontRef>
+          </p:style>
+        </p:cxnSp>
+        <p:sp>
+          <p:nvSpPr>
+            <p:cNvPr id="91" name="Rechteck 90"/>
+            <p:cNvSpPr/>
+            <p:nvPr/>
+          </p:nvSpPr>
+          <p:spPr>
+            <a:xfrm rot="5400000">
+              <a:off x="3640649" y="1912079"/>
+              <a:ext cx="134509" cy="288032"/>
+            </a:xfrm>
+            <a:prstGeom prst="rect">
+              <a:avLst/>
+            </a:prstGeom>
+            <a:solidFill>
+              <a:schemeClr val="bg1"/>
+            </a:solidFill>
+            <a:ln>
+              <a:noFill/>
+            </a:ln>
+          </p:spPr>
+          <p:style>
+            <a:lnRef idx="2">
+              <a:schemeClr val="accent1">
+                <a:shade val="50000"/>
+              </a:schemeClr>
+            </a:lnRef>
+            <a:fillRef idx="1">
+              <a:schemeClr val="accent1"/>
+            </a:fillRef>
+            <a:effectRef idx="0">
+              <a:schemeClr val="accent1"/>
+            </a:effectRef>
+            <a:fontRef idx="minor">
+              <a:schemeClr val="lt1"/>
+            </a:fontRef>
+          </p:style>
+          <p:txBody>
+            <a:bodyPr rtlCol="0" anchor="ctr"/>
+            <a:lstStyle/>
+            <a:p>
+              <a:pPr algn="ctr"/>
+              <a:endParaRPr lang="de-DE"/>
+            </a:p>
+          </p:txBody>
+        </p:sp>
+        <p:sp>
+          <p:nvSpPr>
+            <p:cNvPr id="92" name="Rechteck 91"/>
+            <p:cNvSpPr/>
+            <p:nvPr/>
+          </p:nvSpPr>
+          <p:spPr>
+            <a:xfrm>
+              <a:off x="3850784" y="1763768"/>
+              <a:ext cx="418812" cy="144016"/>
+            </a:xfrm>
+            <a:prstGeom prst="rect">
+              <a:avLst/>
+            </a:prstGeom>
+            <a:solidFill>
+              <a:schemeClr val="bg1"/>
+            </a:solidFill>
+            <a:ln>
+              <a:noFill/>
+            </a:ln>
+          </p:spPr>
+          <p:style>
+            <a:lnRef idx="2">
+              <a:schemeClr val="accent1">
+                <a:shade val="50000"/>
+              </a:schemeClr>
+            </a:lnRef>
+            <a:fillRef idx="1">
+              <a:schemeClr val="accent1"/>
+            </a:fillRef>
+            <a:effectRef idx="0">
+              <a:schemeClr val="accent1"/>
+            </a:effectRef>
+            <a:fontRef idx="minor">
+              <a:schemeClr val="lt1"/>
+            </a:fontRef>
+          </p:style>
+          <p:txBody>
+            <a:bodyPr rtlCol="0" anchor="ctr"/>
+            <a:lstStyle/>
+            <a:p>
+              <a:pPr algn="ctr"/>
+              <a:endParaRPr lang="de-DE"/>
+            </a:p>
+          </p:txBody>
+        </p:sp>
+        <p:grpSp>
+          <p:nvGrpSpPr>
+            <p:cNvPr id="103" name="Gruppieren 102"/>
+            <p:cNvGrpSpPr/>
+            <p:nvPr/>
+          </p:nvGrpSpPr>
+          <p:grpSpPr>
+            <a:xfrm rot="10800000">
+              <a:off x="3563209" y="1996450"/>
+              <a:ext cx="288032" cy="107868"/>
+              <a:chOff x="2123728" y="2169004"/>
+              <a:chExt cx="288032" cy="107868"/>
+            </a:xfrm>
+          </p:grpSpPr>
+          <p:cxnSp>
+            <p:nvCxnSpPr>
+              <p:cNvPr id="104" name="Gerade Verbindung 103"/>
+              <p:cNvCxnSpPr/>
+              <p:nvPr/>
+            </p:nvCxnSpPr>
+            <p:spPr>
+              <a:xfrm>
+                <a:off x="2123728" y="2276872"/>
+                <a:ext cx="288032" cy="0"/>
+              </a:xfrm>
+              <a:prstGeom prst="line">
+                <a:avLst/>
+              </a:prstGeom>
+              <a:ln w="19050">
+                <a:solidFill>
+                  <a:schemeClr val="tx1"/>
+                </a:solidFill>
+                <a:prstDash val="solid"/>
+              </a:ln>
+            </p:spPr>
+            <p:style>
+              <a:lnRef idx="1">
+                <a:schemeClr val="accent1"/>
+              </a:lnRef>
+              <a:fillRef idx="0">
+                <a:schemeClr val="accent1"/>
+              </a:fillRef>
+              <a:effectRef idx="0">
+                <a:schemeClr val="accent1"/>
+              </a:effectRef>
+              <a:fontRef idx="minor">
+                <a:schemeClr val="tx1"/>
+              </a:fontRef>
+            </p:style>
+          </p:cxnSp>
+          <p:cxnSp>
+            <p:nvCxnSpPr>
+              <p:cNvPr id="105" name="Gerade Verbindung 104"/>
+              <p:cNvCxnSpPr/>
+              <p:nvPr/>
+            </p:nvCxnSpPr>
+            <p:spPr>
+              <a:xfrm>
+                <a:off x="2123728" y="2169004"/>
+                <a:ext cx="288032" cy="0"/>
+              </a:xfrm>
+              <a:prstGeom prst="line">
+                <a:avLst/>
+              </a:prstGeom>
+              <a:ln w="19050">
+                <a:solidFill>
+                  <a:schemeClr val="tx1"/>
+                </a:solidFill>
+                <a:prstDash val="solid"/>
+              </a:ln>
+            </p:spPr>
+            <p:style>
+              <a:lnRef idx="1">
+                <a:schemeClr val="accent1"/>
+              </a:lnRef>
+              <a:fillRef idx="0">
+                <a:schemeClr val="accent1"/>
+              </a:fillRef>
+              <a:effectRef idx="0">
+                <a:schemeClr val="accent1"/>
+              </a:effectRef>
+              <a:fontRef idx="minor">
+                <a:schemeClr val="tx1"/>
+              </a:fontRef>
+            </p:style>
+          </p:cxnSp>
+        </p:grpSp>
+        <p:sp>
+          <p:nvSpPr>
+            <p:cNvPr id="106" name="Textfeld 105"/>
+            <p:cNvSpPr txBox="1"/>
+            <p:nvPr/>
+          </p:nvSpPr>
+          <p:spPr>
+            <a:xfrm>
+              <a:off x="3772843" y="1853704"/>
+              <a:ext cx="430887" cy="384173"/>
+            </a:xfrm>
+            <a:prstGeom prst="rect">
+              <a:avLst/>
+            </a:prstGeom>
+            <a:noFill/>
+          </p:spPr>
+          <p:txBody>
+            <a:bodyPr wrap="none" rtlCol="0">
+              <a:spAutoFit/>
+            </a:bodyPr>
+            <a:lstStyle/>
+            <a:p>
+              <a:r>
+                <a:rPr lang="de-DE" sz="1200" i="1" dirty="0" smtClean="0">
+                  <a:latin typeface="Times New Roman" pitchFamily="18" charset="0"/>
+                  <a:cs typeface="Times New Roman" pitchFamily="18" charset="0"/>
+                </a:rPr>
+                <a:t>C</a:t>
+              </a:r>
+              <a:endParaRPr lang="de-DE" sz="1200" i="1" baseline="-25000" dirty="0">
+                <a:latin typeface="Times New Roman" pitchFamily="18" charset="0"/>
+                <a:cs typeface="Times New Roman" pitchFamily="18" charset="0"/>
+              </a:endParaRPr>
+            </a:p>
+          </p:txBody>
+        </p:sp>
+        <p:grpSp>
+          <p:nvGrpSpPr>
+            <p:cNvPr id="108" name="Gruppieren 26"/>
+            <p:cNvGrpSpPr/>
+            <p:nvPr/>
+          </p:nvGrpSpPr>
+          <p:grpSpPr>
+            <a:xfrm rot="5556335" flipH="1" flipV="1">
+              <a:off x="3980413" y="1650995"/>
+              <a:ext cx="156407" cy="407237"/>
+              <a:chOff x="3263465" y="1394775"/>
+              <a:chExt cx="384822" cy="1577366"/>
+            </a:xfrm>
+          </p:grpSpPr>
+          <p:sp>
+            <p:nvSpPr>
+              <p:cNvPr id="109" name="Bogen 108"/>
+              <p:cNvSpPr/>
+              <p:nvPr/>
+            </p:nvSpPr>
+            <p:spPr>
+              <a:xfrm rot="11021761" flipH="1" flipV="1">
+                <a:off x="3263465" y="1394775"/>
+                <a:ext cx="360040" cy="396044"/>
+              </a:xfrm>
+              <a:prstGeom prst="arc">
+                <a:avLst>
+                  <a:gd name="adj1" fmla="val 15538480"/>
+                  <a:gd name="adj2" fmla="val 5376446"/>
+                </a:avLst>
+              </a:prstGeom>
+              <a:ln w="19050">
+                <a:solidFill>
+                  <a:schemeClr val="tx1"/>
+                </a:solidFill>
+                <a:prstDash val="solid"/>
+              </a:ln>
+            </p:spPr>
+            <p:style>
+              <a:lnRef idx="1">
+                <a:schemeClr val="accent1"/>
+              </a:lnRef>
+              <a:fillRef idx="0">
+                <a:schemeClr val="accent1"/>
+              </a:fillRef>
+              <a:effectRef idx="0">
+                <a:schemeClr val="accent1"/>
+              </a:effectRef>
+              <a:fontRef idx="minor">
+                <a:schemeClr val="tx1"/>
+              </a:fontRef>
+            </p:style>
+            <p:txBody>
+              <a:bodyPr rtlCol="0" anchor="ctr"/>
+              <a:lstStyle/>
+              <a:p>
+                <a:pPr algn="ctr"/>
+                <a:endParaRPr lang="de-DE" dirty="0"/>
+              </a:p>
+            </p:txBody>
+          </p:sp>
+          <p:sp>
+            <p:nvSpPr>
+              <p:cNvPr id="110" name="Bogen 109"/>
+              <p:cNvSpPr/>
+              <p:nvPr/>
+            </p:nvSpPr>
+            <p:spPr>
+              <a:xfrm rot="11021761" flipH="1" flipV="1">
+                <a:off x="3288246" y="1784010"/>
+                <a:ext cx="360040" cy="396044"/>
+              </a:xfrm>
+              <a:prstGeom prst="arc">
+                <a:avLst>
+                  <a:gd name="adj1" fmla="val 15538480"/>
+                  <a:gd name="adj2" fmla="val 5376446"/>
+                </a:avLst>
+              </a:prstGeom>
+              <a:ln w="19050">
+                <a:solidFill>
+                  <a:schemeClr val="tx1"/>
+                </a:solidFill>
+                <a:prstDash val="solid"/>
+              </a:ln>
+            </p:spPr>
+            <p:style>
+              <a:lnRef idx="1">
+                <a:schemeClr val="accent1"/>
+              </a:lnRef>
+              <a:fillRef idx="0">
+                <a:schemeClr val="accent1"/>
+              </a:fillRef>
+              <a:effectRef idx="0">
+                <a:schemeClr val="accent1"/>
+              </a:effectRef>
+              <a:fontRef idx="minor">
+                <a:schemeClr val="tx1"/>
+              </a:fontRef>
+            </p:style>
+            <p:txBody>
+              <a:bodyPr rtlCol="0" anchor="ctr"/>
+              <a:lstStyle/>
+              <a:p>
+                <a:pPr algn="ctr"/>
+                <a:endParaRPr lang="de-DE" dirty="0"/>
+              </a:p>
+            </p:txBody>
+          </p:sp>
+          <p:sp>
+            <p:nvSpPr>
+              <p:cNvPr id="111" name="Bogen 110"/>
+              <p:cNvSpPr/>
+              <p:nvPr/>
+            </p:nvSpPr>
+            <p:spPr>
+              <a:xfrm rot="11021761" flipH="1" flipV="1">
+                <a:off x="3288247" y="2170945"/>
+                <a:ext cx="360040" cy="396044"/>
+              </a:xfrm>
+              <a:prstGeom prst="arc">
+                <a:avLst>
+                  <a:gd name="adj1" fmla="val 15538480"/>
+                  <a:gd name="adj2" fmla="val 5376446"/>
+                </a:avLst>
+              </a:prstGeom>
+              <a:ln w="19050">
+                <a:solidFill>
+                  <a:schemeClr val="tx1"/>
+                </a:solidFill>
+                <a:prstDash val="solid"/>
+              </a:ln>
+            </p:spPr>
+            <p:style>
+              <a:lnRef idx="1">
+                <a:schemeClr val="accent1"/>
+              </a:lnRef>
+              <a:fillRef idx="0">
+                <a:schemeClr val="accent1"/>
+              </a:fillRef>
+              <a:effectRef idx="0">
+                <a:schemeClr val="accent1"/>
+              </a:effectRef>
+              <a:fontRef idx="minor">
+                <a:schemeClr val="tx1"/>
+              </a:fontRef>
+            </p:style>
+            <p:txBody>
+              <a:bodyPr rtlCol="0" anchor="ctr"/>
+              <a:lstStyle/>
+              <a:p>
+                <a:pPr algn="ctr"/>
+                <a:endParaRPr lang="de-DE" dirty="0"/>
+              </a:p>
+            </p:txBody>
+          </p:sp>
+          <p:sp>
+            <p:nvSpPr>
+              <p:cNvPr id="112" name="Bogen 111"/>
+              <p:cNvSpPr/>
+              <p:nvPr/>
+            </p:nvSpPr>
+            <p:spPr>
+              <a:xfrm rot="11021761" flipH="1" flipV="1">
+                <a:off x="3288247" y="2576097"/>
+                <a:ext cx="360040" cy="396044"/>
+              </a:xfrm>
+              <a:prstGeom prst="arc">
+                <a:avLst>
+                  <a:gd name="adj1" fmla="val 15538480"/>
+                  <a:gd name="adj2" fmla="val 5376446"/>
+                </a:avLst>
+              </a:prstGeom>
+              <a:ln w="19050">
+                <a:solidFill>
+                  <a:schemeClr val="tx1"/>
+                </a:solidFill>
+                <a:prstDash val="solid"/>
+              </a:ln>
+            </p:spPr>
+            <p:style>
+              <a:lnRef idx="1">
+                <a:schemeClr val="accent1"/>
+              </a:lnRef>
+              <a:fillRef idx="0">
+                <a:schemeClr val="accent1"/>
+              </a:fillRef>
+              <a:effectRef idx="0">
+                <a:schemeClr val="accent1"/>
+              </a:effectRef>
+              <a:fontRef idx="minor">
+                <a:schemeClr val="tx1"/>
+              </a:fontRef>
+            </p:style>
+            <p:txBody>
+              <a:bodyPr rtlCol="0" anchor="ctr"/>
+              <a:lstStyle/>
+              <a:p>
+                <a:pPr algn="ctr"/>
+                <a:endParaRPr lang="de-DE" dirty="0"/>
+              </a:p>
+            </p:txBody>
+          </p:sp>
+        </p:grpSp>
+        <p:sp>
+          <p:nvSpPr>
+            <p:cNvPr id="113" name="Textfeld 112"/>
+            <p:cNvSpPr txBox="1"/>
+            <p:nvPr/>
+          </p:nvSpPr>
+          <p:spPr>
+            <a:xfrm>
+              <a:off x="3851920" y="1437099"/>
+              <a:ext cx="404439" cy="384172"/>
+            </a:xfrm>
+            <a:prstGeom prst="rect">
+              <a:avLst/>
+            </a:prstGeom>
+            <a:noFill/>
+          </p:spPr>
+          <p:txBody>
+            <a:bodyPr wrap="none" rtlCol="0">
+              <a:spAutoFit/>
+            </a:bodyPr>
+            <a:lstStyle/>
+            <a:p>
+              <a:r>
+                <a:rPr lang="de-DE" sz="1200" i="1" dirty="0" smtClean="0">
+                  <a:latin typeface="Times New Roman" pitchFamily="18" charset="0"/>
+                  <a:cs typeface="Times New Roman" pitchFamily="18" charset="0"/>
+                </a:rPr>
+                <a:t>L</a:t>
+              </a:r>
+              <a:endParaRPr lang="de-DE" sz="1200" i="1" baseline="-25000" dirty="0">
+                <a:latin typeface="Times New Roman" pitchFamily="18" charset="0"/>
+                <a:cs typeface="Times New Roman" pitchFamily="18" charset="0"/>
+              </a:endParaRPr>
+            </a:p>
+          </p:txBody>
+        </p:sp>
+        <p:cxnSp>
+          <p:nvCxnSpPr>
+            <p:cNvPr id="123" name="Gerade Verbindung 122"/>
+            <p:cNvCxnSpPr>
+              <a:endCxn id="91" idx="1"/>
+            </p:cNvCxnSpPr>
+            <p:nvPr/>
+          </p:nvCxnSpPr>
+          <p:spPr>
+            <a:xfrm>
+              <a:off x="3707904" y="1844824"/>
+              <a:ext cx="0" cy="144017"/>
+            </a:xfrm>
+            <a:prstGeom prst="line">
+              <a:avLst/>
+            </a:prstGeom>
+            <a:ln w="19050">
+              <a:solidFill>
+                <a:schemeClr val="tx1"/>
+              </a:solidFill>
+              <a:headEnd type="none" w="med" len="med"/>
+              <a:tailEnd type="none" w="med" len="med"/>
+            </a:ln>
+          </p:spPr>
+          <p:style>
+            <a:lnRef idx="1">
+              <a:schemeClr val="accent1"/>
+            </a:lnRef>
+            <a:fillRef idx="0">
+              <a:schemeClr val="accent1"/>
+            </a:fillRef>
+            <a:effectRef idx="0">
+              <a:schemeClr val="accent1"/>
+            </a:effectRef>
+            <a:fontRef idx="minor">
+              <a:schemeClr val="tx1"/>
+            </a:fontRef>
+          </p:style>
+        </p:cxnSp>
+        <p:cxnSp>
+          <p:nvCxnSpPr>
+            <p:cNvPr id="124" name="Gerade Verbindung 123"/>
+            <p:cNvCxnSpPr/>
+            <p:nvPr/>
+          </p:nvCxnSpPr>
+          <p:spPr>
+            <a:xfrm>
+              <a:off x="3491880" y="2267446"/>
+              <a:ext cx="432048" cy="0"/>
+            </a:xfrm>
+            <a:prstGeom prst="line">
+              <a:avLst/>
+            </a:prstGeom>
+            <a:ln w="19050">
+              <a:solidFill>
+                <a:schemeClr val="tx1"/>
+              </a:solidFill>
+            </a:ln>
+          </p:spPr>
+          <p:style>
+            <a:lnRef idx="1">
+              <a:schemeClr val="accent1"/>
+            </a:lnRef>
+            <a:fillRef idx="0">
+              <a:schemeClr val="accent1"/>
+            </a:fillRef>
+            <a:effectRef idx="0">
+              <a:schemeClr val="accent1"/>
+            </a:effectRef>
+            <a:fontRef idx="minor">
+              <a:schemeClr val="tx1"/>
+            </a:fontRef>
+          </p:style>
+        </p:cxnSp>
+        <p:cxnSp>
+          <p:nvCxnSpPr>
+            <p:cNvPr id="125" name="Gerade Verbindung 124"/>
+            <p:cNvCxnSpPr/>
+            <p:nvPr/>
+          </p:nvCxnSpPr>
+          <p:spPr>
+            <a:xfrm flipH="1">
+              <a:off x="3563888" y="2339454"/>
+              <a:ext cx="288032" cy="0"/>
+            </a:xfrm>
+            <a:prstGeom prst="line">
+              <a:avLst/>
+            </a:prstGeom>
+            <a:ln w="19050">
+              <a:solidFill>
+                <a:schemeClr val="tx1"/>
+              </a:solidFill>
+            </a:ln>
+          </p:spPr>
+          <p:style>
+            <a:lnRef idx="1">
+              <a:schemeClr val="accent1"/>
+            </a:lnRef>
+            <a:fillRef idx="0">
+              <a:schemeClr val="accent1"/>
+            </a:fillRef>
+            <a:effectRef idx="0">
+              <a:schemeClr val="accent1"/>
+            </a:effectRef>
+            <a:fontRef idx="minor">
+              <a:schemeClr val="tx1"/>
+            </a:fontRef>
+          </p:style>
+        </p:cxnSp>
+        <p:cxnSp>
+          <p:nvCxnSpPr>
+            <p:cNvPr id="126" name="Gerade Verbindung 125"/>
+            <p:cNvCxnSpPr/>
+            <p:nvPr/>
+          </p:nvCxnSpPr>
+          <p:spPr>
+            <a:xfrm flipH="1">
+              <a:off x="3635896" y="2411462"/>
+              <a:ext cx="144016" cy="0"/>
+            </a:xfrm>
+            <a:prstGeom prst="line">
+              <a:avLst/>
+            </a:prstGeom>
+            <a:ln w="19050">
+              <a:solidFill>
+                <a:schemeClr val="tx1"/>
+              </a:solidFill>
+            </a:ln>
+          </p:spPr>
+          <p:style>
+            <a:lnRef idx="1">
+              <a:schemeClr val="accent1"/>
+            </a:lnRef>
+            <a:fillRef idx="0">
+              <a:schemeClr val="accent1"/>
+            </a:fillRef>
+            <a:effectRef idx="0">
+              <a:schemeClr val="accent1"/>
+            </a:effectRef>
+            <a:fontRef idx="minor">
+              <a:schemeClr val="tx1"/>
+            </a:fontRef>
+          </p:style>
+        </p:cxnSp>
+        <p:cxnSp>
+          <p:nvCxnSpPr>
+            <p:cNvPr id="127" name="Gerade Verbindung 126"/>
+            <p:cNvCxnSpPr/>
+            <p:nvPr/>
+          </p:nvCxnSpPr>
+          <p:spPr>
+            <a:xfrm>
+              <a:off x="3707904" y="2113924"/>
+              <a:ext cx="0" cy="153522"/>
+            </a:xfrm>
+            <a:prstGeom prst="line">
+              <a:avLst/>
+            </a:prstGeom>
+            <a:ln w="19050">
+              <a:solidFill>
+                <a:schemeClr val="tx1"/>
+              </a:solidFill>
+              <a:headEnd type="none" w="med" len="med"/>
+              <a:tailEnd type="none" w="med" len="med"/>
+            </a:ln>
+          </p:spPr>
+          <p:style>
+            <a:lnRef idx="1">
+              <a:schemeClr val="accent1"/>
+            </a:lnRef>
+            <a:fillRef idx="0">
+              <a:schemeClr val="accent1"/>
+            </a:fillRef>
+            <a:effectRef idx="0">
+              <a:schemeClr val="accent1"/>
+            </a:effectRef>
+            <a:fontRef idx="minor">
+              <a:schemeClr val="tx1"/>
+            </a:fontRef>
+          </p:style>
+        </p:cxnSp>
+      </p:grpSp>
+      <p:sp>
+        <p:nvSpPr>
+          <p:cNvPr id="138" name="Textfeld 137"/>
+          <p:cNvSpPr txBox="1"/>
+          <p:nvPr/>
+        </p:nvSpPr>
+        <p:spPr>
+          <a:xfrm>
+            <a:off x="4283968" y="1988840"/>
+            <a:ext cx="914033" cy="400110"/>
+          </a:xfrm>
+          <a:prstGeom prst="rect">
+            <a:avLst/>
+          </a:prstGeom>
+          <a:noFill/>
+        </p:spPr>
+        <p:txBody>
+          <a:bodyPr wrap="none" rtlCol="0">
+            <a:spAutoFit/>
+          </a:bodyPr>
+          <a:lstStyle/>
+          <a:p>
+            <a:r>
+              <a:rPr lang="el-GR" sz="2000" i="1" dirty="0" smtClean="0">
+                <a:latin typeface="Times New Roman" pitchFamily="18" charset="0"/>
+                <a:cs typeface="Times New Roman" pitchFamily="18" charset="0"/>
+              </a:rPr>
+              <a:t>ω</a:t>
+            </a:r>
+            <a:r>
+              <a:rPr lang="de-DE" sz="2000" i="1" baseline="-25000" dirty="0" smtClean="0">
+                <a:latin typeface="Times New Roman" pitchFamily="18" charset="0"/>
+                <a:cs typeface="Times New Roman" pitchFamily="18" charset="0"/>
+              </a:rPr>
+              <a:t>0 </a:t>
+            </a:r>
+            <a:r>
+              <a:rPr lang="de-DE" sz="2000" i="1" dirty="0" smtClean="0">
+                <a:latin typeface="Times New Roman" pitchFamily="18" charset="0"/>
+                <a:cs typeface="Times New Roman" pitchFamily="18" charset="0"/>
+              </a:rPr>
+              <a:t> , Z</a:t>
+            </a:r>
+            <a:r>
+              <a:rPr lang="de-DE" sz="2000" i="1" baseline="-25000" dirty="0" smtClean="0">
+                <a:latin typeface="Times New Roman" pitchFamily="18" charset="0"/>
+                <a:cs typeface="Times New Roman" pitchFamily="18" charset="0"/>
+              </a:rPr>
+              <a:t>0</a:t>
+            </a:r>
+            <a:endParaRPr lang="de-DE" sz="2000" i="1" baseline="-25000" dirty="0">
+              <a:latin typeface="Times New Roman" pitchFamily="18" charset="0"/>
+              <a:cs typeface="Times New Roman" pitchFamily="18" charset="0"/>
+            </a:endParaRPr>
+          </a:p>
+        </p:txBody>
+      </p:sp>
+      <p:sp>
+        <p:nvSpPr>
+          <p:cNvPr id="139" name="Rechteck 138"/>
+          <p:cNvSpPr/>
+          <p:nvPr/>
+        </p:nvSpPr>
+        <p:spPr>
+          <a:xfrm>
+            <a:off x="2709317" y="3717032"/>
+            <a:ext cx="4824536" cy="648072"/>
+          </a:xfrm>
+          <a:prstGeom prst="rect">
+            <a:avLst/>
+          </a:prstGeom>
+          <a:solidFill>
+            <a:schemeClr val="bg1">
+              <a:lumMod val="75000"/>
+            </a:schemeClr>
+          </a:solidFill>
+          <a:ln>
+            <a:solidFill>
+              <a:schemeClr val="bg1">
+                <a:lumMod val="50000"/>
+              </a:schemeClr>
+            </a:solidFill>
+          </a:ln>
+          <a:scene3d>
+            <a:camera prst="isometricBottomDown">
+              <a:rot lat="1800000" lon="17400000" rev="17990253"/>
+            </a:camera>
+            <a:lightRig rig="threePt" dir="t"/>
+          </a:scene3d>
+        </p:spPr>
+        <p:style>
+          <a:lnRef idx="2">
+            <a:schemeClr val="accent1">
+              <a:shade val="50000"/>
+            </a:schemeClr>
+          </a:lnRef>
+          <a:fillRef idx="1">
+            <a:schemeClr val="accent1"/>
+          </a:fillRef>
+          <a:effectRef idx="0">
+            <a:schemeClr val="accent1"/>
+          </a:effectRef>
+          <a:fontRef idx="minor">
+            <a:schemeClr val="lt1"/>
+          </a:fontRef>
+        </p:style>
+        <p:txBody>
+          <a:bodyPr rtlCol="0" anchor="ctr"/>
+          <a:lstStyle/>
+          <a:p>
+            <a:pPr algn="ctr"/>
+            <a:endParaRPr lang="de-DE"/>
+          </a:p>
+        </p:txBody>
+      </p:sp>
+      <p:sp>
+        <p:nvSpPr>
+          <p:cNvPr id="140" name="Rechteck 139"/>
+          <p:cNvSpPr/>
+          <p:nvPr/>
+        </p:nvSpPr>
+        <p:spPr>
+          <a:xfrm>
+            <a:off x="2339752" y="4211563"/>
+            <a:ext cx="4824536" cy="144016"/>
+          </a:xfrm>
+          <a:prstGeom prst="rect">
+            <a:avLst/>
+          </a:prstGeom>
+          <a:solidFill>
+            <a:schemeClr val="bg1">
+              <a:lumMod val="75000"/>
+            </a:schemeClr>
+          </a:solidFill>
+          <a:ln>
+            <a:solidFill>
+              <a:schemeClr val="bg1">
+                <a:lumMod val="50000"/>
+              </a:schemeClr>
+            </a:solidFill>
+          </a:ln>
+          <a:scene3d>
+            <a:camera prst="isometricBottomDown">
+              <a:rot lat="1800000" lon="17400000" rev="17990253"/>
+            </a:camera>
+            <a:lightRig rig="threePt" dir="t"/>
+          </a:scene3d>
+        </p:spPr>
+        <p:style>
+          <a:lnRef idx="2">
+            <a:schemeClr val="accent1">
+              <a:shade val="50000"/>
+            </a:schemeClr>
+          </a:lnRef>
+          <a:fillRef idx="1">
+            <a:schemeClr val="accent1"/>
+          </a:fillRef>
+          <a:effectRef idx="0">
+            <a:schemeClr val="accent1"/>
+          </a:effectRef>
+          <a:fontRef idx="minor">
+            <a:schemeClr val="lt1"/>
+          </a:fontRef>
+        </p:style>
+        <p:txBody>
+          <a:bodyPr rtlCol="0" anchor="ctr"/>
+          <a:lstStyle/>
+          <a:p>
+            <a:pPr algn="ctr"/>
+            <a:endParaRPr lang="de-DE"/>
+          </a:p>
+        </p:txBody>
+      </p:sp>
+      <p:sp>
+        <p:nvSpPr>
+          <p:cNvPr id="141" name="Rechteck 140"/>
+          <p:cNvSpPr/>
+          <p:nvPr/>
+        </p:nvSpPr>
+        <p:spPr>
+          <a:xfrm>
+            <a:off x="1926149" y="4203248"/>
+            <a:ext cx="4824536" cy="648072"/>
+          </a:xfrm>
+          <a:prstGeom prst="rect">
+            <a:avLst/>
+          </a:prstGeom>
+          <a:solidFill>
+            <a:schemeClr val="bg1">
+              <a:lumMod val="75000"/>
+            </a:schemeClr>
+          </a:solidFill>
+          <a:ln>
+            <a:solidFill>
+              <a:schemeClr val="bg1">
+                <a:lumMod val="50000"/>
+              </a:schemeClr>
+            </a:solidFill>
+          </a:ln>
+          <a:scene3d>
+            <a:camera prst="isometricBottomDown">
+              <a:rot lat="1800000" lon="17400000" rev="17990253"/>
+            </a:camera>
+            <a:lightRig rig="threePt" dir="t"/>
+          </a:scene3d>
+        </p:spPr>
+        <p:style>
+          <a:lnRef idx="2">
+            <a:schemeClr val="accent1">
+              <a:shade val="50000"/>
+            </a:schemeClr>
+          </a:lnRef>
+          <a:fillRef idx="1">
+            <a:schemeClr val="accent1"/>
+          </a:fillRef>
+          <a:effectRef idx="0">
+            <a:schemeClr val="accent1"/>
+          </a:effectRef>
+          <a:fontRef idx="minor">
+            <a:schemeClr val="lt1"/>
+          </a:fontRef>
+        </p:style>
+        <p:txBody>
+          <a:bodyPr rtlCol="0" anchor="ctr"/>
+          <a:lstStyle/>
+          <a:p>
+            <a:pPr algn="ctr"/>
+            <a:endParaRPr lang="de-DE"/>
+          </a:p>
+        </p:txBody>
+      </p:sp>
+      <p:cxnSp>
+        <p:nvCxnSpPr>
+          <p:cNvPr id="143" name="Gerade Verbindung 142"/>
+          <p:cNvCxnSpPr/>
+          <p:nvPr/>
+        </p:nvCxnSpPr>
+        <p:spPr>
+          <a:xfrm flipH="1" flipV="1">
+            <a:off x="3069357" y="4077072"/>
+            <a:ext cx="265792" cy="53340"/>
+          </a:xfrm>
+          <a:prstGeom prst="line">
+            <a:avLst/>
+          </a:prstGeom>
+          <a:ln>
+            <a:solidFill>
+              <a:schemeClr val="tx1"/>
+            </a:solidFill>
+          </a:ln>
+        </p:spPr>
+        <p:style>
+          <a:lnRef idx="1">
+            <a:schemeClr val="accent1"/>
+          </a:lnRef>
+          <a:fillRef idx="0">
+            <a:schemeClr val="accent1"/>
+          </a:fillRef>
+          <a:effectRef idx="0">
+            <a:schemeClr val="accent1"/>
+          </a:effectRef>
+          <a:fontRef idx="minor">
+            <a:schemeClr val="tx1"/>
+          </a:fontRef>
+        </p:style>
+      </p:cxnSp>
+      <p:cxnSp>
+        <p:nvCxnSpPr>
+          <p:cNvPr id="146" name="Gerade Verbindung 145"/>
+          <p:cNvCxnSpPr/>
+          <p:nvPr/>
+        </p:nvCxnSpPr>
+        <p:spPr>
+          <a:xfrm flipV="1">
+            <a:off x="2960468" y="3996598"/>
+            <a:ext cx="205182" cy="160577"/>
+          </a:xfrm>
+          <a:prstGeom prst="line">
+            <a:avLst/>
+          </a:prstGeom>
+          <a:ln w="28575">
+            <a:solidFill>
+              <a:schemeClr val="tx1"/>
+            </a:solidFill>
+          </a:ln>
+        </p:spPr>
+        <p:style>
+          <a:lnRef idx="1">
+            <a:schemeClr val="accent1"/>
+          </a:lnRef>
+          <a:fillRef idx="0">
+            <a:schemeClr val="accent1"/>
+          </a:fillRef>
+          <a:effectRef idx="0">
+            <a:schemeClr val="accent1"/>
+          </a:effectRef>
+          <a:fontRef idx="minor">
+            <a:schemeClr val="tx1"/>
+          </a:fontRef>
+        </p:style>
+      </p:cxnSp>
+      <p:cxnSp>
+        <p:nvCxnSpPr>
+          <p:cNvPr id="148" name="Gerade Verbindung 147"/>
+          <p:cNvCxnSpPr/>
+          <p:nvPr/>
+        </p:nvCxnSpPr>
+        <p:spPr>
+          <a:xfrm flipV="1">
+            <a:off x="2853333" y="3988503"/>
+            <a:ext cx="205182" cy="160577"/>
+          </a:xfrm>
+          <a:prstGeom prst="line">
+            <a:avLst/>
+          </a:prstGeom>
+          <a:ln w="28575">
+            <a:solidFill>
+              <a:schemeClr val="tx1"/>
+            </a:solidFill>
+          </a:ln>
+        </p:spPr>
+        <p:style>
+          <a:lnRef idx="1">
+            <a:schemeClr val="accent1"/>
+          </a:lnRef>
+          <a:fillRef idx="0">
+            <a:schemeClr val="accent1"/>
+          </a:fillRef>
+          <a:effectRef idx="0">
+            <a:schemeClr val="accent1"/>
+          </a:effectRef>
+          <a:fontRef idx="minor">
+            <a:schemeClr val="tx1"/>
+          </a:fontRef>
+        </p:style>
+      </p:cxnSp>
+      <p:cxnSp>
+        <p:nvCxnSpPr>
+          <p:cNvPr id="149" name="Gerade Verbindung 148"/>
+          <p:cNvCxnSpPr/>
+          <p:nvPr/>
+        </p:nvCxnSpPr>
+        <p:spPr>
+          <a:xfrm flipH="1" flipV="1">
+            <a:off x="2686309" y="4009524"/>
+            <a:ext cx="265792" cy="53340"/>
+          </a:xfrm>
+          <a:prstGeom prst="line">
+            <a:avLst/>
+          </a:prstGeom>
+          <a:ln>
+            <a:solidFill>
+              <a:schemeClr val="tx1"/>
+            </a:solidFill>
+          </a:ln>
+        </p:spPr>
+        <p:style>
+          <a:lnRef idx="1">
+            <a:schemeClr val="accent1"/>
+          </a:lnRef>
+          <a:fillRef idx="0">
+            <a:schemeClr val="accent1"/>
+          </a:fillRef>
+          <a:effectRef idx="0">
+            <a:schemeClr val="accent1"/>
+          </a:effectRef>
+          <a:fontRef idx="minor">
+            <a:schemeClr val="tx1"/>
+          </a:fontRef>
+        </p:style>
+      </p:cxnSp>
+      <p:sp>
+        <p:nvSpPr>
+          <p:cNvPr id="150" name="Textfeld 149"/>
+          <p:cNvSpPr txBox="1"/>
+          <p:nvPr/>
+        </p:nvSpPr>
+        <p:spPr>
+          <a:xfrm>
+            <a:off x="2947641" y="3627184"/>
+            <a:ext cx="489236" cy="400110"/>
+          </a:xfrm>
+          <a:prstGeom prst="rect">
+            <a:avLst/>
+          </a:prstGeom>
+          <a:noFill/>
+        </p:spPr>
+        <p:txBody>
+          <a:bodyPr wrap="none" rtlCol="0">
+            <a:spAutoFit/>
+          </a:bodyPr>
+          <a:lstStyle/>
+          <a:p>
+            <a:r>
+              <a:rPr lang="de-DE" sz="2000" i="1" dirty="0" err="1" smtClean="0">
+                <a:latin typeface="Times New Roman" pitchFamily="18" charset="0"/>
+                <a:cs typeface="Times New Roman" pitchFamily="18" charset="0"/>
+              </a:rPr>
+              <a:t>C</a:t>
+            </a:r>
+            <a:r>
+              <a:rPr lang="de-DE" sz="2000" i="1" baseline="-25000" dirty="0" err="1" smtClean="0">
+                <a:latin typeface="Times New Roman" pitchFamily="18" charset="0"/>
+                <a:cs typeface="Times New Roman" pitchFamily="18" charset="0"/>
+              </a:rPr>
+              <a:t>in</a:t>
+            </a:r>
+            <a:endParaRPr lang="de-DE" sz="2000" i="1" baseline="-25000" dirty="0">
+              <a:latin typeface="Times New Roman" pitchFamily="18" charset="0"/>
+              <a:cs typeface="Times New Roman" pitchFamily="18" charset="0"/>
+            </a:endParaRPr>
+          </a:p>
+        </p:txBody>
+      </p:sp>
+      <p:sp>
+        <p:nvSpPr>
+          <p:cNvPr id="159" name="Bogen 158"/>
+          <p:cNvSpPr/>
+          <p:nvPr/>
+        </p:nvSpPr>
+        <p:spPr>
+          <a:xfrm rot="19588512">
+            <a:off x="4291373" y="4308483"/>
+            <a:ext cx="359427" cy="142601"/>
+          </a:xfrm>
+          <a:prstGeom prst="arc">
+            <a:avLst>
+              <a:gd name="adj1" fmla="val 10660703"/>
+              <a:gd name="adj2" fmla="val 0"/>
+            </a:avLst>
+          </a:prstGeom>
+          <a:ln>
+            <a:solidFill>
+              <a:srgbClr val="0070C0"/>
+            </a:solidFill>
+            <a:headEnd type="triangle" w="med" len="med"/>
+            <a:tailEnd type="none" w="med" len="med"/>
+          </a:ln>
+        </p:spPr>
+        <p:style>
+          <a:lnRef idx="1">
+            <a:schemeClr val="accent1"/>
+          </a:lnRef>
+          <a:fillRef idx="0">
+            <a:schemeClr val="accent1"/>
+          </a:fillRef>
+          <a:effectRef idx="0">
+            <a:schemeClr val="accent1"/>
+          </a:effectRef>
+          <a:fontRef idx="minor">
+            <a:schemeClr val="tx1"/>
+          </a:fontRef>
+        </p:style>
+        <p:txBody>
+          <a:bodyPr rtlCol="0" anchor="ctr"/>
+          <a:lstStyle/>
+          <a:p>
+            <a:pPr algn="ctr"/>
+            <a:endParaRPr lang="de-DE"/>
+          </a:p>
+        </p:txBody>
+      </p:sp>
+      <p:sp>
+        <p:nvSpPr>
+          <p:cNvPr id="162" name="Bogen 161"/>
+          <p:cNvSpPr/>
+          <p:nvPr/>
+        </p:nvSpPr>
+        <p:spPr>
+          <a:xfrm rot="19422256" flipH="1">
+            <a:off x="4606668" y="4093152"/>
+            <a:ext cx="359427" cy="142601"/>
+          </a:xfrm>
+          <a:prstGeom prst="arc">
+            <a:avLst>
+              <a:gd name="adj1" fmla="val 10540938"/>
+              <a:gd name="adj2" fmla="val 0"/>
+            </a:avLst>
+          </a:prstGeom>
+          <a:ln>
+            <a:solidFill>
+              <a:srgbClr val="0070C0"/>
+            </a:solidFill>
+            <a:headEnd type="triangle" w="med" len="med"/>
+            <a:tailEnd type="none" w="med" len="med"/>
+          </a:ln>
+        </p:spPr>
+        <p:style>
+          <a:lnRef idx="1">
+            <a:schemeClr val="accent1"/>
+          </a:lnRef>
+          <a:fillRef idx="0">
+            <a:schemeClr val="accent1"/>
+          </a:fillRef>
+          <a:effectRef idx="0">
+            <a:schemeClr val="accent1"/>
+          </a:effectRef>
+          <a:fontRef idx="minor">
+            <a:schemeClr val="tx1"/>
+          </a:fontRef>
+        </p:style>
+        <p:txBody>
+          <a:bodyPr rtlCol="0" anchor="ctr"/>
+          <a:lstStyle/>
+          <a:p>
+            <a:pPr algn="ctr"/>
+            <a:endParaRPr lang="de-DE"/>
+          </a:p>
+        </p:txBody>
+      </p:sp>
+      <p:sp>
+        <p:nvSpPr>
+          <p:cNvPr id="163" name="Bogen 162"/>
+          <p:cNvSpPr/>
+          <p:nvPr/>
+        </p:nvSpPr>
+        <p:spPr>
+          <a:xfrm>
+            <a:off x="4869557" y="4126780"/>
+            <a:ext cx="216024" cy="270192"/>
+          </a:xfrm>
+          <a:prstGeom prst="arc">
+            <a:avLst>
+              <a:gd name="adj1" fmla="val 3074842"/>
+              <a:gd name="adj2" fmla="val 21276454"/>
+            </a:avLst>
+          </a:prstGeom>
+          <a:ln>
+            <a:solidFill>
+              <a:srgbClr val="C00000"/>
+            </a:solidFill>
+            <a:headEnd type="none" w="med" len="med"/>
+            <a:tailEnd type="triangle" w="med" len="med"/>
+          </a:ln>
+        </p:spPr>
+        <p:style>
+          <a:lnRef idx="1">
+            <a:schemeClr val="accent1"/>
+          </a:lnRef>
+          <a:fillRef idx="0">
+            <a:schemeClr val="accent1"/>
+          </a:fillRef>
+          <a:effectRef idx="0">
+            <a:schemeClr val="accent1"/>
+          </a:effectRef>
+          <a:fontRef idx="minor">
+            <a:schemeClr val="tx1"/>
+          </a:fontRef>
+        </p:style>
+        <p:txBody>
+          <a:bodyPr rtlCol="0" anchor="ctr"/>
+          <a:lstStyle/>
+          <a:p>
+            <a:pPr algn="ctr"/>
+            <a:endParaRPr lang="de-DE"/>
+          </a:p>
+        </p:txBody>
+      </p:sp>
+      <p:cxnSp>
+        <p:nvCxnSpPr>
+          <p:cNvPr id="165" name="Gerade Verbindung mit Pfeil 164"/>
+          <p:cNvCxnSpPr/>
+          <p:nvPr/>
+        </p:nvCxnSpPr>
+        <p:spPr>
+          <a:xfrm>
+            <a:off x="5177331" y="4326673"/>
+            <a:ext cx="268290" cy="29511"/>
+          </a:xfrm>
+          <a:prstGeom prst="straightConnector1">
+            <a:avLst/>
+          </a:prstGeom>
+          <a:ln>
+            <a:solidFill>
+              <a:srgbClr val="FF0000"/>
+            </a:solidFill>
+            <a:headEnd type="none" w="med" len="med"/>
+            <a:tailEnd type="triangle" w="med" len="med"/>
+          </a:ln>
+        </p:spPr>
+        <p:style>
+          <a:lnRef idx="1">
+            <a:schemeClr val="accent1"/>
+          </a:lnRef>
+          <a:fillRef idx="0">
+            <a:schemeClr val="accent1"/>
+          </a:fillRef>
+          <a:effectRef idx="0">
+            <a:schemeClr val="accent1"/>
+          </a:effectRef>
+          <a:fontRef idx="minor">
+            <a:schemeClr val="tx1"/>
+          </a:fontRef>
+        </p:style>
+      </p:cxnSp>
+      <p:sp>
+        <p:nvSpPr>
+          <p:cNvPr id="169" name="Textfeld 168"/>
+          <p:cNvSpPr txBox="1"/>
+          <p:nvPr/>
+        </p:nvSpPr>
+        <p:spPr>
+          <a:xfrm>
+            <a:off x="4653533" y="3645024"/>
+            <a:ext cx="341760" cy="400110"/>
+          </a:xfrm>
+          <a:prstGeom prst="rect">
+            <a:avLst/>
+          </a:prstGeom>
+          <a:noFill/>
+        </p:spPr>
+        <p:txBody>
+          <a:bodyPr wrap="none" rtlCol="0">
+            <a:spAutoFit/>
+          </a:bodyPr>
+          <a:lstStyle/>
+          <a:p>
+            <a:r>
+              <a:rPr lang="de-DE" sz="2000" i="1" dirty="0" smtClean="0">
+                <a:latin typeface="Times New Roman" pitchFamily="18" charset="0"/>
+                <a:cs typeface="Times New Roman" pitchFamily="18" charset="0"/>
+              </a:rPr>
+              <a:t>E</a:t>
+            </a:r>
+            <a:endParaRPr lang="de-DE" sz="2000" i="1" baseline="-25000" dirty="0">
+              <a:latin typeface="Times New Roman" pitchFamily="18" charset="0"/>
+              <a:cs typeface="Times New Roman" pitchFamily="18" charset="0"/>
+            </a:endParaRPr>
+          </a:p>
+        </p:txBody>
+      </p:sp>
+      <p:sp>
+        <p:nvSpPr>
+          <p:cNvPr id="170" name="Textfeld 169"/>
+          <p:cNvSpPr txBox="1"/>
+          <p:nvPr/>
+        </p:nvSpPr>
+        <p:spPr>
+          <a:xfrm>
+            <a:off x="5013573" y="3861048"/>
+            <a:ext cx="341760" cy="400110"/>
+          </a:xfrm>
+          <a:prstGeom prst="rect">
+            <a:avLst/>
+          </a:prstGeom>
+          <a:noFill/>
+        </p:spPr>
+        <p:txBody>
+          <a:bodyPr wrap="none" rtlCol="0">
+            <a:spAutoFit/>
+          </a:bodyPr>
+          <a:lstStyle/>
+          <a:p>
+            <a:r>
+              <a:rPr lang="de-DE" sz="2000" i="1" dirty="0" smtClean="0">
+                <a:latin typeface="Times New Roman" pitchFamily="18" charset="0"/>
+                <a:cs typeface="Times New Roman" pitchFamily="18" charset="0"/>
+              </a:rPr>
+              <a:t>B</a:t>
+            </a:r>
+            <a:endParaRPr lang="de-DE" sz="2000" i="1" baseline="-25000" dirty="0">
+              <a:latin typeface="Times New Roman" pitchFamily="18" charset="0"/>
+              <a:cs typeface="Times New Roman" pitchFamily="18" charset="0"/>
+            </a:endParaRPr>
+          </a:p>
+        </p:txBody>
+      </p:sp>
+      <p:sp>
+        <p:nvSpPr>
+          <p:cNvPr id="171" name="Textfeld 170"/>
+          <p:cNvSpPr txBox="1"/>
+          <p:nvPr/>
+        </p:nvSpPr>
+        <p:spPr>
+          <a:xfrm>
+            <a:off x="5373613" y="4221088"/>
+            <a:ext cx="269626" cy="400110"/>
+          </a:xfrm>
+          <a:prstGeom prst="rect">
+            <a:avLst/>
+          </a:prstGeom>
+          <a:noFill/>
+        </p:spPr>
+        <p:txBody>
+          <a:bodyPr wrap="none" rtlCol="0">
+            <a:spAutoFit/>
+          </a:bodyPr>
+          <a:lstStyle/>
+          <a:p>
+            <a:r>
+              <a:rPr lang="de-DE" sz="2000" i="1" dirty="0" smtClean="0">
+                <a:latin typeface="Times New Roman" pitchFamily="18" charset="0"/>
+                <a:cs typeface="Times New Roman" pitchFamily="18" charset="0"/>
+              </a:rPr>
+              <a:t>I</a:t>
+            </a:r>
+            <a:endParaRPr lang="de-DE" sz="2000" i="1" baseline="-25000" dirty="0">
+              <a:latin typeface="Times New Roman" pitchFamily="18" charset="0"/>
+              <a:cs typeface="Times New Roman" pitchFamily="18" charset="0"/>
+            </a:endParaRPr>
+          </a:p>
+        </p:txBody>
+      </p:sp>
     </p:spTree>
   </p:cSld>
   <p:clrMapOvr>
     <a:masterClrMapping/>
   </p:clrMapOvr>
+  <p:timing>
+    <p:tnLst>
+      <p:par>
+        <p:cTn id="1" dur="indefinite" restart="never" nodeType="tmRoot"/>
+      </p:par>
+    </p:tnLst>
+  </p:timing>
 </p:sld>
 </file>
 

--- a/material/figures/introduction/transmission_lines.pptx
+++ b/material/figures/introduction/transmission_lines.pptx
@@ -290,7 +290,7 @@
             <a:fld id="{90308D75-6CD1-47BF-9C58-4A834C045EAD}" type="datetimeFigureOut">
               <a:rPr lang="de-DE" smtClean="0"/>
               <a:pPr/>
-              <a:t>17.07.2012</a:t>
+              <a:t>05.08.2012</a:t>
             </a:fld>
             <a:endParaRPr lang="de-DE"/>
           </a:p>
@@ -457,7 +457,7 @@
             <a:fld id="{90308D75-6CD1-47BF-9C58-4A834C045EAD}" type="datetimeFigureOut">
               <a:rPr lang="de-DE" smtClean="0"/>
               <a:pPr/>
-              <a:t>17.07.2012</a:t>
+              <a:t>05.08.2012</a:t>
             </a:fld>
             <a:endParaRPr lang="de-DE"/>
           </a:p>
@@ -634,7 +634,7 @@
             <a:fld id="{90308D75-6CD1-47BF-9C58-4A834C045EAD}" type="datetimeFigureOut">
               <a:rPr lang="de-DE" smtClean="0"/>
               <a:pPr/>
-              <a:t>17.07.2012</a:t>
+              <a:t>05.08.2012</a:t>
             </a:fld>
             <a:endParaRPr lang="de-DE"/>
           </a:p>
@@ -801,7 +801,7 @@
             <a:fld id="{90308D75-6CD1-47BF-9C58-4A834C045EAD}" type="datetimeFigureOut">
               <a:rPr lang="de-DE" smtClean="0"/>
               <a:pPr/>
-              <a:t>17.07.2012</a:t>
+              <a:t>05.08.2012</a:t>
             </a:fld>
             <a:endParaRPr lang="de-DE"/>
           </a:p>
@@ -1044,7 +1044,7 @@
             <a:fld id="{90308D75-6CD1-47BF-9C58-4A834C045EAD}" type="datetimeFigureOut">
               <a:rPr lang="de-DE" smtClean="0"/>
               <a:pPr/>
-              <a:t>17.07.2012</a:t>
+              <a:t>05.08.2012</a:t>
             </a:fld>
             <a:endParaRPr lang="de-DE"/>
           </a:p>
@@ -1329,7 +1329,7 @@
             <a:fld id="{90308D75-6CD1-47BF-9C58-4A834C045EAD}" type="datetimeFigureOut">
               <a:rPr lang="de-DE" smtClean="0"/>
               <a:pPr/>
-              <a:t>17.07.2012</a:t>
+              <a:t>05.08.2012</a:t>
             </a:fld>
             <a:endParaRPr lang="de-DE"/>
           </a:p>
@@ -1748,7 +1748,7 @@
             <a:fld id="{90308D75-6CD1-47BF-9C58-4A834C045EAD}" type="datetimeFigureOut">
               <a:rPr lang="de-DE" smtClean="0"/>
               <a:pPr/>
-              <a:t>17.07.2012</a:t>
+              <a:t>05.08.2012</a:t>
             </a:fld>
             <a:endParaRPr lang="de-DE"/>
           </a:p>
@@ -1863,7 +1863,7 @@
             <a:fld id="{90308D75-6CD1-47BF-9C58-4A834C045EAD}" type="datetimeFigureOut">
               <a:rPr lang="de-DE" smtClean="0"/>
               <a:pPr/>
-              <a:t>17.07.2012</a:t>
+              <a:t>05.08.2012</a:t>
             </a:fld>
             <a:endParaRPr lang="de-DE"/>
           </a:p>
@@ -1955,7 +1955,7 @@
             <a:fld id="{90308D75-6CD1-47BF-9C58-4A834C045EAD}" type="datetimeFigureOut">
               <a:rPr lang="de-DE" smtClean="0"/>
               <a:pPr/>
-              <a:t>17.07.2012</a:t>
+              <a:t>05.08.2012</a:t>
             </a:fld>
             <a:endParaRPr lang="de-DE"/>
           </a:p>
@@ -2229,7 +2229,7 @@
             <a:fld id="{90308D75-6CD1-47BF-9C58-4A834C045EAD}" type="datetimeFigureOut">
               <a:rPr lang="de-DE" smtClean="0"/>
               <a:pPr/>
-              <a:t>17.07.2012</a:t>
+              <a:t>05.08.2012</a:t>
             </a:fld>
             <a:endParaRPr lang="de-DE"/>
           </a:p>
@@ -2479,7 +2479,7 @@
             <a:fld id="{90308D75-6CD1-47BF-9C58-4A834C045EAD}" type="datetimeFigureOut">
               <a:rPr lang="de-DE" smtClean="0"/>
               <a:pPr/>
-              <a:t>17.07.2012</a:t>
+              <a:t>05.08.2012</a:t>
             </a:fld>
             <a:endParaRPr lang="de-DE"/>
           </a:p>
@@ -2689,7 +2689,7 @@
             <a:fld id="{90308D75-6CD1-47BF-9C58-4A834C045EAD}" type="datetimeFigureOut">
               <a:rPr lang="de-DE" smtClean="0"/>
               <a:pPr/>
-              <a:t>17.07.2012</a:t>
+              <a:t>05.08.2012</a:t>
             </a:fld>
             <a:endParaRPr lang="de-DE"/>
           </a:p>
@@ -4209,7 +4209,7 @@
         </p:nvCxnSpPr>
         <p:spPr>
           <a:xfrm>
-            <a:off x="1972888" y="2881352"/>
+            <a:off x="1972888" y="3573016"/>
             <a:ext cx="432048" cy="0"/>
           </a:xfrm>
           <a:prstGeom prst="line">
@@ -4244,7 +4244,7 @@
         </p:nvCxnSpPr>
         <p:spPr>
           <a:xfrm flipH="1">
-            <a:off x="2044896" y="2953360"/>
+            <a:off x="2044896" y="3645024"/>
             <a:ext cx="288032" cy="0"/>
           </a:xfrm>
           <a:prstGeom prst="line">
@@ -4279,7 +4279,7 @@
         </p:nvCxnSpPr>
         <p:spPr>
           <a:xfrm flipH="1">
-            <a:off x="2116904" y="3025368"/>
+            <a:off x="2116904" y="3717032"/>
             <a:ext cx="144016" cy="0"/>
           </a:xfrm>
           <a:prstGeom prst="line">
@@ -4314,10 +4314,10 @@
         </p:nvGrpSpPr>
         <p:grpSpPr>
           <a:xfrm>
-            <a:off x="2476857" y="2333857"/>
-            <a:ext cx="401841" cy="371728"/>
-            <a:chOff x="4851122" y="2121168"/>
-            <a:chExt cx="401841" cy="371728"/>
+            <a:off x="2339752" y="2333857"/>
+            <a:ext cx="360040" cy="371728"/>
+            <a:chOff x="4860032" y="2121168"/>
+            <a:chExt cx="360040" cy="371728"/>
           </a:xfrm>
         </p:grpSpPr>
         <p:sp>
@@ -4380,8 +4380,8 @@
           </p:nvSpPr>
           <p:spPr>
             <a:xfrm>
-              <a:off x="4851122" y="2121168"/>
-              <a:ext cx="401841" cy="338554"/>
+              <a:off x="4897192" y="2121168"/>
+              <a:ext cx="309700" cy="338554"/>
             </a:xfrm>
             <a:prstGeom prst="rect">
               <a:avLst/>
@@ -4407,13 +4407,6 @@
                 </a:rPr>
                 <a:t>V</a:t>
               </a:r>
-              <a:r>
-                <a:rPr lang="de-DE" sz="1600" i="1" baseline="-25000" dirty="0" smtClean="0">
-                  <a:latin typeface="Times New Roman" pitchFamily="18" charset="0"/>
-                  <a:cs typeface="Times New Roman" pitchFamily="18" charset="0"/>
-                </a:rPr>
-                <a:t>in</a:t>
-              </a:r>
               <a:endParaRPr lang="de-DE" sz="2400" i="1" baseline="-25000" dirty="0">
                 <a:solidFill>
                   <a:schemeClr val="tx1"/>
@@ -4463,13 +4456,15 @@
       <p:cxnSp>
         <p:nvCxnSpPr>
           <p:cNvPr id="52" name="Gerade Verbindung 51"/>
-          <p:cNvCxnSpPr/>
+          <p:cNvCxnSpPr>
+            <a:stCxn id="49" idx="2"/>
+          </p:cNvCxnSpPr>
           <p:nvPr/>
         </p:nvCxnSpPr>
         <p:spPr>
           <a:xfrm flipH="1">
-            <a:off x="2194663" y="2527063"/>
-            <a:ext cx="288032" cy="0"/>
+            <a:off x="2194663" y="2525565"/>
+            <a:ext cx="145089" cy="1498"/>
           </a:xfrm>
           <a:prstGeom prst="line">
             <a:avLst/>
@@ -4927,13 +4922,15 @@
       <p:cxnSp>
         <p:nvCxnSpPr>
           <p:cNvPr id="67" name="Gerade Verbindung 66"/>
-          <p:cNvCxnSpPr/>
+          <p:cNvCxnSpPr>
+            <a:stCxn id="49" idx="6"/>
+          </p:cNvCxnSpPr>
           <p:nvPr/>
         </p:nvCxnSpPr>
         <p:spPr>
-          <a:xfrm>
-            <a:off x="2851482" y="2524067"/>
-            <a:ext cx="288032" cy="0"/>
+          <a:xfrm flipV="1">
+            <a:off x="2699792" y="2524067"/>
+            <a:ext cx="439722" cy="1498"/>
           </a:xfrm>
           <a:prstGeom prst="line">
             <a:avLst/>
@@ -4967,7 +4964,7 @@
         </p:nvSpPr>
         <p:spPr>
           <a:xfrm>
-            <a:off x="2912737" y="1853758"/>
+            <a:off x="2987824" y="1948770"/>
             <a:ext cx="489236" cy="400110"/>
           </a:xfrm>
           <a:prstGeom prst="rect">
@@ -6843,7 +6840,7 @@
         </p:nvSpPr>
         <p:spPr>
           <a:xfrm rot="19588512">
-            <a:off x="4291373" y="4308483"/>
+            <a:off x="3194282" y="4163683"/>
             <a:ext cx="359427" cy="142601"/>
           </a:xfrm>
           <a:prstGeom prst="arc">
@@ -6891,7 +6888,7 @@
         </p:nvSpPr>
         <p:spPr>
           <a:xfrm rot="19422256" flipH="1">
-            <a:off x="4606668" y="4093152"/>
+            <a:off x="3509577" y="3948352"/>
             <a:ext cx="359427" cy="142601"/>
           </a:xfrm>
           <a:prstGeom prst="arc">
@@ -6987,7 +6984,7 @@
         </p:nvCxnSpPr>
         <p:spPr>
           <a:xfrm>
-            <a:off x="5177331" y="4326673"/>
+            <a:off x="4932040" y="4283240"/>
             <a:ext cx="268290" cy="29511"/>
           </a:xfrm>
           <a:prstGeom prst="straightConnector1">
@@ -7024,7 +7021,7 @@
         </p:nvSpPr>
         <p:spPr>
           <a:xfrm>
-            <a:off x="4653533" y="3645024"/>
+            <a:off x="5868144" y="3902511"/>
             <a:ext cx="341760" cy="400110"/>
           </a:xfrm>
           <a:prstGeom prst="rect">
@@ -7096,7 +7093,7 @@
         </p:nvSpPr>
         <p:spPr>
           <a:xfrm>
-            <a:off x="5373613" y="4221088"/>
+            <a:off x="5128322" y="4177655"/>
             <a:ext cx="269626" cy="400110"/>
           </a:xfrm>
           <a:prstGeom prst="rect">
@@ -7121,6 +7118,1069 @@
               <a:latin typeface="Times New Roman" pitchFamily="18" charset="0"/>
               <a:cs typeface="Times New Roman" pitchFamily="18" charset="0"/>
             </a:endParaRPr>
+          </a:p>
+        </p:txBody>
+      </p:sp>
+      <p:sp>
+        <p:nvSpPr>
+          <p:cNvPr id="80" name="Freihandform 79"/>
+          <p:cNvSpPr/>
+          <p:nvPr/>
+        </p:nvSpPr>
+        <p:spPr>
+          <a:xfrm>
+            <a:off x="2455193" y="2147714"/>
+            <a:ext cx="564524" cy="91058"/>
+          </a:xfrm>
+          <a:custGeom>
+            <a:avLst/>
+            <a:gdLst>
+              <a:gd name="connsiteX0" fmla="*/ 0 w 1905000"/>
+              <a:gd name="connsiteY0" fmla="*/ 184150 h 357188"/>
+              <a:gd name="connsiteX1" fmla="*/ 180975 w 1905000"/>
+              <a:gd name="connsiteY1" fmla="*/ 22225 h 357188"/>
+              <a:gd name="connsiteX2" fmla="*/ 400050 w 1905000"/>
+              <a:gd name="connsiteY2" fmla="*/ 317500 h 357188"/>
+              <a:gd name="connsiteX3" fmla="*/ 638175 w 1905000"/>
+              <a:gd name="connsiteY3" fmla="*/ 41275 h 357188"/>
+              <a:gd name="connsiteX4" fmla="*/ 819150 w 1905000"/>
+              <a:gd name="connsiteY4" fmla="*/ 336550 h 357188"/>
+              <a:gd name="connsiteX5" fmla="*/ 1000125 w 1905000"/>
+              <a:gd name="connsiteY5" fmla="*/ 60325 h 357188"/>
+              <a:gd name="connsiteX6" fmla="*/ 1133475 w 1905000"/>
+              <a:gd name="connsiteY6" fmla="*/ 336550 h 357188"/>
+              <a:gd name="connsiteX7" fmla="*/ 1304925 w 1905000"/>
+              <a:gd name="connsiteY7" fmla="*/ 69850 h 357188"/>
+              <a:gd name="connsiteX8" fmla="*/ 1419225 w 1905000"/>
+              <a:gd name="connsiteY8" fmla="*/ 336550 h 357188"/>
+              <a:gd name="connsiteX9" fmla="*/ 1571625 w 1905000"/>
+              <a:gd name="connsiteY9" fmla="*/ 60325 h 357188"/>
+              <a:gd name="connsiteX10" fmla="*/ 1676400 w 1905000"/>
+              <a:gd name="connsiteY10" fmla="*/ 336550 h 357188"/>
+              <a:gd name="connsiteX11" fmla="*/ 1809750 w 1905000"/>
+              <a:gd name="connsiteY11" fmla="*/ 184150 h 357188"/>
+              <a:gd name="connsiteX12" fmla="*/ 1905000 w 1905000"/>
+              <a:gd name="connsiteY12" fmla="*/ 184150 h 357188"/>
+              <a:gd name="connsiteX0" fmla="*/ 0 w 2276480"/>
+              <a:gd name="connsiteY0" fmla="*/ 184150 h 357188"/>
+              <a:gd name="connsiteX1" fmla="*/ 180975 w 2276480"/>
+              <a:gd name="connsiteY1" fmla="*/ 22225 h 357188"/>
+              <a:gd name="connsiteX2" fmla="*/ 400050 w 2276480"/>
+              <a:gd name="connsiteY2" fmla="*/ 317500 h 357188"/>
+              <a:gd name="connsiteX3" fmla="*/ 638175 w 2276480"/>
+              <a:gd name="connsiteY3" fmla="*/ 41275 h 357188"/>
+              <a:gd name="connsiteX4" fmla="*/ 819150 w 2276480"/>
+              <a:gd name="connsiteY4" fmla="*/ 336550 h 357188"/>
+              <a:gd name="connsiteX5" fmla="*/ 1000125 w 2276480"/>
+              <a:gd name="connsiteY5" fmla="*/ 60325 h 357188"/>
+              <a:gd name="connsiteX6" fmla="*/ 1133475 w 2276480"/>
+              <a:gd name="connsiteY6" fmla="*/ 336550 h 357188"/>
+              <a:gd name="connsiteX7" fmla="*/ 1304925 w 2276480"/>
+              <a:gd name="connsiteY7" fmla="*/ 69850 h 357188"/>
+              <a:gd name="connsiteX8" fmla="*/ 1419225 w 2276480"/>
+              <a:gd name="connsiteY8" fmla="*/ 336550 h 357188"/>
+              <a:gd name="connsiteX9" fmla="*/ 1571625 w 2276480"/>
+              <a:gd name="connsiteY9" fmla="*/ 60325 h 357188"/>
+              <a:gd name="connsiteX10" fmla="*/ 1676400 w 2276480"/>
+              <a:gd name="connsiteY10" fmla="*/ 336550 h 357188"/>
+              <a:gd name="connsiteX11" fmla="*/ 1809750 w 2276480"/>
+              <a:gd name="connsiteY11" fmla="*/ 184150 h 357188"/>
+              <a:gd name="connsiteX12" fmla="*/ 2276480 w 2276480"/>
+              <a:gd name="connsiteY12" fmla="*/ 165232 h 357188"/>
+            </a:gdLst>
+            <a:ahLst/>
+            <a:cxnLst>
+              <a:cxn ang="0">
+                <a:pos x="connsiteX0" y="connsiteY0"/>
+              </a:cxn>
+              <a:cxn ang="0">
+                <a:pos x="connsiteX1" y="connsiteY1"/>
+              </a:cxn>
+              <a:cxn ang="0">
+                <a:pos x="connsiteX2" y="connsiteY2"/>
+              </a:cxn>
+              <a:cxn ang="0">
+                <a:pos x="connsiteX3" y="connsiteY3"/>
+              </a:cxn>
+              <a:cxn ang="0">
+                <a:pos x="connsiteX4" y="connsiteY4"/>
+              </a:cxn>
+              <a:cxn ang="0">
+                <a:pos x="connsiteX5" y="connsiteY5"/>
+              </a:cxn>
+              <a:cxn ang="0">
+                <a:pos x="connsiteX6" y="connsiteY6"/>
+              </a:cxn>
+              <a:cxn ang="0">
+                <a:pos x="connsiteX7" y="connsiteY7"/>
+              </a:cxn>
+              <a:cxn ang="0">
+                <a:pos x="connsiteX8" y="connsiteY8"/>
+              </a:cxn>
+              <a:cxn ang="0">
+                <a:pos x="connsiteX9" y="connsiteY9"/>
+              </a:cxn>
+              <a:cxn ang="0">
+                <a:pos x="connsiteX10" y="connsiteY10"/>
+              </a:cxn>
+              <a:cxn ang="0">
+                <a:pos x="connsiteX11" y="connsiteY11"/>
+              </a:cxn>
+              <a:cxn ang="0">
+                <a:pos x="connsiteX12" y="connsiteY12"/>
+              </a:cxn>
+            </a:cxnLst>
+            <a:rect l="l" t="t" r="r" b="b"/>
+            <a:pathLst>
+              <a:path w="2276480" h="357188">
+                <a:moveTo>
+                  <a:pt x="0" y="184150"/>
+                </a:moveTo>
+                <a:cubicBezTo>
+                  <a:pt x="57150" y="92075"/>
+                  <a:pt x="114300" y="0"/>
+                  <a:pt x="180975" y="22225"/>
+                </a:cubicBezTo>
+                <a:cubicBezTo>
+                  <a:pt x="247650" y="44450"/>
+                  <a:pt x="323850" y="314325"/>
+                  <a:pt x="400050" y="317500"/>
+                </a:cubicBezTo>
+                <a:cubicBezTo>
+                  <a:pt x="476250" y="320675"/>
+                  <a:pt x="568325" y="38100"/>
+                  <a:pt x="638175" y="41275"/>
+                </a:cubicBezTo>
+                <a:cubicBezTo>
+                  <a:pt x="708025" y="44450"/>
+                  <a:pt x="758825" y="333375"/>
+                  <a:pt x="819150" y="336550"/>
+                </a:cubicBezTo>
+                <a:cubicBezTo>
+                  <a:pt x="879475" y="339725"/>
+                  <a:pt x="947738" y="60325"/>
+                  <a:pt x="1000125" y="60325"/>
+                </a:cubicBezTo>
+                <a:cubicBezTo>
+                  <a:pt x="1052512" y="60325"/>
+                  <a:pt x="1082675" y="334963"/>
+                  <a:pt x="1133475" y="336550"/>
+                </a:cubicBezTo>
+                <a:cubicBezTo>
+                  <a:pt x="1184275" y="338138"/>
+                  <a:pt x="1257300" y="69850"/>
+                  <a:pt x="1304925" y="69850"/>
+                </a:cubicBezTo>
+                <a:cubicBezTo>
+                  <a:pt x="1352550" y="69850"/>
+                  <a:pt x="1374775" y="338138"/>
+                  <a:pt x="1419225" y="336550"/>
+                </a:cubicBezTo>
+                <a:cubicBezTo>
+                  <a:pt x="1463675" y="334963"/>
+                  <a:pt x="1528763" y="60325"/>
+                  <a:pt x="1571625" y="60325"/>
+                </a:cubicBezTo>
+                <a:cubicBezTo>
+                  <a:pt x="1614487" y="60325"/>
+                  <a:pt x="1636713" y="315913"/>
+                  <a:pt x="1676400" y="336550"/>
+                </a:cubicBezTo>
+                <a:cubicBezTo>
+                  <a:pt x="1716088" y="357188"/>
+                  <a:pt x="1709737" y="212703"/>
+                  <a:pt x="1809750" y="184150"/>
+                </a:cubicBezTo>
+                <a:cubicBezTo>
+                  <a:pt x="1909763" y="155597"/>
+                  <a:pt x="2247905" y="152532"/>
+                  <a:pt x="2276480" y="165232"/>
+                </a:cubicBezTo>
+              </a:path>
+            </a:pathLst>
+          </a:custGeom>
+          <a:ln>
+            <a:solidFill>
+              <a:srgbClr val="00B050"/>
+            </a:solidFill>
+            <a:headEnd type="none" w="med" len="med"/>
+            <a:tailEnd type="triangle" w="med" len="med"/>
+          </a:ln>
+        </p:spPr>
+        <p:style>
+          <a:lnRef idx="1">
+            <a:schemeClr val="accent1"/>
+          </a:lnRef>
+          <a:fillRef idx="0">
+            <a:schemeClr val="accent1"/>
+          </a:fillRef>
+          <a:effectRef idx="0">
+            <a:schemeClr val="accent1"/>
+          </a:effectRef>
+          <a:fontRef idx="minor">
+            <a:schemeClr val="tx1"/>
+          </a:fontRef>
+        </p:style>
+        <p:txBody>
+          <a:bodyPr rtlCol="0" anchor="ctr"/>
+          <a:lstStyle/>
+          <a:p>
+            <a:pPr algn="ctr"/>
+            <a:endParaRPr lang="de-DE"/>
+          </a:p>
+        </p:txBody>
+      </p:sp>
+      <p:sp>
+        <p:nvSpPr>
+          <p:cNvPr id="82" name="Freihandform 81"/>
+          <p:cNvSpPr/>
+          <p:nvPr/>
+        </p:nvSpPr>
+        <p:spPr>
+          <a:xfrm rot="10800000">
+            <a:off x="2495308" y="2780926"/>
+            <a:ext cx="564524" cy="72009"/>
+          </a:xfrm>
+          <a:custGeom>
+            <a:avLst/>
+            <a:gdLst>
+              <a:gd name="connsiteX0" fmla="*/ 0 w 1905000"/>
+              <a:gd name="connsiteY0" fmla="*/ 184150 h 357188"/>
+              <a:gd name="connsiteX1" fmla="*/ 180975 w 1905000"/>
+              <a:gd name="connsiteY1" fmla="*/ 22225 h 357188"/>
+              <a:gd name="connsiteX2" fmla="*/ 400050 w 1905000"/>
+              <a:gd name="connsiteY2" fmla="*/ 317500 h 357188"/>
+              <a:gd name="connsiteX3" fmla="*/ 638175 w 1905000"/>
+              <a:gd name="connsiteY3" fmla="*/ 41275 h 357188"/>
+              <a:gd name="connsiteX4" fmla="*/ 819150 w 1905000"/>
+              <a:gd name="connsiteY4" fmla="*/ 336550 h 357188"/>
+              <a:gd name="connsiteX5" fmla="*/ 1000125 w 1905000"/>
+              <a:gd name="connsiteY5" fmla="*/ 60325 h 357188"/>
+              <a:gd name="connsiteX6" fmla="*/ 1133475 w 1905000"/>
+              <a:gd name="connsiteY6" fmla="*/ 336550 h 357188"/>
+              <a:gd name="connsiteX7" fmla="*/ 1304925 w 1905000"/>
+              <a:gd name="connsiteY7" fmla="*/ 69850 h 357188"/>
+              <a:gd name="connsiteX8" fmla="*/ 1419225 w 1905000"/>
+              <a:gd name="connsiteY8" fmla="*/ 336550 h 357188"/>
+              <a:gd name="connsiteX9" fmla="*/ 1571625 w 1905000"/>
+              <a:gd name="connsiteY9" fmla="*/ 60325 h 357188"/>
+              <a:gd name="connsiteX10" fmla="*/ 1676400 w 1905000"/>
+              <a:gd name="connsiteY10" fmla="*/ 336550 h 357188"/>
+              <a:gd name="connsiteX11" fmla="*/ 1809750 w 1905000"/>
+              <a:gd name="connsiteY11" fmla="*/ 184150 h 357188"/>
+              <a:gd name="connsiteX12" fmla="*/ 1905000 w 1905000"/>
+              <a:gd name="connsiteY12" fmla="*/ 184150 h 357188"/>
+              <a:gd name="connsiteX0" fmla="*/ 0 w 2276480"/>
+              <a:gd name="connsiteY0" fmla="*/ 184150 h 357188"/>
+              <a:gd name="connsiteX1" fmla="*/ 180975 w 2276480"/>
+              <a:gd name="connsiteY1" fmla="*/ 22225 h 357188"/>
+              <a:gd name="connsiteX2" fmla="*/ 400050 w 2276480"/>
+              <a:gd name="connsiteY2" fmla="*/ 317500 h 357188"/>
+              <a:gd name="connsiteX3" fmla="*/ 638175 w 2276480"/>
+              <a:gd name="connsiteY3" fmla="*/ 41275 h 357188"/>
+              <a:gd name="connsiteX4" fmla="*/ 819150 w 2276480"/>
+              <a:gd name="connsiteY4" fmla="*/ 336550 h 357188"/>
+              <a:gd name="connsiteX5" fmla="*/ 1000125 w 2276480"/>
+              <a:gd name="connsiteY5" fmla="*/ 60325 h 357188"/>
+              <a:gd name="connsiteX6" fmla="*/ 1133475 w 2276480"/>
+              <a:gd name="connsiteY6" fmla="*/ 336550 h 357188"/>
+              <a:gd name="connsiteX7" fmla="*/ 1304925 w 2276480"/>
+              <a:gd name="connsiteY7" fmla="*/ 69850 h 357188"/>
+              <a:gd name="connsiteX8" fmla="*/ 1419225 w 2276480"/>
+              <a:gd name="connsiteY8" fmla="*/ 336550 h 357188"/>
+              <a:gd name="connsiteX9" fmla="*/ 1571625 w 2276480"/>
+              <a:gd name="connsiteY9" fmla="*/ 60325 h 357188"/>
+              <a:gd name="connsiteX10" fmla="*/ 1676400 w 2276480"/>
+              <a:gd name="connsiteY10" fmla="*/ 336550 h 357188"/>
+              <a:gd name="connsiteX11" fmla="*/ 1809750 w 2276480"/>
+              <a:gd name="connsiteY11" fmla="*/ 184150 h 357188"/>
+              <a:gd name="connsiteX12" fmla="*/ 2276480 w 2276480"/>
+              <a:gd name="connsiteY12" fmla="*/ 165232 h 357188"/>
+            </a:gdLst>
+            <a:ahLst/>
+            <a:cxnLst>
+              <a:cxn ang="0">
+                <a:pos x="connsiteX0" y="connsiteY0"/>
+              </a:cxn>
+              <a:cxn ang="0">
+                <a:pos x="connsiteX1" y="connsiteY1"/>
+              </a:cxn>
+              <a:cxn ang="0">
+                <a:pos x="connsiteX2" y="connsiteY2"/>
+              </a:cxn>
+              <a:cxn ang="0">
+                <a:pos x="connsiteX3" y="connsiteY3"/>
+              </a:cxn>
+              <a:cxn ang="0">
+                <a:pos x="connsiteX4" y="connsiteY4"/>
+              </a:cxn>
+              <a:cxn ang="0">
+                <a:pos x="connsiteX5" y="connsiteY5"/>
+              </a:cxn>
+              <a:cxn ang="0">
+                <a:pos x="connsiteX6" y="connsiteY6"/>
+              </a:cxn>
+              <a:cxn ang="0">
+                <a:pos x="connsiteX7" y="connsiteY7"/>
+              </a:cxn>
+              <a:cxn ang="0">
+                <a:pos x="connsiteX8" y="connsiteY8"/>
+              </a:cxn>
+              <a:cxn ang="0">
+                <a:pos x="connsiteX9" y="connsiteY9"/>
+              </a:cxn>
+              <a:cxn ang="0">
+                <a:pos x="connsiteX10" y="connsiteY10"/>
+              </a:cxn>
+              <a:cxn ang="0">
+                <a:pos x="connsiteX11" y="connsiteY11"/>
+              </a:cxn>
+              <a:cxn ang="0">
+                <a:pos x="connsiteX12" y="connsiteY12"/>
+              </a:cxn>
+            </a:cxnLst>
+            <a:rect l="l" t="t" r="r" b="b"/>
+            <a:pathLst>
+              <a:path w="2276480" h="357188">
+                <a:moveTo>
+                  <a:pt x="0" y="184150"/>
+                </a:moveTo>
+                <a:cubicBezTo>
+                  <a:pt x="57150" y="92075"/>
+                  <a:pt x="114300" y="0"/>
+                  <a:pt x="180975" y="22225"/>
+                </a:cubicBezTo>
+                <a:cubicBezTo>
+                  <a:pt x="247650" y="44450"/>
+                  <a:pt x="323850" y="314325"/>
+                  <a:pt x="400050" y="317500"/>
+                </a:cubicBezTo>
+                <a:cubicBezTo>
+                  <a:pt x="476250" y="320675"/>
+                  <a:pt x="568325" y="38100"/>
+                  <a:pt x="638175" y="41275"/>
+                </a:cubicBezTo>
+                <a:cubicBezTo>
+                  <a:pt x="708025" y="44450"/>
+                  <a:pt x="758825" y="333375"/>
+                  <a:pt x="819150" y="336550"/>
+                </a:cubicBezTo>
+                <a:cubicBezTo>
+                  <a:pt x="879475" y="339725"/>
+                  <a:pt x="947738" y="60325"/>
+                  <a:pt x="1000125" y="60325"/>
+                </a:cubicBezTo>
+                <a:cubicBezTo>
+                  <a:pt x="1052512" y="60325"/>
+                  <a:pt x="1082675" y="334963"/>
+                  <a:pt x="1133475" y="336550"/>
+                </a:cubicBezTo>
+                <a:cubicBezTo>
+                  <a:pt x="1184275" y="338138"/>
+                  <a:pt x="1257300" y="69850"/>
+                  <a:pt x="1304925" y="69850"/>
+                </a:cubicBezTo>
+                <a:cubicBezTo>
+                  <a:pt x="1352550" y="69850"/>
+                  <a:pt x="1374775" y="338138"/>
+                  <a:pt x="1419225" y="336550"/>
+                </a:cubicBezTo>
+                <a:cubicBezTo>
+                  <a:pt x="1463675" y="334963"/>
+                  <a:pt x="1528763" y="60325"/>
+                  <a:pt x="1571625" y="60325"/>
+                </a:cubicBezTo>
+                <a:cubicBezTo>
+                  <a:pt x="1614487" y="60325"/>
+                  <a:pt x="1636713" y="315913"/>
+                  <a:pt x="1676400" y="336550"/>
+                </a:cubicBezTo>
+                <a:cubicBezTo>
+                  <a:pt x="1716088" y="357188"/>
+                  <a:pt x="1709737" y="212703"/>
+                  <a:pt x="1809750" y="184150"/>
+                </a:cubicBezTo>
+                <a:cubicBezTo>
+                  <a:pt x="1909763" y="155597"/>
+                  <a:pt x="2247905" y="152532"/>
+                  <a:pt x="2276480" y="165232"/>
+                </a:cubicBezTo>
+              </a:path>
+            </a:pathLst>
+          </a:custGeom>
+          <a:ln>
+            <a:solidFill>
+              <a:srgbClr val="00B050"/>
+            </a:solidFill>
+            <a:headEnd type="none" w="med" len="med"/>
+            <a:tailEnd type="triangle" w="med" len="med"/>
+          </a:ln>
+        </p:spPr>
+        <p:style>
+          <a:lnRef idx="1">
+            <a:schemeClr val="accent1"/>
+          </a:lnRef>
+          <a:fillRef idx="0">
+            <a:schemeClr val="accent1"/>
+          </a:fillRef>
+          <a:effectRef idx="0">
+            <a:schemeClr val="accent1"/>
+          </a:effectRef>
+          <a:fontRef idx="minor">
+            <a:schemeClr val="tx1"/>
+          </a:fontRef>
+        </p:style>
+        <p:txBody>
+          <a:bodyPr rtlCol="0" anchor="ctr"/>
+          <a:lstStyle/>
+          <a:p>
+            <a:pPr algn="ctr"/>
+            <a:endParaRPr lang="de-DE"/>
+          </a:p>
+        </p:txBody>
+      </p:sp>
+      <p:sp>
+        <p:nvSpPr>
+          <p:cNvPr id="86" name="Textfeld 85"/>
+          <p:cNvSpPr txBox="1"/>
+          <p:nvPr/>
+        </p:nvSpPr>
+        <p:spPr>
+          <a:xfrm>
+            <a:off x="2483768" y="1700808"/>
+            <a:ext cx="455766" cy="400110"/>
+          </a:xfrm>
+          <a:prstGeom prst="rect">
+            <a:avLst/>
+          </a:prstGeom>
+          <a:noFill/>
+        </p:spPr>
+        <p:txBody>
+          <a:bodyPr wrap="none" rtlCol="0">
+            <a:spAutoFit/>
+          </a:bodyPr>
+          <a:lstStyle/>
+          <a:p>
+            <a:r>
+              <a:rPr lang="de-DE" sz="2000" i="1" dirty="0" smtClean="0">
+                <a:latin typeface="Times New Roman" pitchFamily="18" charset="0"/>
+                <a:cs typeface="Times New Roman" pitchFamily="18" charset="0"/>
+              </a:rPr>
+              <a:t>V</a:t>
+            </a:r>
+            <a:r>
+              <a:rPr lang="de-DE" sz="2000" i="1" baseline="-25000" dirty="0" smtClean="0">
+                <a:latin typeface="Times New Roman" pitchFamily="18" charset="0"/>
+                <a:cs typeface="Times New Roman" pitchFamily="18" charset="0"/>
+              </a:rPr>
+              <a:t>in</a:t>
+            </a:r>
+            <a:endParaRPr lang="de-DE" sz="2000" i="1" baseline="-25000" dirty="0">
+              <a:latin typeface="Times New Roman" pitchFamily="18" charset="0"/>
+              <a:cs typeface="Times New Roman" pitchFamily="18" charset="0"/>
+            </a:endParaRPr>
+          </a:p>
+        </p:txBody>
+      </p:sp>
+      <p:sp>
+        <p:nvSpPr>
+          <p:cNvPr id="87" name="Textfeld 86"/>
+          <p:cNvSpPr txBox="1"/>
+          <p:nvPr/>
+        </p:nvSpPr>
+        <p:spPr>
+          <a:xfrm>
+            <a:off x="2483768" y="2812866"/>
+            <a:ext cx="531364" cy="400110"/>
+          </a:xfrm>
+          <a:prstGeom prst="rect">
+            <a:avLst/>
+          </a:prstGeom>
+          <a:noFill/>
+        </p:spPr>
+        <p:txBody>
+          <a:bodyPr wrap="none" rtlCol="0">
+            <a:spAutoFit/>
+          </a:bodyPr>
+          <a:lstStyle/>
+          <a:p>
+            <a:r>
+              <a:rPr lang="de-DE" sz="2000" i="1" dirty="0" err="1" smtClean="0">
+                <a:latin typeface="Times New Roman" pitchFamily="18" charset="0"/>
+                <a:cs typeface="Times New Roman" pitchFamily="18" charset="0"/>
+              </a:rPr>
+              <a:t>V</a:t>
+            </a:r>
+            <a:r>
+              <a:rPr lang="de-DE" sz="2000" i="1" baseline="-25000" dirty="0" err="1" smtClean="0">
+                <a:latin typeface="Times New Roman" pitchFamily="18" charset="0"/>
+                <a:cs typeface="Times New Roman" pitchFamily="18" charset="0"/>
+              </a:rPr>
+              <a:t>out</a:t>
+            </a:r>
+            <a:endParaRPr lang="de-DE" sz="2000" i="1" baseline="-25000" dirty="0">
+              <a:latin typeface="Times New Roman" pitchFamily="18" charset="0"/>
+              <a:cs typeface="Times New Roman" pitchFamily="18" charset="0"/>
+            </a:endParaRPr>
+          </a:p>
+        </p:txBody>
+      </p:sp>
+      <p:sp>
+        <p:nvSpPr>
+          <p:cNvPr id="88" name="Freihandform 87"/>
+          <p:cNvSpPr/>
+          <p:nvPr/>
+        </p:nvSpPr>
+        <p:spPr>
+          <a:xfrm>
+            <a:off x="2104678" y="2871986"/>
+            <a:ext cx="144016" cy="503479"/>
+          </a:xfrm>
+          <a:custGeom>
+            <a:avLst/>
+            <a:gdLst>
+              <a:gd name="connsiteX0" fmla="*/ 110997 w 221994"/>
+              <a:gd name="connsiteY0" fmla="*/ 0 h 486271"/>
+              <a:gd name="connsiteX1" fmla="*/ 221994 w 221994"/>
+              <a:gd name="connsiteY1" fmla="*/ 84569 h 486271"/>
+              <a:gd name="connsiteX2" fmla="*/ 15857 w 221994"/>
+              <a:gd name="connsiteY2" fmla="*/ 179709 h 486271"/>
+              <a:gd name="connsiteX3" fmla="*/ 221994 w 221994"/>
+              <a:gd name="connsiteY3" fmla="*/ 258992 h 486271"/>
+              <a:gd name="connsiteX4" fmla="*/ 31714 w 221994"/>
+              <a:gd name="connsiteY4" fmla="*/ 322419 h 486271"/>
+              <a:gd name="connsiteX5" fmla="*/ 200851 w 221994"/>
+              <a:gd name="connsiteY5" fmla="*/ 396416 h 486271"/>
+              <a:gd name="connsiteX6" fmla="*/ 0 w 221994"/>
+              <a:gd name="connsiteY6" fmla="*/ 449272 h 486271"/>
+              <a:gd name="connsiteX7" fmla="*/ 121568 w 221994"/>
+              <a:gd name="connsiteY7" fmla="*/ 486271 h 486271"/>
+              <a:gd name="connsiteX0" fmla="*/ 110997 w 221994"/>
+              <a:gd name="connsiteY0" fmla="*/ 0 h 576064"/>
+              <a:gd name="connsiteX1" fmla="*/ 221994 w 221994"/>
+              <a:gd name="connsiteY1" fmla="*/ 84569 h 576064"/>
+              <a:gd name="connsiteX2" fmla="*/ 15857 w 221994"/>
+              <a:gd name="connsiteY2" fmla="*/ 179709 h 576064"/>
+              <a:gd name="connsiteX3" fmla="*/ 221994 w 221994"/>
+              <a:gd name="connsiteY3" fmla="*/ 258992 h 576064"/>
+              <a:gd name="connsiteX4" fmla="*/ 31714 w 221994"/>
+              <a:gd name="connsiteY4" fmla="*/ 322419 h 576064"/>
+              <a:gd name="connsiteX5" fmla="*/ 200851 w 221994"/>
+              <a:gd name="connsiteY5" fmla="*/ 396416 h 576064"/>
+              <a:gd name="connsiteX6" fmla="*/ 0 w 221994"/>
+              <a:gd name="connsiteY6" fmla="*/ 449272 h 576064"/>
+              <a:gd name="connsiteX7" fmla="*/ 144016 w 221994"/>
+              <a:gd name="connsiteY7" fmla="*/ 576064 h 576064"/>
+              <a:gd name="connsiteX0" fmla="*/ 110997 w 221994"/>
+              <a:gd name="connsiteY0" fmla="*/ 0 h 576064"/>
+              <a:gd name="connsiteX1" fmla="*/ 221994 w 221994"/>
+              <a:gd name="connsiteY1" fmla="*/ 84569 h 576064"/>
+              <a:gd name="connsiteX2" fmla="*/ 15857 w 221994"/>
+              <a:gd name="connsiteY2" fmla="*/ 179709 h 576064"/>
+              <a:gd name="connsiteX3" fmla="*/ 221994 w 221994"/>
+              <a:gd name="connsiteY3" fmla="*/ 258992 h 576064"/>
+              <a:gd name="connsiteX4" fmla="*/ 31714 w 221994"/>
+              <a:gd name="connsiteY4" fmla="*/ 322419 h 576064"/>
+              <a:gd name="connsiteX5" fmla="*/ 200851 w 221994"/>
+              <a:gd name="connsiteY5" fmla="*/ 396416 h 576064"/>
+              <a:gd name="connsiteX6" fmla="*/ 0 w 221994"/>
+              <a:gd name="connsiteY6" fmla="*/ 504055 h 576064"/>
+              <a:gd name="connsiteX7" fmla="*/ 144016 w 221994"/>
+              <a:gd name="connsiteY7" fmla="*/ 576064 h 576064"/>
+              <a:gd name="connsiteX0" fmla="*/ 110997 w 221994"/>
+              <a:gd name="connsiteY0" fmla="*/ 0 h 576064"/>
+              <a:gd name="connsiteX1" fmla="*/ 221994 w 221994"/>
+              <a:gd name="connsiteY1" fmla="*/ 84569 h 576064"/>
+              <a:gd name="connsiteX2" fmla="*/ 15857 w 221994"/>
+              <a:gd name="connsiteY2" fmla="*/ 179709 h 576064"/>
+              <a:gd name="connsiteX3" fmla="*/ 221994 w 221994"/>
+              <a:gd name="connsiteY3" fmla="*/ 258992 h 576064"/>
+              <a:gd name="connsiteX4" fmla="*/ 31714 w 221994"/>
+              <a:gd name="connsiteY4" fmla="*/ 322419 h 576064"/>
+              <a:gd name="connsiteX5" fmla="*/ 216024 w 221994"/>
+              <a:gd name="connsiteY5" fmla="*/ 432047 h 576064"/>
+              <a:gd name="connsiteX6" fmla="*/ 0 w 221994"/>
+              <a:gd name="connsiteY6" fmla="*/ 504055 h 576064"/>
+              <a:gd name="connsiteX7" fmla="*/ 144016 w 221994"/>
+              <a:gd name="connsiteY7" fmla="*/ 576064 h 576064"/>
+              <a:gd name="connsiteX0" fmla="*/ 110997 w 221994"/>
+              <a:gd name="connsiteY0" fmla="*/ 0 h 576064"/>
+              <a:gd name="connsiteX1" fmla="*/ 221994 w 221994"/>
+              <a:gd name="connsiteY1" fmla="*/ 84569 h 576064"/>
+              <a:gd name="connsiteX2" fmla="*/ 15857 w 221994"/>
+              <a:gd name="connsiteY2" fmla="*/ 179709 h 576064"/>
+              <a:gd name="connsiteX3" fmla="*/ 221994 w 221994"/>
+              <a:gd name="connsiteY3" fmla="*/ 258992 h 576064"/>
+              <a:gd name="connsiteX4" fmla="*/ 0 w 221994"/>
+              <a:gd name="connsiteY4" fmla="*/ 432047 h 576064"/>
+              <a:gd name="connsiteX5" fmla="*/ 31714 w 221994"/>
+              <a:gd name="connsiteY5" fmla="*/ 322419 h 576064"/>
+              <a:gd name="connsiteX6" fmla="*/ 216024 w 221994"/>
+              <a:gd name="connsiteY6" fmla="*/ 432047 h 576064"/>
+              <a:gd name="connsiteX7" fmla="*/ 0 w 221994"/>
+              <a:gd name="connsiteY7" fmla="*/ 504055 h 576064"/>
+              <a:gd name="connsiteX8" fmla="*/ 144016 w 221994"/>
+              <a:gd name="connsiteY8" fmla="*/ 576064 h 576064"/>
+              <a:gd name="connsiteX0" fmla="*/ 110997 w 221994"/>
+              <a:gd name="connsiteY0" fmla="*/ 0 h 576064"/>
+              <a:gd name="connsiteX1" fmla="*/ 221994 w 221994"/>
+              <a:gd name="connsiteY1" fmla="*/ 84569 h 576064"/>
+              <a:gd name="connsiteX2" fmla="*/ 15857 w 221994"/>
+              <a:gd name="connsiteY2" fmla="*/ 179709 h 576064"/>
+              <a:gd name="connsiteX3" fmla="*/ 221994 w 221994"/>
+              <a:gd name="connsiteY3" fmla="*/ 258992 h 576064"/>
+              <a:gd name="connsiteX4" fmla="*/ 0 w 221994"/>
+              <a:gd name="connsiteY4" fmla="*/ 360039 h 576064"/>
+              <a:gd name="connsiteX5" fmla="*/ 31714 w 221994"/>
+              <a:gd name="connsiteY5" fmla="*/ 322419 h 576064"/>
+              <a:gd name="connsiteX6" fmla="*/ 216024 w 221994"/>
+              <a:gd name="connsiteY6" fmla="*/ 432047 h 576064"/>
+              <a:gd name="connsiteX7" fmla="*/ 0 w 221994"/>
+              <a:gd name="connsiteY7" fmla="*/ 504055 h 576064"/>
+              <a:gd name="connsiteX8" fmla="*/ 144016 w 221994"/>
+              <a:gd name="connsiteY8" fmla="*/ 576064 h 576064"/>
+              <a:gd name="connsiteX0" fmla="*/ 110997 w 221994"/>
+              <a:gd name="connsiteY0" fmla="*/ 0 h 576064"/>
+              <a:gd name="connsiteX1" fmla="*/ 221994 w 221994"/>
+              <a:gd name="connsiteY1" fmla="*/ 84569 h 576064"/>
+              <a:gd name="connsiteX2" fmla="*/ 15857 w 221994"/>
+              <a:gd name="connsiteY2" fmla="*/ 179709 h 576064"/>
+              <a:gd name="connsiteX3" fmla="*/ 221994 w 221994"/>
+              <a:gd name="connsiteY3" fmla="*/ 258992 h 576064"/>
+              <a:gd name="connsiteX4" fmla="*/ 31714 w 221994"/>
+              <a:gd name="connsiteY4" fmla="*/ 322419 h 576064"/>
+              <a:gd name="connsiteX5" fmla="*/ 216024 w 221994"/>
+              <a:gd name="connsiteY5" fmla="*/ 432047 h 576064"/>
+              <a:gd name="connsiteX6" fmla="*/ 0 w 221994"/>
+              <a:gd name="connsiteY6" fmla="*/ 504055 h 576064"/>
+              <a:gd name="connsiteX7" fmla="*/ 144016 w 221994"/>
+              <a:gd name="connsiteY7" fmla="*/ 576064 h 576064"/>
+              <a:gd name="connsiteX0" fmla="*/ 110997 w 221994"/>
+              <a:gd name="connsiteY0" fmla="*/ 0 h 576064"/>
+              <a:gd name="connsiteX1" fmla="*/ 221994 w 221994"/>
+              <a:gd name="connsiteY1" fmla="*/ 84569 h 576064"/>
+              <a:gd name="connsiteX2" fmla="*/ 15857 w 221994"/>
+              <a:gd name="connsiteY2" fmla="*/ 179709 h 576064"/>
+              <a:gd name="connsiteX3" fmla="*/ 221994 w 221994"/>
+              <a:gd name="connsiteY3" fmla="*/ 258992 h 576064"/>
+              <a:gd name="connsiteX4" fmla="*/ 0 w 221994"/>
+              <a:gd name="connsiteY4" fmla="*/ 360039 h 576064"/>
+              <a:gd name="connsiteX5" fmla="*/ 216024 w 221994"/>
+              <a:gd name="connsiteY5" fmla="*/ 432047 h 576064"/>
+              <a:gd name="connsiteX6" fmla="*/ 0 w 221994"/>
+              <a:gd name="connsiteY6" fmla="*/ 504055 h 576064"/>
+              <a:gd name="connsiteX7" fmla="*/ 144016 w 221994"/>
+              <a:gd name="connsiteY7" fmla="*/ 576064 h 576064"/>
+              <a:gd name="connsiteX0" fmla="*/ 110997 w 221994"/>
+              <a:gd name="connsiteY0" fmla="*/ 0 h 576064"/>
+              <a:gd name="connsiteX1" fmla="*/ 221994 w 221994"/>
+              <a:gd name="connsiteY1" fmla="*/ 84569 h 576064"/>
+              <a:gd name="connsiteX2" fmla="*/ 15857 w 221994"/>
+              <a:gd name="connsiteY2" fmla="*/ 179709 h 576064"/>
+              <a:gd name="connsiteX3" fmla="*/ 216024 w 221994"/>
+              <a:gd name="connsiteY3" fmla="*/ 288031 h 576064"/>
+              <a:gd name="connsiteX4" fmla="*/ 0 w 221994"/>
+              <a:gd name="connsiteY4" fmla="*/ 360039 h 576064"/>
+              <a:gd name="connsiteX5" fmla="*/ 216024 w 221994"/>
+              <a:gd name="connsiteY5" fmla="*/ 432047 h 576064"/>
+              <a:gd name="connsiteX6" fmla="*/ 0 w 221994"/>
+              <a:gd name="connsiteY6" fmla="*/ 504055 h 576064"/>
+              <a:gd name="connsiteX7" fmla="*/ 144016 w 221994"/>
+              <a:gd name="connsiteY7" fmla="*/ 576064 h 576064"/>
+              <a:gd name="connsiteX0" fmla="*/ 110997 w 221994"/>
+              <a:gd name="connsiteY0" fmla="*/ 0 h 576064"/>
+              <a:gd name="connsiteX1" fmla="*/ 221994 w 221994"/>
+              <a:gd name="connsiteY1" fmla="*/ 84569 h 576064"/>
+              <a:gd name="connsiteX2" fmla="*/ 0 w 221994"/>
+              <a:gd name="connsiteY2" fmla="*/ 216023 h 576064"/>
+              <a:gd name="connsiteX3" fmla="*/ 216024 w 221994"/>
+              <a:gd name="connsiteY3" fmla="*/ 288031 h 576064"/>
+              <a:gd name="connsiteX4" fmla="*/ 0 w 221994"/>
+              <a:gd name="connsiteY4" fmla="*/ 360039 h 576064"/>
+              <a:gd name="connsiteX5" fmla="*/ 216024 w 221994"/>
+              <a:gd name="connsiteY5" fmla="*/ 432047 h 576064"/>
+              <a:gd name="connsiteX6" fmla="*/ 0 w 221994"/>
+              <a:gd name="connsiteY6" fmla="*/ 504055 h 576064"/>
+              <a:gd name="connsiteX7" fmla="*/ 144016 w 221994"/>
+              <a:gd name="connsiteY7" fmla="*/ 576064 h 576064"/>
+              <a:gd name="connsiteX0" fmla="*/ 110997 w 216024"/>
+              <a:gd name="connsiteY0" fmla="*/ 0 h 576064"/>
+              <a:gd name="connsiteX1" fmla="*/ 216024 w 216024"/>
+              <a:gd name="connsiteY1" fmla="*/ 144015 h 576064"/>
+              <a:gd name="connsiteX2" fmla="*/ 0 w 216024"/>
+              <a:gd name="connsiteY2" fmla="*/ 216023 h 576064"/>
+              <a:gd name="connsiteX3" fmla="*/ 216024 w 216024"/>
+              <a:gd name="connsiteY3" fmla="*/ 288031 h 576064"/>
+              <a:gd name="connsiteX4" fmla="*/ 0 w 216024"/>
+              <a:gd name="connsiteY4" fmla="*/ 360039 h 576064"/>
+              <a:gd name="connsiteX5" fmla="*/ 216024 w 216024"/>
+              <a:gd name="connsiteY5" fmla="*/ 432047 h 576064"/>
+              <a:gd name="connsiteX6" fmla="*/ 0 w 216024"/>
+              <a:gd name="connsiteY6" fmla="*/ 504055 h 576064"/>
+              <a:gd name="connsiteX7" fmla="*/ 144016 w 216024"/>
+              <a:gd name="connsiteY7" fmla="*/ 576064 h 576064"/>
+              <a:gd name="connsiteX0" fmla="*/ 72008 w 216024"/>
+              <a:gd name="connsiteY0" fmla="*/ 0 h 504057"/>
+              <a:gd name="connsiteX1" fmla="*/ 216024 w 216024"/>
+              <a:gd name="connsiteY1" fmla="*/ 72008 h 504057"/>
+              <a:gd name="connsiteX2" fmla="*/ 0 w 216024"/>
+              <a:gd name="connsiteY2" fmla="*/ 144016 h 504057"/>
+              <a:gd name="connsiteX3" fmla="*/ 216024 w 216024"/>
+              <a:gd name="connsiteY3" fmla="*/ 216024 h 504057"/>
+              <a:gd name="connsiteX4" fmla="*/ 0 w 216024"/>
+              <a:gd name="connsiteY4" fmla="*/ 288032 h 504057"/>
+              <a:gd name="connsiteX5" fmla="*/ 216024 w 216024"/>
+              <a:gd name="connsiteY5" fmla="*/ 360040 h 504057"/>
+              <a:gd name="connsiteX6" fmla="*/ 0 w 216024"/>
+              <a:gd name="connsiteY6" fmla="*/ 432048 h 504057"/>
+              <a:gd name="connsiteX7" fmla="*/ 144016 w 216024"/>
+              <a:gd name="connsiteY7" fmla="*/ 504057 h 504057"/>
+              <a:gd name="connsiteX0" fmla="*/ 72008 w 216024"/>
+              <a:gd name="connsiteY0" fmla="*/ 0 h 504056"/>
+              <a:gd name="connsiteX1" fmla="*/ 216024 w 216024"/>
+              <a:gd name="connsiteY1" fmla="*/ 72008 h 504056"/>
+              <a:gd name="connsiteX2" fmla="*/ 0 w 216024"/>
+              <a:gd name="connsiteY2" fmla="*/ 144016 h 504056"/>
+              <a:gd name="connsiteX3" fmla="*/ 216024 w 216024"/>
+              <a:gd name="connsiteY3" fmla="*/ 216024 h 504056"/>
+              <a:gd name="connsiteX4" fmla="*/ 0 w 216024"/>
+              <a:gd name="connsiteY4" fmla="*/ 288032 h 504056"/>
+              <a:gd name="connsiteX5" fmla="*/ 216024 w 216024"/>
+              <a:gd name="connsiteY5" fmla="*/ 360040 h 504056"/>
+              <a:gd name="connsiteX6" fmla="*/ 0 w 216024"/>
+              <a:gd name="connsiteY6" fmla="*/ 432048 h 504056"/>
+              <a:gd name="connsiteX7" fmla="*/ 144016 w 216024"/>
+              <a:gd name="connsiteY7" fmla="*/ 504056 h 504056"/>
+              <a:gd name="connsiteX0" fmla="*/ 72008 w 216024"/>
+              <a:gd name="connsiteY0" fmla="*/ 0 h 504056"/>
+              <a:gd name="connsiteX1" fmla="*/ 115941 w 216024"/>
+              <a:gd name="connsiteY1" fmla="*/ 0 h 504056"/>
+              <a:gd name="connsiteX2" fmla="*/ 216024 w 216024"/>
+              <a:gd name="connsiteY2" fmla="*/ 72008 h 504056"/>
+              <a:gd name="connsiteX3" fmla="*/ 0 w 216024"/>
+              <a:gd name="connsiteY3" fmla="*/ 144016 h 504056"/>
+              <a:gd name="connsiteX4" fmla="*/ 216024 w 216024"/>
+              <a:gd name="connsiteY4" fmla="*/ 216024 h 504056"/>
+              <a:gd name="connsiteX5" fmla="*/ 0 w 216024"/>
+              <a:gd name="connsiteY5" fmla="*/ 288032 h 504056"/>
+              <a:gd name="connsiteX6" fmla="*/ 216024 w 216024"/>
+              <a:gd name="connsiteY6" fmla="*/ 360040 h 504056"/>
+              <a:gd name="connsiteX7" fmla="*/ 0 w 216024"/>
+              <a:gd name="connsiteY7" fmla="*/ 432048 h 504056"/>
+              <a:gd name="connsiteX8" fmla="*/ 144016 w 216024"/>
+              <a:gd name="connsiteY8" fmla="*/ 504056 h 504056"/>
+              <a:gd name="connsiteX0" fmla="*/ 72008 w 216024"/>
+              <a:gd name="connsiteY0" fmla="*/ 0 h 504056"/>
+              <a:gd name="connsiteX1" fmla="*/ 115577 w 216024"/>
+              <a:gd name="connsiteY1" fmla="*/ 577 h 504056"/>
+              <a:gd name="connsiteX2" fmla="*/ 216024 w 216024"/>
+              <a:gd name="connsiteY2" fmla="*/ 72008 h 504056"/>
+              <a:gd name="connsiteX3" fmla="*/ 0 w 216024"/>
+              <a:gd name="connsiteY3" fmla="*/ 144016 h 504056"/>
+              <a:gd name="connsiteX4" fmla="*/ 216024 w 216024"/>
+              <a:gd name="connsiteY4" fmla="*/ 216024 h 504056"/>
+              <a:gd name="connsiteX5" fmla="*/ 0 w 216024"/>
+              <a:gd name="connsiteY5" fmla="*/ 288032 h 504056"/>
+              <a:gd name="connsiteX6" fmla="*/ 216024 w 216024"/>
+              <a:gd name="connsiteY6" fmla="*/ 360040 h 504056"/>
+              <a:gd name="connsiteX7" fmla="*/ 0 w 216024"/>
+              <a:gd name="connsiteY7" fmla="*/ 432048 h 504056"/>
+              <a:gd name="connsiteX8" fmla="*/ 144016 w 216024"/>
+              <a:gd name="connsiteY8" fmla="*/ 504056 h 504056"/>
+              <a:gd name="connsiteX0" fmla="*/ 72008 w 216024"/>
+              <a:gd name="connsiteY0" fmla="*/ 0 h 504056"/>
+              <a:gd name="connsiteX1" fmla="*/ 115577 w 216024"/>
+              <a:gd name="connsiteY1" fmla="*/ 577 h 504056"/>
+              <a:gd name="connsiteX2" fmla="*/ 216024 w 216024"/>
+              <a:gd name="connsiteY2" fmla="*/ 72008 h 504056"/>
+              <a:gd name="connsiteX3" fmla="*/ 0 w 216024"/>
+              <a:gd name="connsiteY3" fmla="*/ 144016 h 504056"/>
+              <a:gd name="connsiteX4" fmla="*/ 216024 w 216024"/>
+              <a:gd name="connsiteY4" fmla="*/ 216024 h 504056"/>
+              <a:gd name="connsiteX5" fmla="*/ 0 w 216024"/>
+              <a:gd name="connsiteY5" fmla="*/ 288032 h 504056"/>
+              <a:gd name="connsiteX6" fmla="*/ 216024 w 216024"/>
+              <a:gd name="connsiteY6" fmla="*/ 360040 h 504056"/>
+              <a:gd name="connsiteX7" fmla="*/ 0 w 216024"/>
+              <a:gd name="connsiteY7" fmla="*/ 432048 h 504056"/>
+              <a:gd name="connsiteX8" fmla="*/ 120233 w 216024"/>
+              <a:gd name="connsiteY8" fmla="*/ 504056 h 504056"/>
+              <a:gd name="connsiteX0" fmla="*/ 115577 w 216024"/>
+              <a:gd name="connsiteY0" fmla="*/ 0 h 503479"/>
+              <a:gd name="connsiteX1" fmla="*/ 216024 w 216024"/>
+              <a:gd name="connsiteY1" fmla="*/ 71431 h 503479"/>
+              <a:gd name="connsiteX2" fmla="*/ 0 w 216024"/>
+              <a:gd name="connsiteY2" fmla="*/ 143439 h 503479"/>
+              <a:gd name="connsiteX3" fmla="*/ 216024 w 216024"/>
+              <a:gd name="connsiteY3" fmla="*/ 215447 h 503479"/>
+              <a:gd name="connsiteX4" fmla="*/ 0 w 216024"/>
+              <a:gd name="connsiteY4" fmla="*/ 287455 h 503479"/>
+              <a:gd name="connsiteX5" fmla="*/ 216024 w 216024"/>
+              <a:gd name="connsiteY5" fmla="*/ 359463 h 503479"/>
+              <a:gd name="connsiteX6" fmla="*/ 0 w 216024"/>
+              <a:gd name="connsiteY6" fmla="*/ 431471 h 503479"/>
+              <a:gd name="connsiteX7" fmla="*/ 120233 w 216024"/>
+              <a:gd name="connsiteY7" fmla="*/ 503479 h 503479"/>
+            </a:gdLst>
+            <a:ahLst/>
+            <a:cxnLst>
+              <a:cxn ang="0">
+                <a:pos x="connsiteX0" y="connsiteY0"/>
+              </a:cxn>
+              <a:cxn ang="0">
+                <a:pos x="connsiteX1" y="connsiteY1"/>
+              </a:cxn>
+              <a:cxn ang="0">
+                <a:pos x="connsiteX2" y="connsiteY2"/>
+              </a:cxn>
+              <a:cxn ang="0">
+                <a:pos x="connsiteX3" y="connsiteY3"/>
+              </a:cxn>
+              <a:cxn ang="0">
+                <a:pos x="connsiteX4" y="connsiteY4"/>
+              </a:cxn>
+              <a:cxn ang="0">
+                <a:pos x="connsiteX5" y="connsiteY5"/>
+              </a:cxn>
+              <a:cxn ang="0">
+                <a:pos x="connsiteX6" y="connsiteY6"/>
+              </a:cxn>
+              <a:cxn ang="0">
+                <a:pos x="connsiteX7" y="connsiteY7"/>
+              </a:cxn>
+            </a:cxnLst>
+            <a:rect l="l" t="t" r="r" b="b"/>
+            <a:pathLst>
+              <a:path w="216024" h="503479">
+                <a:moveTo>
+                  <a:pt x="115577" y="0"/>
+                </a:moveTo>
+                <a:lnTo>
+                  <a:pt x="216024" y="71431"/>
+                </a:lnTo>
+                <a:lnTo>
+                  <a:pt x="0" y="143439"/>
+                </a:lnTo>
+                <a:lnTo>
+                  <a:pt x="216024" y="215447"/>
+                </a:lnTo>
+                <a:lnTo>
+                  <a:pt x="0" y="287455"/>
+                </a:lnTo>
+                <a:lnTo>
+                  <a:pt x="216024" y="359463"/>
+                </a:lnTo>
+                <a:lnTo>
+                  <a:pt x="0" y="431471"/>
+                </a:lnTo>
+                <a:lnTo>
+                  <a:pt x="120233" y="503479"/>
+                </a:lnTo>
+              </a:path>
+            </a:pathLst>
+          </a:custGeom>
+          <a:ln w="28575">
+            <a:solidFill>
+              <a:schemeClr val="tx1"/>
+            </a:solidFill>
+          </a:ln>
+        </p:spPr>
+        <p:style>
+          <a:lnRef idx="1">
+            <a:schemeClr val="accent1"/>
+          </a:lnRef>
+          <a:fillRef idx="0">
+            <a:schemeClr val="accent1"/>
+          </a:fillRef>
+          <a:effectRef idx="0">
+            <a:schemeClr val="accent1"/>
+          </a:effectRef>
+          <a:fontRef idx="minor">
+            <a:schemeClr val="tx1"/>
+          </a:fontRef>
+        </p:style>
+        <p:txBody>
+          <a:bodyPr rtlCol="0" anchor="ctr"/>
+          <a:lstStyle/>
+          <a:p>
+            <a:pPr algn="ctr"/>
+            <a:endParaRPr lang="de-DE"/>
+          </a:p>
+        </p:txBody>
+      </p:sp>
+      <p:cxnSp>
+        <p:nvCxnSpPr>
+          <p:cNvPr id="89" name="Gerade Verbindung 88"/>
+          <p:cNvCxnSpPr/>
+          <p:nvPr/>
+        </p:nvCxnSpPr>
+        <p:spPr>
+          <a:xfrm>
+            <a:off x="2176686" y="3356992"/>
+            <a:ext cx="0" cy="216024"/>
+          </a:xfrm>
+          <a:prstGeom prst="line">
+            <a:avLst/>
+          </a:prstGeom>
+          <a:ln w="19050">
+            <a:solidFill>
+              <a:schemeClr val="tx1"/>
+            </a:solidFill>
+            <a:headEnd type="none" w="med" len="med"/>
+            <a:tailEnd type="none" w="med" len="med"/>
+          </a:ln>
+        </p:spPr>
+        <p:style>
+          <a:lnRef idx="1">
+            <a:schemeClr val="accent1"/>
+          </a:lnRef>
+          <a:fillRef idx="0">
+            <a:schemeClr val="accent1"/>
+          </a:fillRef>
+          <a:effectRef idx="0">
+            <a:schemeClr val="accent1"/>
+          </a:effectRef>
+          <a:fontRef idx="minor">
+            <a:schemeClr val="tx1"/>
+          </a:fontRef>
+        </p:style>
+      </p:cxnSp>
+      <p:sp>
+        <p:nvSpPr>
+          <p:cNvPr id="97" name="Textfeld 96"/>
+          <p:cNvSpPr txBox="1"/>
+          <p:nvPr/>
+        </p:nvSpPr>
+        <p:spPr>
+          <a:xfrm>
+            <a:off x="1691680" y="2884874"/>
+            <a:ext cx="412292" cy="400110"/>
+          </a:xfrm>
+          <a:prstGeom prst="rect">
+            <a:avLst/>
+          </a:prstGeom>
+          <a:noFill/>
+        </p:spPr>
+        <p:txBody>
+          <a:bodyPr wrap="none" rtlCol="0">
+            <a:spAutoFit/>
+          </a:bodyPr>
+          <a:lstStyle/>
+          <a:p>
+            <a:r>
+              <a:rPr lang="de-DE" sz="2000" i="1" dirty="0" smtClean="0">
+                <a:latin typeface="Times New Roman" pitchFamily="18" charset="0"/>
+                <a:cs typeface="Times New Roman" pitchFamily="18" charset="0"/>
+              </a:rPr>
+              <a:t>Z</a:t>
+            </a:r>
+            <a:r>
+              <a:rPr lang="de-DE" sz="2000" i="1" baseline="-25000" dirty="0" smtClean="0">
+                <a:latin typeface="Times New Roman" pitchFamily="18" charset="0"/>
+                <a:cs typeface="Times New Roman" pitchFamily="18" charset="0"/>
+              </a:rPr>
+              <a:t>0</a:t>
+            </a:r>
+            <a:endParaRPr lang="de-DE" sz="2000" i="1" baseline="-25000" dirty="0">
+              <a:latin typeface="Times New Roman" pitchFamily="18" charset="0"/>
+              <a:cs typeface="Times New Roman" pitchFamily="18" charset="0"/>
+            </a:endParaRPr>
+          </a:p>
+        </p:txBody>
+      </p:sp>
+      <p:sp>
+        <p:nvSpPr>
+          <p:cNvPr id="98" name="Bogen 97"/>
+          <p:cNvSpPr/>
+          <p:nvPr/>
+        </p:nvSpPr>
+        <p:spPr>
+          <a:xfrm rot="19588512">
+            <a:off x="5680654" y="4442190"/>
+            <a:ext cx="359427" cy="142601"/>
+          </a:xfrm>
+          <a:prstGeom prst="arc">
+            <a:avLst>
+              <a:gd name="adj1" fmla="val 10660703"/>
+              <a:gd name="adj2" fmla="val 0"/>
+            </a:avLst>
+          </a:prstGeom>
+          <a:ln>
+            <a:solidFill>
+              <a:srgbClr val="0070C0"/>
+            </a:solidFill>
+            <a:headEnd type="triangle" w="med" len="med"/>
+            <a:tailEnd type="none" w="med" len="med"/>
+          </a:ln>
+        </p:spPr>
+        <p:style>
+          <a:lnRef idx="1">
+            <a:schemeClr val="accent1"/>
+          </a:lnRef>
+          <a:fillRef idx="0">
+            <a:schemeClr val="accent1"/>
+          </a:fillRef>
+          <a:effectRef idx="0">
+            <a:schemeClr val="accent1"/>
+          </a:effectRef>
+          <a:fontRef idx="minor">
+            <a:schemeClr val="tx1"/>
+          </a:fontRef>
+        </p:style>
+        <p:txBody>
+          <a:bodyPr rtlCol="0" anchor="ctr"/>
+          <a:lstStyle/>
+          <a:p>
+            <a:pPr algn="ctr"/>
+            <a:endParaRPr lang="de-DE"/>
+          </a:p>
+        </p:txBody>
+      </p:sp>
+      <p:sp>
+        <p:nvSpPr>
+          <p:cNvPr id="99" name="Bogen 98"/>
+          <p:cNvSpPr/>
+          <p:nvPr/>
+        </p:nvSpPr>
+        <p:spPr>
+          <a:xfrm rot="19422256" flipH="1">
+            <a:off x="5995949" y="4226859"/>
+            <a:ext cx="359427" cy="142601"/>
+          </a:xfrm>
+          <a:prstGeom prst="arc">
+            <a:avLst>
+              <a:gd name="adj1" fmla="val 10540938"/>
+              <a:gd name="adj2" fmla="val 0"/>
+            </a:avLst>
+          </a:prstGeom>
+          <a:ln>
+            <a:solidFill>
+              <a:srgbClr val="0070C0"/>
+            </a:solidFill>
+            <a:headEnd type="triangle" w="med" len="med"/>
+            <a:tailEnd type="none" w="med" len="med"/>
+          </a:ln>
+        </p:spPr>
+        <p:style>
+          <a:lnRef idx="1">
+            <a:schemeClr val="accent1"/>
+          </a:lnRef>
+          <a:fillRef idx="0">
+            <a:schemeClr val="accent1"/>
+          </a:fillRef>
+          <a:effectRef idx="0">
+            <a:schemeClr val="accent1"/>
+          </a:effectRef>
+          <a:fontRef idx="minor">
+            <a:schemeClr val="tx1"/>
+          </a:fontRef>
+        </p:style>
+        <p:txBody>
+          <a:bodyPr rtlCol="0" anchor="ctr"/>
+          <a:lstStyle/>
+          <a:p>
+            <a:pPr algn="ctr"/>
+            <a:endParaRPr lang="de-DE"/>
           </a:p>
         </p:txBody>
       </p:sp>

--- a/material/figures/introduction/transmission_lines.pptx
+++ b/material/figures/introduction/transmission_lines.pptx
@@ -5739,10 +5739,10 @@
         </p:nvGrpSpPr>
         <p:grpSpPr>
           <a:xfrm>
-            <a:off x="5580112" y="2942483"/>
-            <a:ext cx="720080" cy="702543"/>
-            <a:chOff x="3419872" y="1437099"/>
-            <a:chExt cx="1080120" cy="974363"/>
+            <a:off x="5457825" y="2942483"/>
+            <a:ext cx="904875" cy="702543"/>
+            <a:chOff x="3236444" y="1437099"/>
+            <a:chExt cx="1357313" cy="974363"/>
           </a:xfrm>
         </p:grpSpPr>
         <p:cxnSp>
@@ -5753,8 +5753,8 @@
           </p:nvCxnSpPr>
           <p:spPr>
             <a:xfrm>
-              <a:off x="3419872" y="1844824"/>
-              <a:ext cx="1080120" cy="0"/>
+              <a:off x="3236444" y="1847648"/>
+              <a:ext cx="1357313" cy="0"/>
             </a:xfrm>
             <a:prstGeom prst="line">
               <a:avLst/>
@@ -5763,8 +5763,8 @@
               <a:solidFill>
                 <a:schemeClr val="tx1"/>
               </a:solidFill>
-              <a:headEnd type="oval" w="med" len="med"/>
-              <a:tailEnd type="oval" w="med" len="med"/>
+              <a:headEnd type="none" w="med" len="med"/>
+              <a:tailEnd type="none" w="med" len="med"/>
             </a:ln>
           </p:spPr>
           <p:style>
@@ -6936,7 +6936,7 @@
         </p:nvSpPr>
         <p:spPr>
           <a:xfrm>
-            <a:off x="4869557" y="4126780"/>
+            <a:off x="4644008" y="4120618"/>
             <a:ext cx="216024" cy="270192"/>
           </a:xfrm>
           <a:prstGeom prst="arc">
@@ -6984,7 +6984,7 @@
         </p:nvCxnSpPr>
         <p:spPr>
           <a:xfrm>
-            <a:off x="4932040" y="4283240"/>
+            <a:off x="4706491" y="4277078"/>
             <a:ext cx="268290" cy="29511"/>
           </a:xfrm>
           <a:prstGeom prst="straightConnector1">
@@ -7057,7 +7057,7 @@
         </p:nvSpPr>
         <p:spPr>
           <a:xfrm>
-            <a:off x="5013573" y="3861048"/>
+            <a:off x="4788024" y="3854886"/>
             <a:ext cx="341760" cy="400110"/>
           </a:xfrm>
           <a:prstGeom prst="rect">
@@ -7093,7 +7093,7 @@
         </p:nvSpPr>
         <p:spPr>
           <a:xfrm>
-            <a:off x="5128322" y="4177655"/>
+            <a:off x="4902773" y="4171493"/>
             <a:ext cx="269626" cy="400110"/>
           </a:xfrm>
           <a:prstGeom prst="rect">
@@ -8184,6 +8184,26 @@
           </a:p>
         </p:txBody>
       </p:sp>
+      <p:graphicFrame>
+        <p:nvGraphicFramePr>
+          <p:cNvPr id="100" name="Objekt 99"/>
+          <p:cNvGraphicFramePr>
+            <a:graphicFrameLocks/>
+          </p:cNvGraphicFramePr>
+          <p:nvPr/>
+        </p:nvGraphicFramePr>
+        <p:xfrm>
+          <a:off x="1524000" y="1397000"/>
+          <a:ext cx="6096000" cy="4064000"/>
+        </p:xfrm>
+        <a:graphic>
+          <a:graphicData uri="http://schemas.openxmlformats.org/presentationml/2006/ole">
+            <p:oleObj spid="_x0000_s1026" name="Acrobat Document" r:id="rId3" imgW="0" imgH="0" progId="AcroExch.Document.7">
+              <p:embed/>
+            </p:oleObj>
+          </a:graphicData>
+        </a:graphic>
+      </p:graphicFrame>
     </p:spTree>
   </p:cSld>
   <p:clrMapOvr>

--- a/material/figures/introduction/transmission_lines.pptx
+++ b/material/figures/introduction/transmission_lines.pptx
@@ -290,7 +290,7 @@
             <a:fld id="{90308D75-6CD1-47BF-9C58-4A834C045EAD}" type="datetimeFigureOut">
               <a:rPr lang="de-DE" smtClean="0"/>
               <a:pPr/>
-              <a:t>05.08.2012</a:t>
+              <a:t>30.08.2012</a:t>
             </a:fld>
             <a:endParaRPr lang="de-DE"/>
           </a:p>
@@ -457,7 +457,7 @@
             <a:fld id="{90308D75-6CD1-47BF-9C58-4A834C045EAD}" type="datetimeFigureOut">
               <a:rPr lang="de-DE" smtClean="0"/>
               <a:pPr/>
-              <a:t>05.08.2012</a:t>
+              <a:t>30.08.2012</a:t>
             </a:fld>
             <a:endParaRPr lang="de-DE"/>
           </a:p>
@@ -634,7 +634,7 @@
             <a:fld id="{90308D75-6CD1-47BF-9C58-4A834C045EAD}" type="datetimeFigureOut">
               <a:rPr lang="de-DE" smtClean="0"/>
               <a:pPr/>
-              <a:t>05.08.2012</a:t>
+              <a:t>30.08.2012</a:t>
             </a:fld>
             <a:endParaRPr lang="de-DE"/>
           </a:p>
@@ -801,7 +801,7 @@
             <a:fld id="{90308D75-6CD1-47BF-9C58-4A834C045EAD}" type="datetimeFigureOut">
               <a:rPr lang="de-DE" smtClean="0"/>
               <a:pPr/>
-              <a:t>05.08.2012</a:t>
+              <a:t>30.08.2012</a:t>
             </a:fld>
             <a:endParaRPr lang="de-DE"/>
           </a:p>
@@ -1044,7 +1044,7 @@
             <a:fld id="{90308D75-6CD1-47BF-9C58-4A834C045EAD}" type="datetimeFigureOut">
               <a:rPr lang="de-DE" smtClean="0"/>
               <a:pPr/>
-              <a:t>05.08.2012</a:t>
+              <a:t>30.08.2012</a:t>
             </a:fld>
             <a:endParaRPr lang="de-DE"/>
           </a:p>
@@ -1329,7 +1329,7 @@
             <a:fld id="{90308D75-6CD1-47BF-9C58-4A834C045EAD}" type="datetimeFigureOut">
               <a:rPr lang="de-DE" smtClean="0"/>
               <a:pPr/>
-              <a:t>05.08.2012</a:t>
+              <a:t>30.08.2012</a:t>
             </a:fld>
             <a:endParaRPr lang="de-DE"/>
           </a:p>
@@ -1748,7 +1748,7 @@
             <a:fld id="{90308D75-6CD1-47BF-9C58-4A834C045EAD}" type="datetimeFigureOut">
               <a:rPr lang="de-DE" smtClean="0"/>
               <a:pPr/>
-              <a:t>05.08.2012</a:t>
+              <a:t>30.08.2012</a:t>
             </a:fld>
             <a:endParaRPr lang="de-DE"/>
           </a:p>
@@ -1863,7 +1863,7 @@
             <a:fld id="{90308D75-6CD1-47BF-9C58-4A834C045EAD}" type="datetimeFigureOut">
               <a:rPr lang="de-DE" smtClean="0"/>
               <a:pPr/>
-              <a:t>05.08.2012</a:t>
+              <a:t>30.08.2012</a:t>
             </a:fld>
             <a:endParaRPr lang="de-DE"/>
           </a:p>
@@ -1955,7 +1955,7 @@
             <a:fld id="{90308D75-6CD1-47BF-9C58-4A834C045EAD}" type="datetimeFigureOut">
               <a:rPr lang="de-DE" smtClean="0"/>
               <a:pPr/>
-              <a:t>05.08.2012</a:t>
+              <a:t>30.08.2012</a:t>
             </a:fld>
             <a:endParaRPr lang="de-DE"/>
           </a:p>
@@ -2229,7 +2229,7 @@
             <a:fld id="{90308D75-6CD1-47BF-9C58-4A834C045EAD}" type="datetimeFigureOut">
               <a:rPr lang="de-DE" smtClean="0"/>
               <a:pPr/>
-              <a:t>05.08.2012</a:t>
+              <a:t>30.08.2012</a:t>
             </a:fld>
             <a:endParaRPr lang="de-DE"/>
           </a:p>
@@ -2479,7 +2479,7 @@
             <a:fld id="{90308D75-6CD1-47BF-9C58-4A834C045EAD}" type="datetimeFigureOut">
               <a:rPr lang="de-DE" smtClean="0"/>
               <a:pPr/>
-              <a:t>05.08.2012</a:t>
+              <a:t>30.08.2012</a:t>
             </a:fld>
             <a:endParaRPr lang="de-DE"/>
           </a:p>
@@ -2689,7 +2689,7 @@
             <a:fld id="{90308D75-6CD1-47BF-9C58-4A834C045EAD}" type="datetimeFigureOut">
               <a:rPr lang="de-DE" smtClean="0"/>
               <a:pPr/>
-              <a:t>05.08.2012</a:t>
+              <a:t>30.08.2012</a:t>
             </a:fld>
             <a:endParaRPr lang="de-DE"/>
           </a:p>
@@ -7123,424 +7123,6 @@
       </p:sp>
       <p:sp>
         <p:nvSpPr>
-          <p:cNvPr id="80" name="Freihandform 79"/>
-          <p:cNvSpPr/>
-          <p:nvPr/>
-        </p:nvSpPr>
-        <p:spPr>
-          <a:xfrm>
-            <a:off x="2455193" y="2147714"/>
-            <a:ext cx="564524" cy="91058"/>
-          </a:xfrm>
-          <a:custGeom>
-            <a:avLst/>
-            <a:gdLst>
-              <a:gd name="connsiteX0" fmla="*/ 0 w 1905000"/>
-              <a:gd name="connsiteY0" fmla="*/ 184150 h 357188"/>
-              <a:gd name="connsiteX1" fmla="*/ 180975 w 1905000"/>
-              <a:gd name="connsiteY1" fmla="*/ 22225 h 357188"/>
-              <a:gd name="connsiteX2" fmla="*/ 400050 w 1905000"/>
-              <a:gd name="connsiteY2" fmla="*/ 317500 h 357188"/>
-              <a:gd name="connsiteX3" fmla="*/ 638175 w 1905000"/>
-              <a:gd name="connsiteY3" fmla="*/ 41275 h 357188"/>
-              <a:gd name="connsiteX4" fmla="*/ 819150 w 1905000"/>
-              <a:gd name="connsiteY4" fmla="*/ 336550 h 357188"/>
-              <a:gd name="connsiteX5" fmla="*/ 1000125 w 1905000"/>
-              <a:gd name="connsiteY5" fmla="*/ 60325 h 357188"/>
-              <a:gd name="connsiteX6" fmla="*/ 1133475 w 1905000"/>
-              <a:gd name="connsiteY6" fmla="*/ 336550 h 357188"/>
-              <a:gd name="connsiteX7" fmla="*/ 1304925 w 1905000"/>
-              <a:gd name="connsiteY7" fmla="*/ 69850 h 357188"/>
-              <a:gd name="connsiteX8" fmla="*/ 1419225 w 1905000"/>
-              <a:gd name="connsiteY8" fmla="*/ 336550 h 357188"/>
-              <a:gd name="connsiteX9" fmla="*/ 1571625 w 1905000"/>
-              <a:gd name="connsiteY9" fmla="*/ 60325 h 357188"/>
-              <a:gd name="connsiteX10" fmla="*/ 1676400 w 1905000"/>
-              <a:gd name="connsiteY10" fmla="*/ 336550 h 357188"/>
-              <a:gd name="connsiteX11" fmla="*/ 1809750 w 1905000"/>
-              <a:gd name="connsiteY11" fmla="*/ 184150 h 357188"/>
-              <a:gd name="connsiteX12" fmla="*/ 1905000 w 1905000"/>
-              <a:gd name="connsiteY12" fmla="*/ 184150 h 357188"/>
-              <a:gd name="connsiteX0" fmla="*/ 0 w 2276480"/>
-              <a:gd name="connsiteY0" fmla="*/ 184150 h 357188"/>
-              <a:gd name="connsiteX1" fmla="*/ 180975 w 2276480"/>
-              <a:gd name="connsiteY1" fmla="*/ 22225 h 357188"/>
-              <a:gd name="connsiteX2" fmla="*/ 400050 w 2276480"/>
-              <a:gd name="connsiteY2" fmla="*/ 317500 h 357188"/>
-              <a:gd name="connsiteX3" fmla="*/ 638175 w 2276480"/>
-              <a:gd name="connsiteY3" fmla="*/ 41275 h 357188"/>
-              <a:gd name="connsiteX4" fmla="*/ 819150 w 2276480"/>
-              <a:gd name="connsiteY4" fmla="*/ 336550 h 357188"/>
-              <a:gd name="connsiteX5" fmla="*/ 1000125 w 2276480"/>
-              <a:gd name="connsiteY5" fmla="*/ 60325 h 357188"/>
-              <a:gd name="connsiteX6" fmla="*/ 1133475 w 2276480"/>
-              <a:gd name="connsiteY6" fmla="*/ 336550 h 357188"/>
-              <a:gd name="connsiteX7" fmla="*/ 1304925 w 2276480"/>
-              <a:gd name="connsiteY7" fmla="*/ 69850 h 357188"/>
-              <a:gd name="connsiteX8" fmla="*/ 1419225 w 2276480"/>
-              <a:gd name="connsiteY8" fmla="*/ 336550 h 357188"/>
-              <a:gd name="connsiteX9" fmla="*/ 1571625 w 2276480"/>
-              <a:gd name="connsiteY9" fmla="*/ 60325 h 357188"/>
-              <a:gd name="connsiteX10" fmla="*/ 1676400 w 2276480"/>
-              <a:gd name="connsiteY10" fmla="*/ 336550 h 357188"/>
-              <a:gd name="connsiteX11" fmla="*/ 1809750 w 2276480"/>
-              <a:gd name="connsiteY11" fmla="*/ 184150 h 357188"/>
-              <a:gd name="connsiteX12" fmla="*/ 2276480 w 2276480"/>
-              <a:gd name="connsiteY12" fmla="*/ 165232 h 357188"/>
-            </a:gdLst>
-            <a:ahLst/>
-            <a:cxnLst>
-              <a:cxn ang="0">
-                <a:pos x="connsiteX0" y="connsiteY0"/>
-              </a:cxn>
-              <a:cxn ang="0">
-                <a:pos x="connsiteX1" y="connsiteY1"/>
-              </a:cxn>
-              <a:cxn ang="0">
-                <a:pos x="connsiteX2" y="connsiteY2"/>
-              </a:cxn>
-              <a:cxn ang="0">
-                <a:pos x="connsiteX3" y="connsiteY3"/>
-              </a:cxn>
-              <a:cxn ang="0">
-                <a:pos x="connsiteX4" y="connsiteY4"/>
-              </a:cxn>
-              <a:cxn ang="0">
-                <a:pos x="connsiteX5" y="connsiteY5"/>
-              </a:cxn>
-              <a:cxn ang="0">
-                <a:pos x="connsiteX6" y="connsiteY6"/>
-              </a:cxn>
-              <a:cxn ang="0">
-                <a:pos x="connsiteX7" y="connsiteY7"/>
-              </a:cxn>
-              <a:cxn ang="0">
-                <a:pos x="connsiteX8" y="connsiteY8"/>
-              </a:cxn>
-              <a:cxn ang="0">
-                <a:pos x="connsiteX9" y="connsiteY9"/>
-              </a:cxn>
-              <a:cxn ang="0">
-                <a:pos x="connsiteX10" y="connsiteY10"/>
-              </a:cxn>
-              <a:cxn ang="0">
-                <a:pos x="connsiteX11" y="connsiteY11"/>
-              </a:cxn>
-              <a:cxn ang="0">
-                <a:pos x="connsiteX12" y="connsiteY12"/>
-              </a:cxn>
-            </a:cxnLst>
-            <a:rect l="l" t="t" r="r" b="b"/>
-            <a:pathLst>
-              <a:path w="2276480" h="357188">
-                <a:moveTo>
-                  <a:pt x="0" y="184150"/>
-                </a:moveTo>
-                <a:cubicBezTo>
-                  <a:pt x="57150" y="92075"/>
-                  <a:pt x="114300" y="0"/>
-                  <a:pt x="180975" y="22225"/>
-                </a:cubicBezTo>
-                <a:cubicBezTo>
-                  <a:pt x="247650" y="44450"/>
-                  <a:pt x="323850" y="314325"/>
-                  <a:pt x="400050" y="317500"/>
-                </a:cubicBezTo>
-                <a:cubicBezTo>
-                  <a:pt x="476250" y="320675"/>
-                  <a:pt x="568325" y="38100"/>
-                  <a:pt x="638175" y="41275"/>
-                </a:cubicBezTo>
-                <a:cubicBezTo>
-                  <a:pt x="708025" y="44450"/>
-                  <a:pt x="758825" y="333375"/>
-                  <a:pt x="819150" y="336550"/>
-                </a:cubicBezTo>
-                <a:cubicBezTo>
-                  <a:pt x="879475" y="339725"/>
-                  <a:pt x="947738" y="60325"/>
-                  <a:pt x="1000125" y="60325"/>
-                </a:cubicBezTo>
-                <a:cubicBezTo>
-                  <a:pt x="1052512" y="60325"/>
-                  <a:pt x="1082675" y="334963"/>
-                  <a:pt x="1133475" y="336550"/>
-                </a:cubicBezTo>
-                <a:cubicBezTo>
-                  <a:pt x="1184275" y="338138"/>
-                  <a:pt x="1257300" y="69850"/>
-                  <a:pt x="1304925" y="69850"/>
-                </a:cubicBezTo>
-                <a:cubicBezTo>
-                  <a:pt x="1352550" y="69850"/>
-                  <a:pt x="1374775" y="338138"/>
-                  <a:pt x="1419225" y="336550"/>
-                </a:cubicBezTo>
-                <a:cubicBezTo>
-                  <a:pt x="1463675" y="334963"/>
-                  <a:pt x="1528763" y="60325"/>
-                  <a:pt x="1571625" y="60325"/>
-                </a:cubicBezTo>
-                <a:cubicBezTo>
-                  <a:pt x="1614487" y="60325"/>
-                  <a:pt x="1636713" y="315913"/>
-                  <a:pt x="1676400" y="336550"/>
-                </a:cubicBezTo>
-                <a:cubicBezTo>
-                  <a:pt x="1716088" y="357188"/>
-                  <a:pt x="1709737" y="212703"/>
-                  <a:pt x="1809750" y="184150"/>
-                </a:cubicBezTo>
-                <a:cubicBezTo>
-                  <a:pt x="1909763" y="155597"/>
-                  <a:pt x="2247905" y="152532"/>
-                  <a:pt x="2276480" y="165232"/>
-                </a:cubicBezTo>
-              </a:path>
-            </a:pathLst>
-          </a:custGeom>
-          <a:ln>
-            <a:solidFill>
-              <a:srgbClr val="00B050"/>
-            </a:solidFill>
-            <a:headEnd type="none" w="med" len="med"/>
-            <a:tailEnd type="triangle" w="med" len="med"/>
-          </a:ln>
-        </p:spPr>
-        <p:style>
-          <a:lnRef idx="1">
-            <a:schemeClr val="accent1"/>
-          </a:lnRef>
-          <a:fillRef idx="0">
-            <a:schemeClr val="accent1"/>
-          </a:fillRef>
-          <a:effectRef idx="0">
-            <a:schemeClr val="accent1"/>
-          </a:effectRef>
-          <a:fontRef idx="minor">
-            <a:schemeClr val="tx1"/>
-          </a:fontRef>
-        </p:style>
-        <p:txBody>
-          <a:bodyPr rtlCol="0" anchor="ctr"/>
-          <a:lstStyle/>
-          <a:p>
-            <a:pPr algn="ctr"/>
-            <a:endParaRPr lang="de-DE"/>
-          </a:p>
-        </p:txBody>
-      </p:sp>
-      <p:sp>
-        <p:nvSpPr>
-          <p:cNvPr id="82" name="Freihandform 81"/>
-          <p:cNvSpPr/>
-          <p:nvPr/>
-        </p:nvSpPr>
-        <p:spPr>
-          <a:xfrm rot="10800000">
-            <a:off x="2495308" y="2780926"/>
-            <a:ext cx="564524" cy="72009"/>
-          </a:xfrm>
-          <a:custGeom>
-            <a:avLst/>
-            <a:gdLst>
-              <a:gd name="connsiteX0" fmla="*/ 0 w 1905000"/>
-              <a:gd name="connsiteY0" fmla="*/ 184150 h 357188"/>
-              <a:gd name="connsiteX1" fmla="*/ 180975 w 1905000"/>
-              <a:gd name="connsiteY1" fmla="*/ 22225 h 357188"/>
-              <a:gd name="connsiteX2" fmla="*/ 400050 w 1905000"/>
-              <a:gd name="connsiteY2" fmla="*/ 317500 h 357188"/>
-              <a:gd name="connsiteX3" fmla="*/ 638175 w 1905000"/>
-              <a:gd name="connsiteY3" fmla="*/ 41275 h 357188"/>
-              <a:gd name="connsiteX4" fmla="*/ 819150 w 1905000"/>
-              <a:gd name="connsiteY4" fmla="*/ 336550 h 357188"/>
-              <a:gd name="connsiteX5" fmla="*/ 1000125 w 1905000"/>
-              <a:gd name="connsiteY5" fmla="*/ 60325 h 357188"/>
-              <a:gd name="connsiteX6" fmla="*/ 1133475 w 1905000"/>
-              <a:gd name="connsiteY6" fmla="*/ 336550 h 357188"/>
-              <a:gd name="connsiteX7" fmla="*/ 1304925 w 1905000"/>
-              <a:gd name="connsiteY7" fmla="*/ 69850 h 357188"/>
-              <a:gd name="connsiteX8" fmla="*/ 1419225 w 1905000"/>
-              <a:gd name="connsiteY8" fmla="*/ 336550 h 357188"/>
-              <a:gd name="connsiteX9" fmla="*/ 1571625 w 1905000"/>
-              <a:gd name="connsiteY9" fmla="*/ 60325 h 357188"/>
-              <a:gd name="connsiteX10" fmla="*/ 1676400 w 1905000"/>
-              <a:gd name="connsiteY10" fmla="*/ 336550 h 357188"/>
-              <a:gd name="connsiteX11" fmla="*/ 1809750 w 1905000"/>
-              <a:gd name="connsiteY11" fmla="*/ 184150 h 357188"/>
-              <a:gd name="connsiteX12" fmla="*/ 1905000 w 1905000"/>
-              <a:gd name="connsiteY12" fmla="*/ 184150 h 357188"/>
-              <a:gd name="connsiteX0" fmla="*/ 0 w 2276480"/>
-              <a:gd name="connsiteY0" fmla="*/ 184150 h 357188"/>
-              <a:gd name="connsiteX1" fmla="*/ 180975 w 2276480"/>
-              <a:gd name="connsiteY1" fmla="*/ 22225 h 357188"/>
-              <a:gd name="connsiteX2" fmla="*/ 400050 w 2276480"/>
-              <a:gd name="connsiteY2" fmla="*/ 317500 h 357188"/>
-              <a:gd name="connsiteX3" fmla="*/ 638175 w 2276480"/>
-              <a:gd name="connsiteY3" fmla="*/ 41275 h 357188"/>
-              <a:gd name="connsiteX4" fmla="*/ 819150 w 2276480"/>
-              <a:gd name="connsiteY4" fmla="*/ 336550 h 357188"/>
-              <a:gd name="connsiteX5" fmla="*/ 1000125 w 2276480"/>
-              <a:gd name="connsiteY5" fmla="*/ 60325 h 357188"/>
-              <a:gd name="connsiteX6" fmla="*/ 1133475 w 2276480"/>
-              <a:gd name="connsiteY6" fmla="*/ 336550 h 357188"/>
-              <a:gd name="connsiteX7" fmla="*/ 1304925 w 2276480"/>
-              <a:gd name="connsiteY7" fmla="*/ 69850 h 357188"/>
-              <a:gd name="connsiteX8" fmla="*/ 1419225 w 2276480"/>
-              <a:gd name="connsiteY8" fmla="*/ 336550 h 357188"/>
-              <a:gd name="connsiteX9" fmla="*/ 1571625 w 2276480"/>
-              <a:gd name="connsiteY9" fmla="*/ 60325 h 357188"/>
-              <a:gd name="connsiteX10" fmla="*/ 1676400 w 2276480"/>
-              <a:gd name="connsiteY10" fmla="*/ 336550 h 357188"/>
-              <a:gd name="connsiteX11" fmla="*/ 1809750 w 2276480"/>
-              <a:gd name="connsiteY11" fmla="*/ 184150 h 357188"/>
-              <a:gd name="connsiteX12" fmla="*/ 2276480 w 2276480"/>
-              <a:gd name="connsiteY12" fmla="*/ 165232 h 357188"/>
-            </a:gdLst>
-            <a:ahLst/>
-            <a:cxnLst>
-              <a:cxn ang="0">
-                <a:pos x="connsiteX0" y="connsiteY0"/>
-              </a:cxn>
-              <a:cxn ang="0">
-                <a:pos x="connsiteX1" y="connsiteY1"/>
-              </a:cxn>
-              <a:cxn ang="0">
-                <a:pos x="connsiteX2" y="connsiteY2"/>
-              </a:cxn>
-              <a:cxn ang="0">
-                <a:pos x="connsiteX3" y="connsiteY3"/>
-              </a:cxn>
-              <a:cxn ang="0">
-                <a:pos x="connsiteX4" y="connsiteY4"/>
-              </a:cxn>
-              <a:cxn ang="0">
-                <a:pos x="connsiteX5" y="connsiteY5"/>
-              </a:cxn>
-              <a:cxn ang="0">
-                <a:pos x="connsiteX6" y="connsiteY6"/>
-              </a:cxn>
-              <a:cxn ang="0">
-                <a:pos x="connsiteX7" y="connsiteY7"/>
-              </a:cxn>
-              <a:cxn ang="0">
-                <a:pos x="connsiteX8" y="connsiteY8"/>
-              </a:cxn>
-              <a:cxn ang="0">
-                <a:pos x="connsiteX9" y="connsiteY9"/>
-              </a:cxn>
-              <a:cxn ang="0">
-                <a:pos x="connsiteX10" y="connsiteY10"/>
-              </a:cxn>
-              <a:cxn ang="0">
-                <a:pos x="connsiteX11" y="connsiteY11"/>
-              </a:cxn>
-              <a:cxn ang="0">
-                <a:pos x="connsiteX12" y="connsiteY12"/>
-              </a:cxn>
-            </a:cxnLst>
-            <a:rect l="l" t="t" r="r" b="b"/>
-            <a:pathLst>
-              <a:path w="2276480" h="357188">
-                <a:moveTo>
-                  <a:pt x="0" y="184150"/>
-                </a:moveTo>
-                <a:cubicBezTo>
-                  <a:pt x="57150" y="92075"/>
-                  <a:pt x="114300" y="0"/>
-                  <a:pt x="180975" y="22225"/>
-                </a:cubicBezTo>
-                <a:cubicBezTo>
-                  <a:pt x="247650" y="44450"/>
-                  <a:pt x="323850" y="314325"/>
-                  <a:pt x="400050" y="317500"/>
-                </a:cubicBezTo>
-                <a:cubicBezTo>
-                  <a:pt x="476250" y="320675"/>
-                  <a:pt x="568325" y="38100"/>
-                  <a:pt x="638175" y="41275"/>
-                </a:cubicBezTo>
-                <a:cubicBezTo>
-                  <a:pt x="708025" y="44450"/>
-                  <a:pt x="758825" y="333375"/>
-                  <a:pt x="819150" y="336550"/>
-                </a:cubicBezTo>
-                <a:cubicBezTo>
-                  <a:pt x="879475" y="339725"/>
-                  <a:pt x="947738" y="60325"/>
-                  <a:pt x="1000125" y="60325"/>
-                </a:cubicBezTo>
-                <a:cubicBezTo>
-                  <a:pt x="1052512" y="60325"/>
-                  <a:pt x="1082675" y="334963"/>
-                  <a:pt x="1133475" y="336550"/>
-                </a:cubicBezTo>
-                <a:cubicBezTo>
-                  <a:pt x="1184275" y="338138"/>
-                  <a:pt x="1257300" y="69850"/>
-                  <a:pt x="1304925" y="69850"/>
-                </a:cubicBezTo>
-                <a:cubicBezTo>
-                  <a:pt x="1352550" y="69850"/>
-                  <a:pt x="1374775" y="338138"/>
-                  <a:pt x="1419225" y="336550"/>
-                </a:cubicBezTo>
-                <a:cubicBezTo>
-                  <a:pt x="1463675" y="334963"/>
-                  <a:pt x="1528763" y="60325"/>
-                  <a:pt x="1571625" y="60325"/>
-                </a:cubicBezTo>
-                <a:cubicBezTo>
-                  <a:pt x="1614487" y="60325"/>
-                  <a:pt x="1636713" y="315913"/>
-                  <a:pt x="1676400" y="336550"/>
-                </a:cubicBezTo>
-                <a:cubicBezTo>
-                  <a:pt x="1716088" y="357188"/>
-                  <a:pt x="1709737" y="212703"/>
-                  <a:pt x="1809750" y="184150"/>
-                </a:cubicBezTo>
-                <a:cubicBezTo>
-                  <a:pt x="1909763" y="155597"/>
-                  <a:pt x="2247905" y="152532"/>
-                  <a:pt x="2276480" y="165232"/>
-                </a:cubicBezTo>
-              </a:path>
-            </a:pathLst>
-          </a:custGeom>
-          <a:ln>
-            <a:solidFill>
-              <a:srgbClr val="00B050"/>
-            </a:solidFill>
-            <a:headEnd type="none" w="med" len="med"/>
-            <a:tailEnd type="triangle" w="med" len="med"/>
-          </a:ln>
-        </p:spPr>
-        <p:style>
-          <a:lnRef idx="1">
-            <a:schemeClr val="accent1"/>
-          </a:lnRef>
-          <a:fillRef idx="0">
-            <a:schemeClr val="accent1"/>
-          </a:fillRef>
-          <a:effectRef idx="0">
-            <a:schemeClr val="accent1"/>
-          </a:effectRef>
-          <a:fontRef idx="minor">
-            <a:schemeClr val="tx1"/>
-          </a:fontRef>
-        </p:style>
-        <p:txBody>
-          <a:bodyPr rtlCol="0" anchor="ctr"/>
-          <a:lstStyle/>
-          <a:p>
-            <a:pPr algn="ctr"/>
-            <a:endParaRPr lang="de-DE"/>
-          </a:p>
-        </p:txBody>
-      </p:sp>
-      <p:sp>
-        <p:nvSpPr>
           <p:cNvPr id="86" name="Textfeld 85"/>
           <p:cNvSpPr txBox="1"/>
           <p:nvPr/>
@@ -8204,6 +7786,456 @@
           </a:graphicData>
         </a:graphic>
       </p:graphicFrame>
+      <p:sp>
+        <p:nvSpPr>
+          <p:cNvPr id="118" name="Freihandform 117"/>
+          <p:cNvSpPr/>
+          <p:nvPr/>
+        </p:nvSpPr>
+        <p:spPr>
+          <a:xfrm>
+            <a:off x="2555776" y="2132856"/>
+            <a:ext cx="418753" cy="144016"/>
+          </a:xfrm>
+          <a:custGeom>
+            <a:avLst/>
+            <a:gdLst>
+              <a:gd name="connsiteX0" fmla="*/ 0 w 2867025"/>
+              <a:gd name="connsiteY0" fmla="*/ 554037 h 1022350"/>
+              <a:gd name="connsiteX1" fmla="*/ 342900 w 2867025"/>
+              <a:gd name="connsiteY1" fmla="*/ 77787 h 1022350"/>
+              <a:gd name="connsiteX2" fmla="*/ 685800 w 2867025"/>
+              <a:gd name="connsiteY2" fmla="*/ 1020762 h 1022350"/>
+              <a:gd name="connsiteX3" fmla="*/ 1066800 w 2867025"/>
+              <a:gd name="connsiteY3" fmla="*/ 68262 h 1022350"/>
+              <a:gd name="connsiteX4" fmla="*/ 1409700 w 2867025"/>
+              <a:gd name="connsiteY4" fmla="*/ 1011237 h 1022350"/>
+              <a:gd name="connsiteX5" fmla="*/ 1781175 w 2867025"/>
+              <a:gd name="connsiteY5" fmla="*/ 68262 h 1022350"/>
+              <a:gd name="connsiteX6" fmla="*/ 2143125 w 2867025"/>
+              <a:gd name="connsiteY6" fmla="*/ 1011237 h 1022350"/>
+              <a:gd name="connsiteX7" fmla="*/ 2514600 w 2867025"/>
+              <a:gd name="connsiteY7" fmla="*/ 77787 h 1022350"/>
+              <a:gd name="connsiteX8" fmla="*/ 2867025 w 2867025"/>
+              <a:gd name="connsiteY8" fmla="*/ 611187 h 1022350"/>
+              <a:gd name="connsiteX0" fmla="*/ 0 w 2867025"/>
+              <a:gd name="connsiteY0" fmla="*/ 554037 h 1022350"/>
+              <a:gd name="connsiteX1" fmla="*/ 342900 w 2867025"/>
+              <a:gd name="connsiteY1" fmla="*/ 77787 h 1022350"/>
+              <a:gd name="connsiteX2" fmla="*/ 685800 w 2867025"/>
+              <a:gd name="connsiteY2" fmla="*/ 1020762 h 1022350"/>
+              <a:gd name="connsiteX3" fmla="*/ 1066800 w 2867025"/>
+              <a:gd name="connsiteY3" fmla="*/ 68262 h 1022350"/>
+              <a:gd name="connsiteX4" fmla="*/ 1409700 w 2867025"/>
+              <a:gd name="connsiteY4" fmla="*/ 1011237 h 1022350"/>
+              <a:gd name="connsiteX5" fmla="*/ 1781175 w 2867025"/>
+              <a:gd name="connsiteY5" fmla="*/ 68262 h 1022350"/>
+              <a:gd name="connsiteX6" fmla="*/ 2143125 w 2867025"/>
+              <a:gd name="connsiteY6" fmla="*/ 1011237 h 1022350"/>
+              <a:gd name="connsiteX7" fmla="*/ 2514600 w 2867025"/>
+              <a:gd name="connsiteY7" fmla="*/ 77787 h 1022350"/>
+              <a:gd name="connsiteX8" fmla="*/ 2867025 w 2867025"/>
+              <a:gd name="connsiteY8" fmla="*/ 611187 h 1022350"/>
+              <a:gd name="connsiteX0" fmla="*/ 0 w 2867025"/>
+              <a:gd name="connsiteY0" fmla="*/ 554037 h 1022350"/>
+              <a:gd name="connsiteX1" fmla="*/ 342900 w 2867025"/>
+              <a:gd name="connsiteY1" fmla="*/ 77787 h 1022350"/>
+              <a:gd name="connsiteX2" fmla="*/ 685800 w 2867025"/>
+              <a:gd name="connsiteY2" fmla="*/ 1020762 h 1022350"/>
+              <a:gd name="connsiteX3" fmla="*/ 1066800 w 2867025"/>
+              <a:gd name="connsiteY3" fmla="*/ 68262 h 1022350"/>
+              <a:gd name="connsiteX4" fmla="*/ 1409700 w 2867025"/>
+              <a:gd name="connsiteY4" fmla="*/ 1011237 h 1022350"/>
+              <a:gd name="connsiteX5" fmla="*/ 1781175 w 2867025"/>
+              <a:gd name="connsiteY5" fmla="*/ 68262 h 1022350"/>
+              <a:gd name="connsiteX6" fmla="*/ 2143125 w 2867025"/>
+              <a:gd name="connsiteY6" fmla="*/ 1011237 h 1022350"/>
+              <a:gd name="connsiteX7" fmla="*/ 2514600 w 2867025"/>
+              <a:gd name="connsiteY7" fmla="*/ 77787 h 1022350"/>
+              <a:gd name="connsiteX8" fmla="*/ 2867025 w 2867025"/>
+              <a:gd name="connsiteY8" fmla="*/ 611187 h 1022350"/>
+              <a:gd name="connsiteX0" fmla="*/ 0 w 2963184"/>
+              <a:gd name="connsiteY0" fmla="*/ 554037 h 1022350"/>
+              <a:gd name="connsiteX1" fmla="*/ 342900 w 2963184"/>
+              <a:gd name="connsiteY1" fmla="*/ 77787 h 1022350"/>
+              <a:gd name="connsiteX2" fmla="*/ 685800 w 2963184"/>
+              <a:gd name="connsiteY2" fmla="*/ 1020762 h 1022350"/>
+              <a:gd name="connsiteX3" fmla="*/ 1066800 w 2963184"/>
+              <a:gd name="connsiteY3" fmla="*/ 68262 h 1022350"/>
+              <a:gd name="connsiteX4" fmla="*/ 1409700 w 2963184"/>
+              <a:gd name="connsiteY4" fmla="*/ 1011237 h 1022350"/>
+              <a:gd name="connsiteX5" fmla="*/ 1781175 w 2963184"/>
+              <a:gd name="connsiteY5" fmla="*/ 68262 h 1022350"/>
+              <a:gd name="connsiteX6" fmla="*/ 2143125 w 2963184"/>
+              <a:gd name="connsiteY6" fmla="*/ 1011237 h 1022350"/>
+              <a:gd name="connsiteX7" fmla="*/ 2514600 w 2963184"/>
+              <a:gd name="connsiteY7" fmla="*/ 77787 h 1022350"/>
+              <a:gd name="connsiteX8" fmla="*/ 2963184 w 2963184"/>
+              <a:gd name="connsiteY8" fmla="*/ 681567 h 1022350"/>
+              <a:gd name="connsiteX0" fmla="*/ 0 w 2963184"/>
+              <a:gd name="connsiteY0" fmla="*/ 554037 h 1022350"/>
+              <a:gd name="connsiteX1" fmla="*/ 342900 w 2963184"/>
+              <a:gd name="connsiteY1" fmla="*/ 77787 h 1022350"/>
+              <a:gd name="connsiteX2" fmla="*/ 685800 w 2963184"/>
+              <a:gd name="connsiteY2" fmla="*/ 1020762 h 1022350"/>
+              <a:gd name="connsiteX3" fmla="*/ 1066800 w 2963184"/>
+              <a:gd name="connsiteY3" fmla="*/ 68262 h 1022350"/>
+              <a:gd name="connsiteX4" fmla="*/ 1409700 w 2963184"/>
+              <a:gd name="connsiteY4" fmla="*/ 1011237 h 1022350"/>
+              <a:gd name="connsiteX5" fmla="*/ 1781175 w 2963184"/>
+              <a:gd name="connsiteY5" fmla="*/ 68262 h 1022350"/>
+              <a:gd name="connsiteX6" fmla="*/ 2143125 w 2963184"/>
+              <a:gd name="connsiteY6" fmla="*/ 1011237 h 1022350"/>
+              <a:gd name="connsiteX7" fmla="*/ 2514600 w 2963184"/>
+              <a:gd name="connsiteY7" fmla="*/ 77787 h 1022350"/>
+              <a:gd name="connsiteX8" fmla="*/ 2796768 w 2963184"/>
+              <a:gd name="connsiteY8" fmla="*/ 615711 h 1022350"/>
+              <a:gd name="connsiteX9" fmla="*/ 2963184 w 2963184"/>
+              <a:gd name="connsiteY9" fmla="*/ 681567 h 1022350"/>
+            </a:gdLst>
+            <a:ahLst/>
+            <a:cxnLst>
+              <a:cxn ang="0">
+                <a:pos x="connsiteX0" y="connsiteY0"/>
+              </a:cxn>
+              <a:cxn ang="0">
+                <a:pos x="connsiteX1" y="connsiteY1"/>
+              </a:cxn>
+              <a:cxn ang="0">
+                <a:pos x="connsiteX2" y="connsiteY2"/>
+              </a:cxn>
+              <a:cxn ang="0">
+                <a:pos x="connsiteX3" y="connsiteY3"/>
+              </a:cxn>
+              <a:cxn ang="0">
+                <a:pos x="connsiteX4" y="connsiteY4"/>
+              </a:cxn>
+              <a:cxn ang="0">
+                <a:pos x="connsiteX5" y="connsiteY5"/>
+              </a:cxn>
+              <a:cxn ang="0">
+                <a:pos x="connsiteX6" y="connsiteY6"/>
+              </a:cxn>
+              <a:cxn ang="0">
+                <a:pos x="connsiteX7" y="connsiteY7"/>
+              </a:cxn>
+              <a:cxn ang="0">
+                <a:pos x="connsiteX8" y="connsiteY8"/>
+              </a:cxn>
+              <a:cxn ang="0">
+                <a:pos x="connsiteX9" y="connsiteY9"/>
+              </a:cxn>
+            </a:cxnLst>
+            <a:rect l="l" t="t" r="r" b="b"/>
+            <a:pathLst>
+              <a:path w="2963184" h="1022350">
+                <a:moveTo>
+                  <a:pt x="0" y="554037"/>
+                </a:moveTo>
+                <a:cubicBezTo>
+                  <a:pt x="172913" y="555500"/>
+                  <a:pt x="228600" y="0"/>
+                  <a:pt x="342900" y="77787"/>
+                </a:cubicBezTo>
+                <a:cubicBezTo>
+                  <a:pt x="457200" y="155574"/>
+                  <a:pt x="565150" y="1022350"/>
+                  <a:pt x="685800" y="1020762"/>
+                </a:cubicBezTo>
+                <a:cubicBezTo>
+                  <a:pt x="806450" y="1019175"/>
+                  <a:pt x="946150" y="69850"/>
+                  <a:pt x="1066800" y="68262"/>
+                </a:cubicBezTo>
+                <a:cubicBezTo>
+                  <a:pt x="1187450" y="66675"/>
+                  <a:pt x="1290638" y="1011237"/>
+                  <a:pt x="1409700" y="1011237"/>
+                </a:cubicBezTo>
+                <a:cubicBezTo>
+                  <a:pt x="1528762" y="1011237"/>
+                  <a:pt x="1658938" y="68262"/>
+                  <a:pt x="1781175" y="68262"/>
+                </a:cubicBezTo>
+                <a:cubicBezTo>
+                  <a:pt x="1903412" y="68262"/>
+                  <a:pt x="2020888" y="1009650"/>
+                  <a:pt x="2143125" y="1011237"/>
+                </a:cubicBezTo>
+                <a:cubicBezTo>
+                  <a:pt x="2265363" y="1012825"/>
+                  <a:pt x="2405660" y="143708"/>
+                  <a:pt x="2514600" y="77787"/>
+                </a:cubicBezTo>
+                <a:cubicBezTo>
+                  <a:pt x="2623541" y="11866"/>
+                  <a:pt x="2722004" y="515081"/>
+                  <a:pt x="2796768" y="615711"/>
+                </a:cubicBezTo>
+                <a:cubicBezTo>
+                  <a:pt x="2871532" y="716341"/>
+                  <a:pt x="2926968" y="648052"/>
+                  <a:pt x="2963184" y="681567"/>
+                </a:cubicBezTo>
+              </a:path>
+            </a:pathLst>
+          </a:custGeom>
+          <a:ln w="19050">
+            <a:solidFill>
+              <a:srgbClr val="00B050"/>
+            </a:solidFill>
+            <a:headEnd type="none" w="med" len="med"/>
+            <a:tailEnd type="triangle" w="med" len="med"/>
+          </a:ln>
+        </p:spPr>
+        <p:style>
+          <a:lnRef idx="1">
+            <a:schemeClr val="accent1"/>
+          </a:lnRef>
+          <a:fillRef idx="0">
+            <a:schemeClr val="accent1"/>
+          </a:fillRef>
+          <a:effectRef idx="0">
+            <a:schemeClr val="accent1"/>
+          </a:effectRef>
+          <a:fontRef idx="minor">
+            <a:schemeClr val="tx1"/>
+          </a:fontRef>
+        </p:style>
+        <p:txBody>
+          <a:bodyPr rtlCol="0" anchor="ctr"/>
+          <a:lstStyle/>
+          <a:p>
+            <a:pPr algn="ctr"/>
+            <a:endParaRPr lang="de-DE" dirty="0"/>
+          </a:p>
+        </p:txBody>
+      </p:sp>
+      <p:sp>
+        <p:nvSpPr>
+          <p:cNvPr id="119" name="Freihandform 118"/>
+          <p:cNvSpPr/>
+          <p:nvPr/>
+        </p:nvSpPr>
+        <p:spPr>
+          <a:xfrm rot="10800000">
+            <a:off x="2555776" y="2752353"/>
+            <a:ext cx="418753" cy="144016"/>
+          </a:xfrm>
+          <a:custGeom>
+            <a:avLst/>
+            <a:gdLst>
+              <a:gd name="connsiteX0" fmla="*/ 0 w 2867025"/>
+              <a:gd name="connsiteY0" fmla="*/ 554037 h 1022350"/>
+              <a:gd name="connsiteX1" fmla="*/ 342900 w 2867025"/>
+              <a:gd name="connsiteY1" fmla="*/ 77787 h 1022350"/>
+              <a:gd name="connsiteX2" fmla="*/ 685800 w 2867025"/>
+              <a:gd name="connsiteY2" fmla="*/ 1020762 h 1022350"/>
+              <a:gd name="connsiteX3" fmla="*/ 1066800 w 2867025"/>
+              <a:gd name="connsiteY3" fmla="*/ 68262 h 1022350"/>
+              <a:gd name="connsiteX4" fmla="*/ 1409700 w 2867025"/>
+              <a:gd name="connsiteY4" fmla="*/ 1011237 h 1022350"/>
+              <a:gd name="connsiteX5" fmla="*/ 1781175 w 2867025"/>
+              <a:gd name="connsiteY5" fmla="*/ 68262 h 1022350"/>
+              <a:gd name="connsiteX6" fmla="*/ 2143125 w 2867025"/>
+              <a:gd name="connsiteY6" fmla="*/ 1011237 h 1022350"/>
+              <a:gd name="connsiteX7" fmla="*/ 2514600 w 2867025"/>
+              <a:gd name="connsiteY7" fmla="*/ 77787 h 1022350"/>
+              <a:gd name="connsiteX8" fmla="*/ 2867025 w 2867025"/>
+              <a:gd name="connsiteY8" fmla="*/ 611187 h 1022350"/>
+              <a:gd name="connsiteX0" fmla="*/ 0 w 2867025"/>
+              <a:gd name="connsiteY0" fmla="*/ 554037 h 1022350"/>
+              <a:gd name="connsiteX1" fmla="*/ 342900 w 2867025"/>
+              <a:gd name="connsiteY1" fmla="*/ 77787 h 1022350"/>
+              <a:gd name="connsiteX2" fmla="*/ 685800 w 2867025"/>
+              <a:gd name="connsiteY2" fmla="*/ 1020762 h 1022350"/>
+              <a:gd name="connsiteX3" fmla="*/ 1066800 w 2867025"/>
+              <a:gd name="connsiteY3" fmla="*/ 68262 h 1022350"/>
+              <a:gd name="connsiteX4" fmla="*/ 1409700 w 2867025"/>
+              <a:gd name="connsiteY4" fmla="*/ 1011237 h 1022350"/>
+              <a:gd name="connsiteX5" fmla="*/ 1781175 w 2867025"/>
+              <a:gd name="connsiteY5" fmla="*/ 68262 h 1022350"/>
+              <a:gd name="connsiteX6" fmla="*/ 2143125 w 2867025"/>
+              <a:gd name="connsiteY6" fmla="*/ 1011237 h 1022350"/>
+              <a:gd name="connsiteX7" fmla="*/ 2514600 w 2867025"/>
+              <a:gd name="connsiteY7" fmla="*/ 77787 h 1022350"/>
+              <a:gd name="connsiteX8" fmla="*/ 2867025 w 2867025"/>
+              <a:gd name="connsiteY8" fmla="*/ 611187 h 1022350"/>
+              <a:gd name="connsiteX0" fmla="*/ 0 w 2867025"/>
+              <a:gd name="connsiteY0" fmla="*/ 554037 h 1022350"/>
+              <a:gd name="connsiteX1" fmla="*/ 342900 w 2867025"/>
+              <a:gd name="connsiteY1" fmla="*/ 77787 h 1022350"/>
+              <a:gd name="connsiteX2" fmla="*/ 685800 w 2867025"/>
+              <a:gd name="connsiteY2" fmla="*/ 1020762 h 1022350"/>
+              <a:gd name="connsiteX3" fmla="*/ 1066800 w 2867025"/>
+              <a:gd name="connsiteY3" fmla="*/ 68262 h 1022350"/>
+              <a:gd name="connsiteX4" fmla="*/ 1409700 w 2867025"/>
+              <a:gd name="connsiteY4" fmla="*/ 1011237 h 1022350"/>
+              <a:gd name="connsiteX5" fmla="*/ 1781175 w 2867025"/>
+              <a:gd name="connsiteY5" fmla="*/ 68262 h 1022350"/>
+              <a:gd name="connsiteX6" fmla="*/ 2143125 w 2867025"/>
+              <a:gd name="connsiteY6" fmla="*/ 1011237 h 1022350"/>
+              <a:gd name="connsiteX7" fmla="*/ 2514600 w 2867025"/>
+              <a:gd name="connsiteY7" fmla="*/ 77787 h 1022350"/>
+              <a:gd name="connsiteX8" fmla="*/ 2867025 w 2867025"/>
+              <a:gd name="connsiteY8" fmla="*/ 611187 h 1022350"/>
+              <a:gd name="connsiteX0" fmla="*/ 0 w 2963184"/>
+              <a:gd name="connsiteY0" fmla="*/ 554037 h 1022350"/>
+              <a:gd name="connsiteX1" fmla="*/ 342900 w 2963184"/>
+              <a:gd name="connsiteY1" fmla="*/ 77787 h 1022350"/>
+              <a:gd name="connsiteX2" fmla="*/ 685800 w 2963184"/>
+              <a:gd name="connsiteY2" fmla="*/ 1020762 h 1022350"/>
+              <a:gd name="connsiteX3" fmla="*/ 1066800 w 2963184"/>
+              <a:gd name="connsiteY3" fmla="*/ 68262 h 1022350"/>
+              <a:gd name="connsiteX4" fmla="*/ 1409700 w 2963184"/>
+              <a:gd name="connsiteY4" fmla="*/ 1011237 h 1022350"/>
+              <a:gd name="connsiteX5" fmla="*/ 1781175 w 2963184"/>
+              <a:gd name="connsiteY5" fmla="*/ 68262 h 1022350"/>
+              <a:gd name="connsiteX6" fmla="*/ 2143125 w 2963184"/>
+              <a:gd name="connsiteY6" fmla="*/ 1011237 h 1022350"/>
+              <a:gd name="connsiteX7" fmla="*/ 2514600 w 2963184"/>
+              <a:gd name="connsiteY7" fmla="*/ 77787 h 1022350"/>
+              <a:gd name="connsiteX8" fmla="*/ 2963184 w 2963184"/>
+              <a:gd name="connsiteY8" fmla="*/ 681567 h 1022350"/>
+              <a:gd name="connsiteX0" fmla="*/ 0 w 2963184"/>
+              <a:gd name="connsiteY0" fmla="*/ 554037 h 1022350"/>
+              <a:gd name="connsiteX1" fmla="*/ 342900 w 2963184"/>
+              <a:gd name="connsiteY1" fmla="*/ 77787 h 1022350"/>
+              <a:gd name="connsiteX2" fmla="*/ 685800 w 2963184"/>
+              <a:gd name="connsiteY2" fmla="*/ 1020762 h 1022350"/>
+              <a:gd name="connsiteX3" fmla="*/ 1066800 w 2963184"/>
+              <a:gd name="connsiteY3" fmla="*/ 68262 h 1022350"/>
+              <a:gd name="connsiteX4" fmla="*/ 1409700 w 2963184"/>
+              <a:gd name="connsiteY4" fmla="*/ 1011237 h 1022350"/>
+              <a:gd name="connsiteX5" fmla="*/ 1781175 w 2963184"/>
+              <a:gd name="connsiteY5" fmla="*/ 68262 h 1022350"/>
+              <a:gd name="connsiteX6" fmla="*/ 2143125 w 2963184"/>
+              <a:gd name="connsiteY6" fmla="*/ 1011237 h 1022350"/>
+              <a:gd name="connsiteX7" fmla="*/ 2514600 w 2963184"/>
+              <a:gd name="connsiteY7" fmla="*/ 77787 h 1022350"/>
+              <a:gd name="connsiteX8" fmla="*/ 2796768 w 2963184"/>
+              <a:gd name="connsiteY8" fmla="*/ 615711 h 1022350"/>
+              <a:gd name="connsiteX9" fmla="*/ 2963184 w 2963184"/>
+              <a:gd name="connsiteY9" fmla="*/ 681567 h 1022350"/>
+            </a:gdLst>
+            <a:ahLst/>
+            <a:cxnLst>
+              <a:cxn ang="0">
+                <a:pos x="connsiteX0" y="connsiteY0"/>
+              </a:cxn>
+              <a:cxn ang="0">
+                <a:pos x="connsiteX1" y="connsiteY1"/>
+              </a:cxn>
+              <a:cxn ang="0">
+                <a:pos x="connsiteX2" y="connsiteY2"/>
+              </a:cxn>
+              <a:cxn ang="0">
+                <a:pos x="connsiteX3" y="connsiteY3"/>
+              </a:cxn>
+              <a:cxn ang="0">
+                <a:pos x="connsiteX4" y="connsiteY4"/>
+              </a:cxn>
+              <a:cxn ang="0">
+                <a:pos x="connsiteX5" y="connsiteY5"/>
+              </a:cxn>
+              <a:cxn ang="0">
+                <a:pos x="connsiteX6" y="connsiteY6"/>
+              </a:cxn>
+              <a:cxn ang="0">
+                <a:pos x="connsiteX7" y="connsiteY7"/>
+              </a:cxn>
+              <a:cxn ang="0">
+                <a:pos x="connsiteX8" y="connsiteY8"/>
+              </a:cxn>
+              <a:cxn ang="0">
+                <a:pos x="connsiteX9" y="connsiteY9"/>
+              </a:cxn>
+            </a:cxnLst>
+            <a:rect l="l" t="t" r="r" b="b"/>
+            <a:pathLst>
+              <a:path w="2963184" h="1022350">
+                <a:moveTo>
+                  <a:pt x="0" y="554037"/>
+                </a:moveTo>
+                <a:cubicBezTo>
+                  <a:pt x="172913" y="555500"/>
+                  <a:pt x="228600" y="0"/>
+                  <a:pt x="342900" y="77787"/>
+                </a:cubicBezTo>
+                <a:cubicBezTo>
+                  <a:pt x="457200" y="155574"/>
+                  <a:pt x="565150" y="1022350"/>
+                  <a:pt x="685800" y="1020762"/>
+                </a:cubicBezTo>
+                <a:cubicBezTo>
+                  <a:pt x="806450" y="1019175"/>
+                  <a:pt x="946150" y="69850"/>
+                  <a:pt x="1066800" y="68262"/>
+                </a:cubicBezTo>
+                <a:cubicBezTo>
+                  <a:pt x="1187450" y="66675"/>
+                  <a:pt x="1290638" y="1011237"/>
+                  <a:pt x="1409700" y="1011237"/>
+                </a:cubicBezTo>
+                <a:cubicBezTo>
+                  <a:pt x="1528762" y="1011237"/>
+                  <a:pt x="1658938" y="68262"/>
+                  <a:pt x="1781175" y="68262"/>
+                </a:cubicBezTo>
+                <a:cubicBezTo>
+                  <a:pt x="1903412" y="68262"/>
+                  <a:pt x="2020888" y="1009650"/>
+                  <a:pt x="2143125" y="1011237"/>
+                </a:cubicBezTo>
+                <a:cubicBezTo>
+                  <a:pt x="2265363" y="1012825"/>
+                  <a:pt x="2405660" y="143708"/>
+                  <a:pt x="2514600" y="77787"/>
+                </a:cubicBezTo>
+                <a:cubicBezTo>
+                  <a:pt x="2623541" y="11866"/>
+                  <a:pt x="2722004" y="515081"/>
+                  <a:pt x="2796768" y="615711"/>
+                </a:cubicBezTo>
+                <a:cubicBezTo>
+                  <a:pt x="2871532" y="716341"/>
+                  <a:pt x="2926968" y="648052"/>
+                  <a:pt x="2963184" y="681567"/>
+                </a:cubicBezTo>
+              </a:path>
+            </a:pathLst>
+          </a:custGeom>
+          <a:ln w="19050">
+            <a:solidFill>
+              <a:srgbClr val="00B050"/>
+            </a:solidFill>
+            <a:headEnd type="none" w="med" len="med"/>
+            <a:tailEnd type="triangle" w="med" len="med"/>
+          </a:ln>
+        </p:spPr>
+        <p:style>
+          <a:lnRef idx="1">
+            <a:schemeClr val="accent1"/>
+          </a:lnRef>
+          <a:fillRef idx="0">
+            <a:schemeClr val="accent1"/>
+          </a:fillRef>
+          <a:effectRef idx="0">
+            <a:schemeClr val="accent1"/>
+          </a:effectRef>
+          <a:fontRef idx="minor">
+            <a:schemeClr val="tx1"/>
+          </a:fontRef>
+        </p:style>
+        <p:txBody>
+          <a:bodyPr rtlCol="0" anchor="ctr"/>
+          <a:lstStyle/>
+          <a:p>
+            <a:pPr algn="ctr"/>
+            <a:endParaRPr lang="de-DE" dirty="0"/>
+          </a:p>
+        </p:txBody>
+      </p:sp>
     </p:spTree>
   </p:cSld>
   <p:clrMapOvr>

--- a/material/figures/introduction/transmission_lines.pptx
+++ b/material/figures/introduction/transmission_lines.pptx
@@ -290,7 +290,7 @@
             <a:fld id="{90308D75-6CD1-47BF-9C58-4A834C045EAD}" type="datetimeFigureOut">
               <a:rPr lang="de-DE" smtClean="0"/>
               <a:pPr/>
-              <a:t>30.08.2012</a:t>
+              <a:t>12.09.2012</a:t>
             </a:fld>
             <a:endParaRPr lang="de-DE"/>
           </a:p>
@@ -457,7 +457,7 @@
             <a:fld id="{90308D75-6CD1-47BF-9C58-4A834C045EAD}" type="datetimeFigureOut">
               <a:rPr lang="de-DE" smtClean="0"/>
               <a:pPr/>
-              <a:t>30.08.2012</a:t>
+              <a:t>12.09.2012</a:t>
             </a:fld>
             <a:endParaRPr lang="de-DE"/>
           </a:p>
@@ -634,7 +634,7 @@
             <a:fld id="{90308D75-6CD1-47BF-9C58-4A834C045EAD}" type="datetimeFigureOut">
               <a:rPr lang="de-DE" smtClean="0"/>
               <a:pPr/>
-              <a:t>30.08.2012</a:t>
+              <a:t>12.09.2012</a:t>
             </a:fld>
             <a:endParaRPr lang="de-DE"/>
           </a:p>
@@ -801,7 +801,7 @@
             <a:fld id="{90308D75-6CD1-47BF-9C58-4A834C045EAD}" type="datetimeFigureOut">
               <a:rPr lang="de-DE" smtClean="0"/>
               <a:pPr/>
-              <a:t>30.08.2012</a:t>
+              <a:t>12.09.2012</a:t>
             </a:fld>
             <a:endParaRPr lang="de-DE"/>
           </a:p>
@@ -1044,7 +1044,7 @@
             <a:fld id="{90308D75-6CD1-47BF-9C58-4A834C045EAD}" type="datetimeFigureOut">
               <a:rPr lang="de-DE" smtClean="0"/>
               <a:pPr/>
-              <a:t>30.08.2012</a:t>
+              <a:t>12.09.2012</a:t>
             </a:fld>
             <a:endParaRPr lang="de-DE"/>
           </a:p>
@@ -1329,7 +1329,7 @@
             <a:fld id="{90308D75-6CD1-47BF-9C58-4A834C045EAD}" type="datetimeFigureOut">
               <a:rPr lang="de-DE" smtClean="0"/>
               <a:pPr/>
-              <a:t>30.08.2012</a:t>
+              <a:t>12.09.2012</a:t>
             </a:fld>
             <a:endParaRPr lang="de-DE"/>
           </a:p>
@@ -1748,7 +1748,7 @@
             <a:fld id="{90308D75-6CD1-47BF-9C58-4A834C045EAD}" type="datetimeFigureOut">
               <a:rPr lang="de-DE" smtClean="0"/>
               <a:pPr/>
-              <a:t>30.08.2012</a:t>
+              <a:t>12.09.2012</a:t>
             </a:fld>
             <a:endParaRPr lang="de-DE"/>
           </a:p>
@@ -1863,7 +1863,7 @@
             <a:fld id="{90308D75-6CD1-47BF-9C58-4A834C045EAD}" type="datetimeFigureOut">
               <a:rPr lang="de-DE" smtClean="0"/>
               <a:pPr/>
-              <a:t>30.08.2012</a:t>
+              <a:t>12.09.2012</a:t>
             </a:fld>
             <a:endParaRPr lang="de-DE"/>
           </a:p>
@@ -1955,7 +1955,7 @@
             <a:fld id="{90308D75-6CD1-47BF-9C58-4A834C045EAD}" type="datetimeFigureOut">
               <a:rPr lang="de-DE" smtClean="0"/>
               <a:pPr/>
-              <a:t>30.08.2012</a:t>
+              <a:t>12.09.2012</a:t>
             </a:fld>
             <a:endParaRPr lang="de-DE"/>
           </a:p>
@@ -2229,7 +2229,7 @@
             <a:fld id="{90308D75-6CD1-47BF-9C58-4A834C045EAD}" type="datetimeFigureOut">
               <a:rPr lang="de-DE" smtClean="0"/>
               <a:pPr/>
-              <a:t>30.08.2012</a:t>
+              <a:t>12.09.2012</a:t>
             </a:fld>
             <a:endParaRPr lang="de-DE"/>
           </a:p>
@@ -2479,7 +2479,7 @@
             <a:fld id="{90308D75-6CD1-47BF-9C58-4A834C045EAD}" type="datetimeFigureOut">
               <a:rPr lang="de-DE" smtClean="0"/>
               <a:pPr/>
-              <a:t>30.08.2012</a:t>
+              <a:t>12.09.2012</a:t>
             </a:fld>
             <a:endParaRPr lang="de-DE"/>
           </a:p>
@@ -2689,7 +2689,7 @@
             <a:fld id="{90308D75-6CD1-47BF-9C58-4A834C045EAD}" type="datetimeFigureOut">
               <a:rPr lang="de-DE" smtClean="0"/>
               <a:pPr/>
-              <a:t>30.08.2012</a:t>
+              <a:t>12.09.2012</a:t>
             </a:fld>
             <a:endParaRPr lang="de-DE"/>
           </a:p>

--- a/material/figures/introduction/transmission_lines.pptx
+++ b/material/figures/introduction/transmission_lines.pptx
@@ -290,7 +290,7 @@
             <a:fld id="{90308D75-6CD1-47BF-9C58-4A834C045EAD}" type="datetimeFigureOut">
               <a:rPr lang="de-DE" smtClean="0"/>
               <a:pPr/>
-              <a:t>12.09.2012</a:t>
+              <a:t>25.09.2012</a:t>
             </a:fld>
             <a:endParaRPr lang="de-DE"/>
           </a:p>
@@ -457,7 +457,7 @@
             <a:fld id="{90308D75-6CD1-47BF-9C58-4A834C045EAD}" type="datetimeFigureOut">
               <a:rPr lang="de-DE" smtClean="0"/>
               <a:pPr/>
-              <a:t>12.09.2012</a:t>
+              <a:t>25.09.2012</a:t>
             </a:fld>
             <a:endParaRPr lang="de-DE"/>
           </a:p>
@@ -634,7 +634,7 @@
             <a:fld id="{90308D75-6CD1-47BF-9C58-4A834C045EAD}" type="datetimeFigureOut">
               <a:rPr lang="de-DE" smtClean="0"/>
               <a:pPr/>
-              <a:t>12.09.2012</a:t>
+              <a:t>25.09.2012</a:t>
             </a:fld>
             <a:endParaRPr lang="de-DE"/>
           </a:p>
@@ -801,7 +801,7 @@
             <a:fld id="{90308D75-6CD1-47BF-9C58-4A834C045EAD}" type="datetimeFigureOut">
               <a:rPr lang="de-DE" smtClean="0"/>
               <a:pPr/>
-              <a:t>12.09.2012</a:t>
+              <a:t>25.09.2012</a:t>
             </a:fld>
             <a:endParaRPr lang="de-DE"/>
           </a:p>
@@ -1044,7 +1044,7 @@
             <a:fld id="{90308D75-6CD1-47BF-9C58-4A834C045EAD}" type="datetimeFigureOut">
               <a:rPr lang="de-DE" smtClean="0"/>
               <a:pPr/>
-              <a:t>12.09.2012</a:t>
+              <a:t>25.09.2012</a:t>
             </a:fld>
             <a:endParaRPr lang="de-DE"/>
           </a:p>
@@ -1329,7 +1329,7 @@
             <a:fld id="{90308D75-6CD1-47BF-9C58-4A834C045EAD}" type="datetimeFigureOut">
               <a:rPr lang="de-DE" smtClean="0"/>
               <a:pPr/>
-              <a:t>12.09.2012</a:t>
+              <a:t>25.09.2012</a:t>
             </a:fld>
             <a:endParaRPr lang="de-DE"/>
           </a:p>
@@ -1748,7 +1748,7 @@
             <a:fld id="{90308D75-6CD1-47BF-9C58-4A834C045EAD}" type="datetimeFigureOut">
               <a:rPr lang="de-DE" smtClean="0"/>
               <a:pPr/>
-              <a:t>12.09.2012</a:t>
+              <a:t>25.09.2012</a:t>
             </a:fld>
             <a:endParaRPr lang="de-DE"/>
           </a:p>
@@ -1863,7 +1863,7 @@
             <a:fld id="{90308D75-6CD1-47BF-9C58-4A834C045EAD}" type="datetimeFigureOut">
               <a:rPr lang="de-DE" smtClean="0"/>
               <a:pPr/>
-              <a:t>12.09.2012</a:t>
+              <a:t>25.09.2012</a:t>
             </a:fld>
             <a:endParaRPr lang="de-DE"/>
           </a:p>
@@ -1955,7 +1955,7 @@
             <a:fld id="{90308D75-6CD1-47BF-9C58-4A834C045EAD}" type="datetimeFigureOut">
               <a:rPr lang="de-DE" smtClean="0"/>
               <a:pPr/>
-              <a:t>12.09.2012</a:t>
+              <a:t>25.09.2012</a:t>
             </a:fld>
             <a:endParaRPr lang="de-DE"/>
           </a:p>
@@ -2229,7 +2229,7 @@
             <a:fld id="{90308D75-6CD1-47BF-9C58-4A834C045EAD}" type="datetimeFigureOut">
               <a:rPr lang="de-DE" smtClean="0"/>
               <a:pPr/>
-              <a:t>12.09.2012</a:t>
+              <a:t>25.09.2012</a:t>
             </a:fld>
             <a:endParaRPr lang="de-DE"/>
           </a:p>
@@ -2479,7 +2479,7 @@
             <a:fld id="{90308D75-6CD1-47BF-9C58-4A834C045EAD}" type="datetimeFigureOut">
               <a:rPr lang="de-DE" smtClean="0"/>
               <a:pPr/>
-              <a:t>12.09.2012</a:t>
+              <a:t>25.09.2012</a:t>
             </a:fld>
             <a:endParaRPr lang="de-DE"/>
           </a:p>
@@ -2689,7 +2689,7 @@
             <a:fld id="{90308D75-6CD1-47BF-9C58-4A834C045EAD}" type="datetimeFigureOut">
               <a:rPr lang="de-DE" smtClean="0"/>
               <a:pPr/>
-              <a:t>12.09.2012</a:t>
+              <a:t>25.09.2012</a:t>
             </a:fld>
             <a:endParaRPr lang="de-DE"/>
           </a:p>
@@ -4096,8 +4096,8 @@
         </p:nvCxnSpPr>
         <p:spPr>
           <a:xfrm flipV="1">
-            <a:off x="6084168" y="404664"/>
-            <a:ext cx="0" cy="4032448"/>
+            <a:off x="6084168" y="1268760"/>
+            <a:ext cx="0" cy="2232248"/>
           </a:xfrm>
           <a:prstGeom prst="line">
             <a:avLst/>
@@ -4134,8 +4134,8 @@
         </p:nvCxnSpPr>
         <p:spPr>
           <a:xfrm flipV="1">
-            <a:off x="3419872" y="476672"/>
-            <a:ext cx="0" cy="3672408"/>
+            <a:off x="3419872" y="1052736"/>
+            <a:ext cx="0" cy="2376264"/>
           </a:xfrm>
           <a:prstGeom prst="line">
             <a:avLst/>
@@ -4172,7 +4172,7 @@
         </p:nvCxnSpPr>
         <p:spPr>
           <a:xfrm>
-            <a:off x="2194663" y="2521312"/>
+            <a:off x="2194663" y="3961472"/>
             <a:ext cx="0" cy="360040"/>
           </a:xfrm>
           <a:prstGeom prst="line">
@@ -4209,7 +4209,7 @@
         </p:nvCxnSpPr>
         <p:spPr>
           <a:xfrm>
-            <a:off x="1972888" y="3573016"/>
+            <a:off x="1990538" y="4886155"/>
             <a:ext cx="432048" cy="0"/>
           </a:xfrm>
           <a:prstGeom prst="line">
@@ -4244,7 +4244,7 @@
         </p:nvCxnSpPr>
         <p:spPr>
           <a:xfrm flipH="1">
-            <a:off x="2044896" y="3645024"/>
+            <a:off x="2062546" y="4958163"/>
             <a:ext cx="288032" cy="0"/>
           </a:xfrm>
           <a:prstGeom prst="line">
@@ -4279,7 +4279,7 @@
         </p:nvCxnSpPr>
         <p:spPr>
           <a:xfrm flipH="1">
-            <a:off x="2116904" y="3717032"/>
+            <a:off x="2134554" y="5030171"/>
             <a:ext cx="144016" cy="0"/>
           </a:xfrm>
           <a:prstGeom prst="line">
@@ -4314,10 +4314,10 @@
         </p:nvGrpSpPr>
         <p:grpSpPr>
           <a:xfrm>
-            <a:off x="2339752" y="2333857"/>
-            <a:ext cx="360040" cy="371728"/>
-            <a:chOff x="4860032" y="2121168"/>
-            <a:chExt cx="360040" cy="371728"/>
+            <a:off x="2017101" y="4318380"/>
+            <a:ext cx="360040" cy="360040"/>
+            <a:chOff x="4860032" y="2132856"/>
+            <a:chExt cx="360040" cy="360040"/>
           </a:xfrm>
         </p:grpSpPr>
         <p:sp>
@@ -4380,7 +4380,7 @@
           </p:nvSpPr>
           <p:spPr>
             <a:xfrm>
-              <a:off x="4897192" y="2121168"/>
+              <a:off x="4870000" y="2138163"/>
               <a:ext cx="309700" cy="338554"/>
             </a:xfrm>
             <a:prstGeom prst="rect">
@@ -4426,7 +4426,7 @@
         </p:nvCxnSpPr>
         <p:spPr>
           <a:xfrm>
-            <a:off x="6161388" y="2532814"/>
+            <a:off x="6161388" y="3972974"/>
             <a:ext cx="288032" cy="0"/>
           </a:xfrm>
           <a:prstGeom prst="line">
@@ -4456,14 +4456,12 @@
       <p:cxnSp>
         <p:nvCxnSpPr>
           <p:cNvPr id="52" name="Gerade Verbindung 51"/>
-          <p:cNvCxnSpPr>
-            <a:stCxn id="49" idx="2"/>
-          </p:cNvCxnSpPr>
+          <p:cNvCxnSpPr/>
           <p:nvPr/>
         </p:nvCxnSpPr>
         <p:spPr>
           <a:xfrm flipH="1">
-            <a:off x="2194663" y="2525565"/>
+            <a:off x="2186211" y="3971156"/>
             <a:ext cx="145089" cy="1498"/>
           </a:xfrm>
           <a:prstGeom prst="line">
@@ -4498,7 +4496,7 @@
         </p:nvSpPr>
         <p:spPr>
           <a:xfrm>
-            <a:off x="3411165" y="2420819"/>
+            <a:off x="3411165" y="3860979"/>
             <a:ext cx="127859" cy="216024"/>
           </a:xfrm>
           <a:prstGeom prst="ellipse">
@@ -4548,7 +4546,7 @@
         </p:nvCxnSpPr>
         <p:spPr>
           <a:xfrm flipV="1">
-            <a:off x="3474764" y="2421146"/>
+            <a:off x="3474764" y="3861306"/>
             <a:ext cx="2578349" cy="662"/>
           </a:xfrm>
           <a:prstGeom prst="line">
@@ -4586,7 +4584,7 @@
         </p:nvCxnSpPr>
         <p:spPr>
           <a:xfrm>
-            <a:off x="3475095" y="2636843"/>
+            <a:off x="3475095" y="4077003"/>
             <a:ext cx="2587682" cy="3349"/>
           </a:xfrm>
           <a:prstGeom prst="line">
@@ -4621,7 +4619,7 @@
         </p:nvSpPr>
         <p:spPr>
           <a:xfrm>
-            <a:off x="5963271" y="2420888"/>
+            <a:off x="5963271" y="3861048"/>
             <a:ext cx="192905" cy="219359"/>
           </a:xfrm>
           <a:prstGeom prst="arc">
@@ -4667,7 +4665,7 @@
         </p:nvCxnSpPr>
         <p:spPr>
           <a:xfrm>
-            <a:off x="3799671" y="2647462"/>
+            <a:off x="3799671" y="4087622"/>
             <a:ext cx="740" cy="251143"/>
           </a:xfrm>
           <a:prstGeom prst="line">
@@ -4702,7 +4700,7 @@
         </p:nvCxnSpPr>
         <p:spPr>
           <a:xfrm>
-            <a:off x="3602953" y="2898605"/>
+            <a:off x="3602953" y="4338765"/>
             <a:ext cx="383577" cy="0"/>
           </a:xfrm>
           <a:prstGeom prst="line">
@@ -4737,7 +4735,7 @@
         </p:nvCxnSpPr>
         <p:spPr>
           <a:xfrm>
-            <a:off x="3666883" y="2970613"/>
+            <a:off x="3666883" y="4410773"/>
             <a:ext cx="255718" cy="0"/>
           </a:xfrm>
           <a:prstGeom prst="line">
@@ -4772,7 +4770,7 @@
         </p:nvCxnSpPr>
         <p:spPr>
           <a:xfrm>
-            <a:off x="3730812" y="3042621"/>
+            <a:off x="3730812" y="4482781"/>
             <a:ext cx="127859" cy="0"/>
           </a:xfrm>
           <a:prstGeom prst="line">
@@ -4807,7 +4805,7 @@
         </p:nvCxnSpPr>
         <p:spPr>
           <a:xfrm flipH="1">
-            <a:off x="3214791" y="2523823"/>
+            <a:off x="3214791" y="3963983"/>
             <a:ext cx="255717" cy="0"/>
           </a:xfrm>
           <a:prstGeom prst="line">
@@ -4842,7 +4840,7 @@
         </p:nvGrpSpPr>
         <p:grpSpPr>
           <a:xfrm rot="16200000">
-            <a:off x="3035107" y="2487677"/>
+            <a:off x="3035107" y="3927837"/>
             <a:ext cx="288032" cy="72008"/>
             <a:chOff x="4427984" y="3573016"/>
             <a:chExt cx="288032" cy="72008"/>
@@ -4922,15 +4920,13 @@
       <p:cxnSp>
         <p:nvCxnSpPr>
           <p:cNvPr id="67" name="Gerade Verbindung 66"/>
-          <p:cNvCxnSpPr>
-            <a:stCxn id="49" idx="6"/>
-          </p:cNvCxnSpPr>
+          <p:cNvCxnSpPr/>
           <p:nvPr/>
         </p:nvCxnSpPr>
         <p:spPr>
           <a:xfrm flipV="1">
-            <a:off x="2699792" y="2524067"/>
-            <a:ext cx="439722" cy="1498"/>
+            <a:off x="2811185" y="3961631"/>
+            <a:ext cx="328329" cy="1902"/>
           </a:xfrm>
           <a:prstGeom prst="line">
             <a:avLst/>
@@ -4964,7 +4960,7 @@
         </p:nvSpPr>
         <p:spPr>
           <a:xfrm>
-            <a:off x="2987824" y="1948770"/>
+            <a:off x="2987824" y="3388930"/>
             <a:ext cx="489236" cy="400110"/>
           </a:xfrm>
           <a:prstGeom prst="rect">
@@ -5007,7 +5003,7 @@
         </p:nvSpPr>
         <p:spPr>
           <a:xfrm>
-            <a:off x="6425356" y="2499720"/>
+            <a:off x="6425356" y="3939880"/>
             <a:ext cx="72008" cy="72008"/>
           </a:xfrm>
           <a:prstGeom prst="ellipse">
@@ -5055,7 +5051,7 @@
         </p:nvCxnSpPr>
         <p:spPr>
           <a:xfrm>
-            <a:off x="3419872" y="1916832"/>
+            <a:off x="3419872" y="3356992"/>
             <a:ext cx="0" cy="144016"/>
           </a:xfrm>
           <a:prstGeom prst="line">
@@ -5090,7 +5086,7 @@
         </p:nvCxnSpPr>
         <p:spPr>
           <a:xfrm>
-            <a:off x="3419872" y="1988840"/>
+            <a:off x="3419872" y="3429000"/>
             <a:ext cx="2664296" cy="0"/>
           </a:xfrm>
           <a:prstGeom prst="line">
@@ -5125,7 +5121,7 @@
         </p:nvCxnSpPr>
         <p:spPr>
           <a:xfrm>
-            <a:off x="6084168" y="1916832"/>
+            <a:off x="6084168" y="3356992"/>
             <a:ext cx="0" cy="144016"/>
           </a:xfrm>
           <a:prstGeom prst="line">
@@ -5160,7 +5156,7 @@
         </p:nvSpPr>
         <p:spPr>
           <a:xfrm>
-            <a:off x="4427984" y="1588730"/>
+            <a:off x="4427984" y="3028890"/>
             <a:ext cx="494046" cy="400110"/>
           </a:xfrm>
           <a:prstGeom prst="rect">
@@ -5203,7 +5199,7 @@
         </p:nvCxnSpPr>
         <p:spPr>
           <a:xfrm>
-            <a:off x="3419872" y="1484784"/>
+            <a:off x="3419872" y="2924944"/>
             <a:ext cx="2664296" cy="0"/>
           </a:xfrm>
           <a:prstGeom prst="straightConnector1">
@@ -5240,7 +5236,7 @@
         </p:nvCxnSpPr>
         <p:spPr>
           <a:xfrm flipV="1">
-            <a:off x="3419872" y="332656"/>
+            <a:off x="3419872" y="1772816"/>
             <a:ext cx="0" cy="1152128"/>
           </a:xfrm>
           <a:prstGeom prst="straightConnector1">
@@ -5276,7 +5272,7 @@
         </p:nvSpPr>
         <p:spPr>
           <a:xfrm>
-            <a:off x="3421930" y="705247"/>
+            <a:off x="3421930" y="2145407"/>
             <a:ext cx="2662238" cy="779537"/>
           </a:xfrm>
           <a:custGeom>
@@ -5369,7 +5365,7 @@
         </p:nvSpPr>
         <p:spPr>
           <a:xfrm>
-            <a:off x="3417217" y="691368"/>
+            <a:off x="3417217" y="2131528"/>
             <a:ext cx="2666952" cy="793423"/>
           </a:xfrm>
           <a:custGeom>
@@ -5445,13 +5441,49 @@
       </p:sp>
       <p:sp>
         <p:nvSpPr>
-          <p:cNvPr id="43" name="Textfeld 42"/>
+          <p:cNvPr id="53" name="Textfeld 52"/>
           <p:cNvSpPr txBox="1"/>
           <p:nvPr/>
         </p:nvSpPr>
         <p:spPr>
           <a:xfrm>
-            <a:off x="2915816" y="260648"/>
+            <a:off x="3491880" y="1988840"/>
+            <a:ext cx="428322" cy="307777"/>
+          </a:xfrm>
+          <a:prstGeom prst="rect">
+            <a:avLst/>
+          </a:prstGeom>
+          <a:noFill/>
+        </p:spPr>
+        <p:txBody>
+          <a:bodyPr wrap="none" rtlCol="0">
+            <a:spAutoFit/>
+          </a:bodyPr>
+          <a:lstStyle/>
+          <a:p>
+            <a:r>
+              <a:rPr lang="de-DE" sz="1400" i="1" dirty="0" err="1" smtClean="0">
+                <a:latin typeface="Times New Roman" pitchFamily="18" charset="0"/>
+                <a:cs typeface="Times New Roman" pitchFamily="18" charset="0"/>
+              </a:rPr>
+              <a:t>E,q</a:t>
+            </a:r>
+            <a:endParaRPr lang="de-DE" sz="1400" i="1" dirty="0">
+              <a:latin typeface="Times New Roman" pitchFamily="18" charset="0"/>
+              <a:cs typeface="Times New Roman" pitchFamily="18" charset="0"/>
+            </a:endParaRPr>
+          </a:p>
+        </p:txBody>
+      </p:sp>
+      <p:sp>
+        <p:nvSpPr>
+          <p:cNvPr id="54" name="Textfeld 53"/>
+          <p:cNvSpPr txBox="1"/>
+          <p:nvPr/>
+        </p:nvSpPr>
+        <p:spPr>
+          <a:xfrm>
+            <a:off x="4499992" y="1897087"/>
             <a:ext cx="397866" cy="307777"/>
           </a:xfrm>
           <a:prstGeom prst="rect">
@@ -5470,7 +5502,7 @@
                 <a:latin typeface="Times New Roman" pitchFamily="18" charset="0"/>
                 <a:cs typeface="Times New Roman" pitchFamily="18" charset="0"/>
               </a:rPr>
-              <a:t>I,E</a:t>
+              <a:t>B,I</a:t>
             </a:r>
             <a:endParaRPr lang="de-DE" sz="1400" i="1" dirty="0">
               <a:latin typeface="Times New Roman" pitchFamily="18" charset="0"/>
@@ -5481,85 +5513,13 @@
       </p:sp>
       <p:sp>
         <p:nvSpPr>
-          <p:cNvPr id="53" name="Textfeld 52"/>
-          <p:cNvSpPr txBox="1"/>
-          <p:nvPr/>
-        </p:nvSpPr>
-        <p:spPr>
-          <a:xfrm>
-            <a:off x="3491880" y="548680"/>
-            <a:ext cx="293670" cy="307777"/>
-          </a:xfrm>
-          <a:prstGeom prst="rect">
-            <a:avLst/>
-          </a:prstGeom>
-          <a:noFill/>
-        </p:spPr>
-        <p:txBody>
-          <a:bodyPr wrap="none" rtlCol="0">
-            <a:spAutoFit/>
-          </a:bodyPr>
-          <a:lstStyle/>
-          <a:p>
-            <a:r>
-              <a:rPr lang="de-DE" sz="1400" i="1" dirty="0" smtClean="0">
-                <a:latin typeface="Times New Roman" pitchFamily="18" charset="0"/>
-                <a:cs typeface="Times New Roman" pitchFamily="18" charset="0"/>
-              </a:rPr>
-              <a:t>E</a:t>
-            </a:r>
-            <a:endParaRPr lang="de-DE" sz="1400" i="1" dirty="0">
-              <a:latin typeface="Times New Roman" pitchFamily="18" charset="0"/>
-              <a:cs typeface="Times New Roman" pitchFamily="18" charset="0"/>
-            </a:endParaRPr>
-          </a:p>
-        </p:txBody>
-      </p:sp>
-      <p:sp>
-        <p:nvSpPr>
-          <p:cNvPr id="54" name="Textfeld 53"/>
-          <p:cNvSpPr txBox="1"/>
-          <p:nvPr/>
-        </p:nvSpPr>
-        <p:spPr>
-          <a:xfrm>
-            <a:off x="4616054" y="456927"/>
-            <a:ext cx="243978" cy="307777"/>
-          </a:xfrm>
-          <a:prstGeom prst="rect">
-            <a:avLst/>
-          </a:prstGeom>
-          <a:noFill/>
-        </p:spPr>
-        <p:txBody>
-          <a:bodyPr wrap="none" rtlCol="0">
-            <a:spAutoFit/>
-          </a:bodyPr>
-          <a:lstStyle/>
-          <a:p>
-            <a:r>
-              <a:rPr lang="de-DE" sz="1400" i="1" dirty="0" smtClean="0">
-                <a:latin typeface="Times New Roman" pitchFamily="18" charset="0"/>
-                <a:cs typeface="Times New Roman" pitchFamily="18" charset="0"/>
-              </a:rPr>
-              <a:t>I</a:t>
-            </a:r>
-            <a:endParaRPr lang="de-DE" sz="1400" i="1" dirty="0">
-              <a:latin typeface="Times New Roman" pitchFamily="18" charset="0"/>
-              <a:cs typeface="Times New Roman" pitchFamily="18" charset="0"/>
-            </a:endParaRPr>
-          </a:p>
-        </p:txBody>
-      </p:sp>
-      <p:sp>
-        <p:nvSpPr>
           <p:cNvPr id="70" name="Ellipse 69"/>
           <p:cNvSpPr/>
           <p:nvPr/>
         </p:nvSpPr>
         <p:spPr>
           <a:xfrm>
-            <a:off x="5436096" y="2852936"/>
+            <a:off x="5436096" y="4293096"/>
             <a:ext cx="936104" cy="936104"/>
           </a:xfrm>
           <a:prstGeom prst="ellipse">
@@ -5611,7 +5571,7 @@
         </p:nvCxnSpPr>
         <p:spPr>
           <a:xfrm flipH="1" flipV="1">
-            <a:off x="4654553" y="2554359"/>
+            <a:off x="4654553" y="3994519"/>
             <a:ext cx="853551" cy="1018657"/>
           </a:xfrm>
           <a:prstGeom prst="line">
@@ -5651,7 +5611,7 @@
         </p:nvCxnSpPr>
         <p:spPr>
           <a:xfrm flipH="1" flipV="1">
-            <a:off x="4680012" y="2492896"/>
+            <a:off x="4680012" y="3933056"/>
             <a:ext cx="1476164" cy="432048"/>
           </a:xfrm>
           <a:prstGeom prst="line">
@@ -5689,7 +5649,7 @@
         </p:nvSpPr>
         <p:spPr>
           <a:xfrm>
-            <a:off x="4644008" y="2492896"/>
+            <a:off x="4644008" y="3933056"/>
             <a:ext cx="72008" cy="72008"/>
           </a:xfrm>
           <a:prstGeom prst="ellipse">
@@ -5739,7 +5699,7 @@
         </p:nvGrpSpPr>
         <p:grpSpPr>
           <a:xfrm>
-            <a:off x="5457825" y="2942483"/>
+            <a:off x="5457825" y="4382643"/>
             <a:ext cx="904875" cy="702543"/>
             <a:chOff x="3236444" y="1437099"/>
             <a:chExt cx="1357313" cy="974363"/>
@@ -6426,7 +6386,7 @@
         </p:nvSpPr>
         <p:spPr>
           <a:xfrm>
-            <a:off x="4283968" y="1988840"/>
+            <a:off x="4283968" y="3429000"/>
             <a:ext cx="914033" cy="400110"/>
           </a:xfrm>
           <a:prstGeom prst="rect">
@@ -6477,659 +6437,13 @@
       </p:sp>
       <p:sp>
         <p:nvSpPr>
-          <p:cNvPr id="139" name="Rechteck 138"/>
-          <p:cNvSpPr/>
-          <p:nvPr/>
-        </p:nvSpPr>
-        <p:spPr>
-          <a:xfrm>
-            <a:off x="2709317" y="3717032"/>
-            <a:ext cx="4824536" cy="648072"/>
-          </a:xfrm>
-          <a:prstGeom prst="rect">
-            <a:avLst/>
-          </a:prstGeom>
-          <a:solidFill>
-            <a:schemeClr val="bg1">
-              <a:lumMod val="75000"/>
-            </a:schemeClr>
-          </a:solidFill>
-          <a:ln>
-            <a:solidFill>
-              <a:schemeClr val="bg1">
-                <a:lumMod val="50000"/>
-              </a:schemeClr>
-            </a:solidFill>
-          </a:ln>
-          <a:scene3d>
-            <a:camera prst="isometricBottomDown">
-              <a:rot lat="1800000" lon="17400000" rev="17990253"/>
-            </a:camera>
-            <a:lightRig rig="threePt" dir="t"/>
-          </a:scene3d>
-        </p:spPr>
-        <p:style>
-          <a:lnRef idx="2">
-            <a:schemeClr val="accent1">
-              <a:shade val="50000"/>
-            </a:schemeClr>
-          </a:lnRef>
-          <a:fillRef idx="1">
-            <a:schemeClr val="accent1"/>
-          </a:fillRef>
-          <a:effectRef idx="0">
-            <a:schemeClr val="accent1"/>
-          </a:effectRef>
-          <a:fontRef idx="minor">
-            <a:schemeClr val="lt1"/>
-          </a:fontRef>
-        </p:style>
-        <p:txBody>
-          <a:bodyPr rtlCol="0" anchor="ctr"/>
-          <a:lstStyle/>
-          <a:p>
-            <a:pPr algn="ctr"/>
-            <a:endParaRPr lang="de-DE"/>
-          </a:p>
-        </p:txBody>
-      </p:sp>
-      <p:sp>
-        <p:nvSpPr>
-          <p:cNvPr id="140" name="Rechteck 139"/>
-          <p:cNvSpPr/>
-          <p:nvPr/>
-        </p:nvSpPr>
-        <p:spPr>
-          <a:xfrm>
-            <a:off x="2339752" y="4211563"/>
-            <a:ext cx="4824536" cy="144016"/>
-          </a:xfrm>
-          <a:prstGeom prst="rect">
-            <a:avLst/>
-          </a:prstGeom>
-          <a:solidFill>
-            <a:schemeClr val="bg1">
-              <a:lumMod val="75000"/>
-            </a:schemeClr>
-          </a:solidFill>
-          <a:ln>
-            <a:solidFill>
-              <a:schemeClr val="bg1">
-                <a:lumMod val="50000"/>
-              </a:schemeClr>
-            </a:solidFill>
-          </a:ln>
-          <a:scene3d>
-            <a:camera prst="isometricBottomDown">
-              <a:rot lat="1800000" lon="17400000" rev="17990253"/>
-            </a:camera>
-            <a:lightRig rig="threePt" dir="t"/>
-          </a:scene3d>
-        </p:spPr>
-        <p:style>
-          <a:lnRef idx="2">
-            <a:schemeClr val="accent1">
-              <a:shade val="50000"/>
-            </a:schemeClr>
-          </a:lnRef>
-          <a:fillRef idx="1">
-            <a:schemeClr val="accent1"/>
-          </a:fillRef>
-          <a:effectRef idx="0">
-            <a:schemeClr val="accent1"/>
-          </a:effectRef>
-          <a:fontRef idx="minor">
-            <a:schemeClr val="lt1"/>
-          </a:fontRef>
-        </p:style>
-        <p:txBody>
-          <a:bodyPr rtlCol="0" anchor="ctr"/>
-          <a:lstStyle/>
-          <a:p>
-            <a:pPr algn="ctr"/>
-            <a:endParaRPr lang="de-DE"/>
-          </a:p>
-        </p:txBody>
-      </p:sp>
-      <p:sp>
-        <p:nvSpPr>
-          <p:cNvPr id="141" name="Rechteck 140"/>
-          <p:cNvSpPr/>
-          <p:nvPr/>
-        </p:nvSpPr>
-        <p:spPr>
-          <a:xfrm>
-            <a:off x="1926149" y="4203248"/>
-            <a:ext cx="4824536" cy="648072"/>
-          </a:xfrm>
-          <a:prstGeom prst="rect">
-            <a:avLst/>
-          </a:prstGeom>
-          <a:solidFill>
-            <a:schemeClr val="bg1">
-              <a:lumMod val="75000"/>
-            </a:schemeClr>
-          </a:solidFill>
-          <a:ln>
-            <a:solidFill>
-              <a:schemeClr val="bg1">
-                <a:lumMod val="50000"/>
-              </a:schemeClr>
-            </a:solidFill>
-          </a:ln>
-          <a:scene3d>
-            <a:camera prst="isometricBottomDown">
-              <a:rot lat="1800000" lon="17400000" rev="17990253"/>
-            </a:camera>
-            <a:lightRig rig="threePt" dir="t"/>
-          </a:scene3d>
-        </p:spPr>
-        <p:style>
-          <a:lnRef idx="2">
-            <a:schemeClr val="accent1">
-              <a:shade val="50000"/>
-            </a:schemeClr>
-          </a:lnRef>
-          <a:fillRef idx="1">
-            <a:schemeClr val="accent1"/>
-          </a:fillRef>
-          <a:effectRef idx="0">
-            <a:schemeClr val="accent1"/>
-          </a:effectRef>
-          <a:fontRef idx="minor">
-            <a:schemeClr val="lt1"/>
-          </a:fontRef>
-        </p:style>
-        <p:txBody>
-          <a:bodyPr rtlCol="0" anchor="ctr"/>
-          <a:lstStyle/>
-          <a:p>
-            <a:pPr algn="ctr"/>
-            <a:endParaRPr lang="de-DE"/>
-          </a:p>
-        </p:txBody>
-      </p:sp>
-      <p:cxnSp>
-        <p:nvCxnSpPr>
-          <p:cNvPr id="143" name="Gerade Verbindung 142"/>
-          <p:cNvCxnSpPr/>
-          <p:nvPr/>
-        </p:nvCxnSpPr>
-        <p:spPr>
-          <a:xfrm flipH="1" flipV="1">
-            <a:off x="3069357" y="4077072"/>
-            <a:ext cx="265792" cy="53340"/>
-          </a:xfrm>
-          <a:prstGeom prst="line">
-            <a:avLst/>
-          </a:prstGeom>
-          <a:ln>
-            <a:solidFill>
-              <a:schemeClr val="tx1"/>
-            </a:solidFill>
-          </a:ln>
-        </p:spPr>
-        <p:style>
-          <a:lnRef idx="1">
-            <a:schemeClr val="accent1"/>
-          </a:lnRef>
-          <a:fillRef idx="0">
-            <a:schemeClr val="accent1"/>
-          </a:fillRef>
-          <a:effectRef idx="0">
-            <a:schemeClr val="accent1"/>
-          </a:effectRef>
-          <a:fontRef idx="minor">
-            <a:schemeClr val="tx1"/>
-          </a:fontRef>
-        </p:style>
-      </p:cxnSp>
-      <p:cxnSp>
-        <p:nvCxnSpPr>
-          <p:cNvPr id="146" name="Gerade Verbindung 145"/>
-          <p:cNvCxnSpPr/>
-          <p:nvPr/>
-        </p:nvCxnSpPr>
-        <p:spPr>
-          <a:xfrm flipV="1">
-            <a:off x="2960468" y="3996598"/>
-            <a:ext cx="205182" cy="160577"/>
-          </a:xfrm>
-          <a:prstGeom prst="line">
-            <a:avLst/>
-          </a:prstGeom>
-          <a:ln w="28575">
-            <a:solidFill>
-              <a:schemeClr val="tx1"/>
-            </a:solidFill>
-          </a:ln>
-        </p:spPr>
-        <p:style>
-          <a:lnRef idx="1">
-            <a:schemeClr val="accent1"/>
-          </a:lnRef>
-          <a:fillRef idx="0">
-            <a:schemeClr val="accent1"/>
-          </a:fillRef>
-          <a:effectRef idx="0">
-            <a:schemeClr val="accent1"/>
-          </a:effectRef>
-          <a:fontRef idx="minor">
-            <a:schemeClr val="tx1"/>
-          </a:fontRef>
-        </p:style>
-      </p:cxnSp>
-      <p:cxnSp>
-        <p:nvCxnSpPr>
-          <p:cNvPr id="148" name="Gerade Verbindung 147"/>
-          <p:cNvCxnSpPr/>
-          <p:nvPr/>
-        </p:nvCxnSpPr>
-        <p:spPr>
-          <a:xfrm flipV="1">
-            <a:off x="2853333" y="3988503"/>
-            <a:ext cx="205182" cy="160577"/>
-          </a:xfrm>
-          <a:prstGeom prst="line">
-            <a:avLst/>
-          </a:prstGeom>
-          <a:ln w="28575">
-            <a:solidFill>
-              <a:schemeClr val="tx1"/>
-            </a:solidFill>
-          </a:ln>
-        </p:spPr>
-        <p:style>
-          <a:lnRef idx="1">
-            <a:schemeClr val="accent1"/>
-          </a:lnRef>
-          <a:fillRef idx="0">
-            <a:schemeClr val="accent1"/>
-          </a:fillRef>
-          <a:effectRef idx="0">
-            <a:schemeClr val="accent1"/>
-          </a:effectRef>
-          <a:fontRef idx="minor">
-            <a:schemeClr val="tx1"/>
-          </a:fontRef>
-        </p:style>
-      </p:cxnSp>
-      <p:cxnSp>
-        <p:nvCxnSpPr>
-          <p:cNvPr id="149" name="Gerade Verbindung 148"/>
-          <p:cNvCxnSpPr/>
-          <p:nvPr/>
-        </p:nvCxnSpPr>
-        <p:spPr>
-          <a:xfrm flipH="1" flipV="1">
-            <a:off x="2686309" y="4009524"/>
-            <a:ext cx="265792" cy="53340"/>
-          </a:xfrm>
-          <a:prstGeom prst="line">
-            <a:avLst/>
-          </a:prstGeom>
-          <a:ln>
-            <a:solidFill>
-              <a:schemeClr val="tx1"/>
-            </a:solidFill>
-          </a:ln>
-        </p:spPr>
-        <p:style>
-          <a:lnRef idx="1">
-            <a:schemeClr val="accent1"/>
-          </a:lnRef>
-          <a:fillRef idx="0">
-            <a:schemeClr val="accent1"/>
-          </a:fillRef>
-          <a:effectRef idx="0">
-            <a:schemeClr val="accent1"/>
-          </a:effectRef>
-          <a:fontRef idx="minor">
-            <a:schemeClr val="tx1"/>
-          </a:fontRef>
-        </p:style>
-      </p:cxnSp>
-      <p:sp>
-        <p:nvSpPr>
-          <p:cNvPr id="150" name="Textfeld 149"/>
-          <p:cNvSpPr txBox="1"/>
-          <p:nvPr/>
-        </p:nvSpPr>
-        <p:spPr>
-          <a:xfrm>
-            <a:off x="2947641" y="3627184"/>
-            <a:ext cx="489236" cy="400110"/>
-          </a:xfrm>
-          <a:prstGeom prst="rect">
-            <a:avLst/>
-          </a:prstGeom>
-          <a:noFill/>
-        </p:spPr>
-        <p:txBody>
-          <a:bodyPr wrap="none" rtlCol="0">
-            <a:spAutoFit/>
-          </a:bodyPr>
-          <a:lstStyle/>
-          <a:p>
-            <a:r>
-              <a:rPr lang="de-DE" sz="2000" i="1" dirty="0" err="1" smtClean="0">
-                <a:latin typeface="Times New Roman" pitchFamily="18" charset="0"/>
-                <a:cs typeface="Times New Roman" pitchFamily="18" charset="0"/>
-              </a:rPr>
-              <a:t>C</a:t>
-            </a:r>
-            <a:r>
-              <a:rPr lang="de-DE" sz="2000" i="1" baseline="-25000" dirty="0" err="1" smtClean="0">
-                <a:latin typeface="Times New Roman" pitchFamily="18" charset="0"/>
-                <a:cs typeface="Times New Roman" pitchFamily="18" charset="0"/>
-              </a:rPr>
-              <a:t>in</a:t>
-            </a:r>
-            <a:endParaRPr lang="de-DE" sz="2000" i="1" baseline="-25000" dirty="0">
-              <a:latin typeface="Times New Roman" pitchFamily="18" charset="0"/>
-              <a:cs typeface="Times New Roman" pitchFamily="18" charset="0"/>
-            </a:endParaRPr>
-          </a:p>
-        </p:txBody>
-      </p:sp>
-      <p:sp>
-        <p:nvSpPr>
-          <p:cNvPr id="159" name="Bogen 158"/>
-          <p:cNvSpPr/>
-          <p:nvPr/>
-        </p:nvSpPr>
-        <p:spPr>
-          <a:xfrm rot="19588512">
-            <a:off x="3194282" y="4163683"/>
-            <a:ext cx="359427" cy="142601"/>
-          </a:xfrm>
-          <a:prstGeom prst="arc">
-            <a:avLst>
-              <a:gd name="adj1" fmla="val 10660703"/>
-              <a:gd name="adj2" fmla="val 0"/>
-            </a:avLst>
-          </a:prstGeom>
-          <a:ln>
-            <a:solidFill>
-              <a:srgbClr val="0070C0"/>
-            </a:solidFill>
-            <a:headEnd type="triangle" w="med" len="med"/>
-            <a:tailEnd type="none" w="med" len="med"/>
-          </a:ln>
-        </p:spPr>
-        <p:style>
-          <a:lnRef idx="1">
-            <a:schemeClr val="accent1"/>
-          </a:lnRef>
-          <a:fillRef idx="0">
-            <a:schemeClr val="accent1"/>
-          </a:fillRef>
-          <a:effectRef idx="0">
-            <a:schemeClr val="accent1"/>
-          </a:effectRef>
-          <a:fontRef idx="minor">
-            <a:schemeClr val="tx1"/>
-          </a:fontRef>
-        </p:style>
-        <p:txBody>
-          <a:bodyPr rtlCol="0" anchor="ctr"/>
-          <a:lstStyle/>
-          <a:p>
-            <a:pPr algn="ctr"/>
-            <a:endParaRPr lang="de-DE"/>
-          </a:p>
-        </p:txBody>
-      </p:sp>
-      <p:sp>
-        <p:nvSpPr>
-          <p:cNvPr id="162" name="Bogen 161"/>
-          <p:cNvSpPr/>
-          <p:nvPr/>
-        </p:nvSpPr>
-        <p:spPr>
-          <a:xfrm rot="19422256" flipH="1">
-            <a:off x="3509577" y="3948352"/>
-            <a:ext cx="359427" cy="142601"/>
-          </a:xfrm>
-          <a:prstGeom prst="arc">
-            <a:avLst>
-              <a:gd name="adj1" fmla="val 10540938"/>
-              <a:gd name="adj2" fmla="val 0"/>
-            </a:avLst>
-          </a:prstGeom>
-          <a:ln>
-            <a:solidFill>
-              <a:srgbClr val="0070C0"/>
-            </a:solidFill>
-            <a:headEnd type="triangle" w="med" len="med"/>
-            <a:tailEnd type="none" w="med" len="med"/>
-          </a:ln>
-        </p:spPr>
-        <p:style>
-          <a:lnRef idx="1">
-            <a:schemeClr val="accent1"/>
-          </a:lnRef>
-          <a:fillRef idx="0">
-            <a:schemeClr val="accent1"/>
-          </a:fillRef>
-          <a:effectRef idx="0">
-            <a:schemeClr val="accent1"/>
-          </a:effectRef>
-          <a:fontRef idx="minor">
-            <a:schemeClr val="tx1"/>
-          </a:fontRef>
-        </p:style>
-        <p:txBody>
-          <a:bodyPr rtlCol="0" anchor="ctr"/>
-          <a:lstStyle/>
-          <a:p>
-            <a:pPr algn="ctr"/>
-            <a:endParaRPr lang="de-DE"/>
-          </a:p>
-        </p:txBody>
-      </p:sp>
-      <p:sp>
-        <p:nvSpPr>
-          <p:cNvPr id="163" name="Bogen 162"/>
-          <p:cNvSpPr/>
-          <p:nvPr/>
-        </p:nvSpPr>
-        <p:spPr>
-          <a:xfrm>
-            <a:off x="4644008" y="4120618"/>
-            <a:ext cx="216024" cy="270192"/>
-          </a:xfrm>
-          <a:prstGeom prst="arc">
-            <a:avLst>
-              <a:gd name="adj1" fmla="val 3074842"/>
-              <a:gd name="adj2" fmla="val 21276454"/>
-            </a:avLst>
-          </a:prstGeom>
-          <a:ln>
-            <a:solidFill>
-              <a:srgbClr val="C00000"/>
-            </a:solidFill>
-            <a:headEnd type="none" w="med" len="med"/>
-            <a:tailEnd type="triangle" w="med" len="med"/>
-          </a:ln>
-        </p:spPr>
-        <p:style>
-          <a:lnRef idx="1">
-            <a:schemeClr val="accent1"/>
-          </a:lnRef>
-          <a:fillRef idx="0">
-            <a:schemeClr val="accent1"/>
-          </a:fillRef>
-          <a:effectRef idx="0">
-            <a:schemeClr val="accent1"/>
-          </a:effectRef>
-          <a:fontRef idx="minor">
-            <a:schemeClr val="tx1"/>
-          </a:fontRef>
-        </p:style>
-        <p:txBody>
-          <a:bodyPr rtlCol="0" anchor="ctr"/>
-          <a:lstStyle/>
-          <a:p>
-            <a:pPr algn="ctr"/>
-            <a:endParaRPr lang="de-DE"/>
-          </a:p>
-        </p:txBody>
-      </p:sp>
-      <p:cxnSp>
-        <p:nvCxnSpPr>
-          <p:cNvPr id="165" name="Gerade Verbindung mit Pfeil 164"/>
-          <p:cNvCxnSpPr/>
-          <p:nvPr/>
-        </p:nvCxnSpPr>
-        <p:spPr>
-          <a:xfrm>
-            <a:off x="4706491" y="4277078"/>
-            <a:ext cx="268290" cy="29511"/>
-          </a:xfrm>
-          <a:prstGeom prst="straightConnector1">
-            <a:avLst/>
-          </a:prstGeom>
-          <a:ln>
-            <a:solidFill>
-              <a:srgbClr val="FF0000"/>
-            </a:solidFill>
-            <a:headEnd type="none" w="med" len="med"/>
-            <a:tailEnd type="triangle" w="med" len="med"/>
-          </a:ln>
-        </p:spPr>
-        <p:style>
-          <a:lnRef idx="1">
-            <a:schemeClr val="accent1"/>
-          </a:lnRef>
-          <a:fillRef idx="0">
-            <a:schemeClr val="accent1"/>
-          </a:fillRef>
-          <a:effectRef idx="0">
-            <a:schemeClr val="accent1"/>
-          </a:effectRef>
-          <a:fontRef idx="minor">
-            <a:schemeClr val="tx1"/>
-          </a:fontRef>
-        </p:style>
-      </p:cxnSp>
-      <p:sp>
-        <p:nvSpPr>
-          <p:cNvPr id="169" name="Textfeld 168"/>
-          <p:cNvSpPr txBox="1"/>
-          <p:nvPr/>
-        </p:nvSpPr>
-        <p:spPr>
-          <a:xfrm>
-            <a:off x="5868144" y="3902511"/>
-            <a:ext cx="341760" cy="400110"/>
-          </a:xfrm>
-          <a:prstGeom prst="rect">
-            <a:avLst/>
-          </a:prstGeom>
-          <a:noFill/>
-        </p:spPr>
-        <p:txBody>
-          <a:bodyPr wrap="none" rtlCol="0">
-            <a:spAutoFit/>
-          </a:bodyPr>
-          <a:lstStyle/>
-          <a:p>
-            <a:r>
-              <a:rPr lang="de-DE" sz="2000" i="1" dirty="0" smtClean="0">
-                <a:latin typeface="Times New Roman" pitchFamily="18" charset="0"/>
-                <a:cs typeface="Times New Roman" pitchFamily="18" charset="0"/>
-              </a:rPr>
-              <a:t>E</a:t>
-            </a:r>
-            <a:endParaRPr lang="de-DE" sz="2000" i="1" baseline="-25000" dirty="0">
-              <a:latin typeface="Times New Roman" pitchFamily="18" charset="0"/>
-              <a:cs typeface="Times New Roman" pitchFamily="18" charset="0"/>
-            </a:endParaRPr>
-          </a:p>
-        </p:txBody>
-      </p:sp>
-      <p:sp>
-        <p:nvSpPr>
-          <p:cNvPr id="170" name="Textfeld 169"/>
-          <p:cNvSpPr txBox="1"/>
-          <p:nvPr/>
-        </p:nvSpPr>
-        <p:spPr>
-          <a:xfrm>
-            <a:off x="4788024" y="3854886"/>
-            <a:ext cx="341760" cy="400110"/>
-          </a:xfrm>
-          <a:prstGeom prst="rect">
-            <a:avLst/>
-          </a:prstGeom>
-          <a:noFill/>
-        </p:spPr>
-        <p:txBody>
-          <a:bodyPr wrap="none" rtlCol="0">
-            <a:spAutoFit/>
-          </a:bodyPr>
-          <a:lstStyle/>
-          <a:p>
-            <a:r>
-              <a:rPr lang="de-DE" sz="2000" i="1" dirty="0" smtClean="0">
-                <a:latin typeface="Times New Roman" pitchFamily="18" charset="0"/>
-                <a:cs typeface="Times New Roman" pitchFamily="18" charset="0"/>
-              </a:rPr>
-              <a:t>B</a:t>
-            </a:r>
-            <a:endParaRPr lang="de-DE" sz="2000" i="1" baseline="-25000" dirty="0">
-              <a:latin typeface="Times New Roman" pitchFamily="18" charset="0"/>
-              <a:cs typeface="Times New Roman" pitchFamily="18" charset="0"/>
-            </a:endParaRPr>
-          </a:p>
-        </p:txBody>
-      </p:sp>
-      <p:sp>
-        <p:nvSpPr>
-          <p:cNvPr id="171" name="Textfeld 170"/>
-          <p:cNvSpPr txBox="1"/>
-          <p:nvPr/>
-        </p:nvSpPr>
-        <p:spPr>
-          <a:xfrm>
-            <a:off x="4902773" y="4171493"/>
-            <a:ext cx="269626" cy="400110"/>
-          </a:xfrm>
-          <a:prstGeom prst="rect">
-            <a:avLst/>
-          </a:prstGeom>
-          <a:noFill/>
-        </p:spPr>
-        <p:txBody>
-          <a:bodyPr wrap="none" rtlCol="0">
-            <a:spAutoFit/>
-          </a:bodyPr>
-          <a:lstStyle/>
-          <a:p>
-            <a:r>
-              <a:rPr lang="de-DE" sz="2000" i="1" dirty="0" smtClean="0">
-                <a:latin typeface="Times New Roman" pitchFamily="18" charset="0"/>
-                <a:cs typeface="Times New Roman" pitchFamily="18" charset="0"/>
-              </a:rPr>
-              <a:t>I</a:t>
-            </a:r>
-            <a:endParaRPr lang="de-DE" sz="2000" i="1" baseline="-25000" dirty="0">
-              <a:latin typeface="Times New Roman" pitchFamily="18" charset="0"/>
-              <a:cs typeface="Times New Roman" pitchFamily="18" charset="0"/>
-            </a:endParaRPr>
-          </a:p>
-        </p:txBody>
-      </p:sp>
-      <p:sp>
-        <p:nvSpPr>
           <p:cNvPr id="86" name="Textfeld 85"/>
           <p:cNvSpPr txBox="1"/>
           <p:nvPr/>
         </p:nvSpPr>
         <p:spPr>
           <a:xfrm>
-            <a:off x="2483768" y="1700808"/>
+            <a:off x="2483768" y="3140968"/>
             <a:ext cx="455766" cy="400110"/>
           </a:xfrm>
           <a:prstGeom prst="rect">
@@ -7172,7 +6486,7 @@
         </p:nvSpPr>
         <p:spPr>
           <a:xfrm>
-            <a:off x="2483768" y="2812866"/>
+            <a:off x="2483768" y="4253026"/>
             <a:ext cx="531364" cy="400110"/>
           </a:xfrm>
           <a:prstGeom prst="rect">
@@ -7214,8 +6528,8 @@
           <p:nvPr/>
         </p:nvSpPr>
         <p:spPr>
-          <a:xfrm>
-            <a:off x="2104678" y="2871986"/>
+          <a:xfrm rot="5400000">
+            <a:off x="2502488" y="3708509"/>
             <a:ext cx="144016" cy="503479"/>
           </a:xfrm>
           <a:custGeom>
@@ -7598,7 +6912,7 @@
         </p:nvCxnSpPr>
         <p:spPr>
           <a:xfrm>
-            <a:off x="2176686" y="3356992"/>
+            <a:off x="2194336" y="4670131"/>
             <a:ext cx="0" cy="216024"/>
           </a:xfrm>
           <a:prstGeom prst="line">
@@ -7635,7 +6949,7 @@
         </p:nvSpPr>
         <p:spPr>
           <a:xfrm>
-            <a:off x="1691680" y="2884874"/>
+            <a:off x="2137324" y="3477933"/>
             <a:ext cx="412292" cy="400110"/>
           </a:xfrm>
           <a:prstGeom prst="rect">
@@ -7670,102 +6984,871 @@
           </a:p>
         </p:txBody>
       </p:sp>
-      <p:sp>
-        <p:nvSpPr>
-          <p:cNvPr id="98" name="Bogen 97"/>
-          <p:cNvSpPr/>
+      <p:grpSp>
+        <p:nvGrpSpPr>
+          <p:cNvPr id="93" name="Gruppieren 92"/>
+          <p:cNvGrpSpPr/>
           <p:nvPr/>
-        </p:nvSpPr>
-        <p:spPr>
-          <a:xfrm rot="19588512">
-            <a:off x="5680654" y="4442190"/>
-            <a:ext cx="359427" cy="142601"/>
+        </p:nvGrpSpPr>
+        <p:grpSpPr>
+          <a:xfrm>
+            <a:off x="1926149" y="501055"/>
+            <a:ext cx="5607704" cy="1224136"/>
+            <a:chOff x="1926149" y="3627184"/>
+            <a:chExt cx="5607704" cy="1224136"/>
           </a:xfrm>
-          <a:prstGeom prst="arc">
-            <a:avLst>
-              <a:gd name="adj1" fmla="val 10660703"/>
-              <a:gd name="adj2" fmla="val 0"/>
-            </a:avLst>
-          </a:prstGeom>
-          <a:ln>
+        </p:grpSpPr>
+        <p:sp>
+          <p:nvSpPr>
+            <p:cNvPr id="139" name="Rechteck 138"/>
+            <p:cNvSpPr/>
+            <p:nvPr/>
+          </p:nvSpPr>
+          <p:spPr>
+            <a:xfrm>
+              <a:off x="2709317" y="3717032"/>
+              <a:ext cx="4824536" cy="648072"/>
+            </a:xfrm>
+            <a:prstGeom prst="rect">
+              <a:avLst/>
+            </a:prstGeom>
             <a:solidFill>
-              <a:srgbClr val="0070C0"/>
+              <a:schemeClr val="bg1">
+                <a:lumMod val="75000"/>
+              </a:schemeClr>
             </a:solidFill>
-            <a:headEnd type="triangle" w="med" len="med"/>
-            <a:tailEnd type="none" w="med" len="med"/>
-          </a:ln>
-        </p:spPr>
-        <p:style>
-          <a:lnRef idx="1">
-            <a:schemeClr val="accent1"/>
-          </a:lnRef>
-          <a:fillRef idx="0">
-            <a:schemeClr val="accent1"/>
-          </a:fillRef>
-          <a:effectRef idx="0">
-            <a:schemeClr val="accent1"/>
-          </a:effectRef>
-          <a:fontRef idx="minor">
-            <a:schemeClr val="tx1"/>
-          </a:fontRef>
-        </p:style>
-        <p:txBody>
-          <a:bodyPr rtlCol="0" anchor="ctr"/>
-          <a:lstStyle/>
-          <a:p>
-            <a:pPr algn="ctr"/>
-            <a:endParaRPr lang="de-DE"/>
-          </a:p>
-        </p:txBody>
-      </p:sp>
-      <p:sp>
-        <p:nvSpPr>
-          <p:cNvPr id="99" name="Bogen 98"/>
-          <p:cNvSpPr/>
-          <p:nvPr/>
-        </p:nvSpPr>
-        <p:spPr>
-          <a:xfrm rot="19422256" flipH="1">
-            <a:off x="5995949" y="4226859"/>
-            <a:ext cx="359427" cy="142601"/>
-          </a:xfrm>
-          <a:prstGeom prst="arc">
-            <a:avLst>
-              <a:gd name="adj1" fmla="val 10540938"/>
-              <a:gd name="adj2" fmla="val 0"/>
-            </a:avLst>
-          </a:prstGeom>
-          <a:ln>
+            <a:ln>
+              <a:solidFill>
+                <a:schemeClr val="bg1">
+                  <a:lumMod val="50000"/>
+                </a:schemeClr>
+              </a:solidFill>
+            </a:ln>
+            <a:scene3d>
+              <a:camera prst="isometricBottomDown">
+                <a:rot lat="1800000" lon="17400000" rev="17990253"/>
+              </a:camera>
+              <a:lightRig rig="threePt" dir="t"/>
+            </a:scene3d>
+          </p:spPr>
+          <p:style>
+            <a:lnRef idx="2">
+              <a:schemeClr val="accent1">
+                <a:shade val="50000"/>
+              </a:schemeClr>
+            </a:lnRef>
+            <a:fillRef idx="1">
+              <a:schemeClr val="accent1"/>
+            </a:fillRef>
+            <a:effectRef idx="0">
+              <a:schemeClr val="accent1"/>
+            </a:effectRef>
+            <a:fontRef idx="minor">
+              <a:schemeClr val="lt1"/>
+            </a:fontRef>
+          </p:style>
+          <p:txBody>
+            <a:bodyPr rtlCol="0" anchor="ctr"/>
+            <a:lstStyle/>
+            <a:p>
+              <a:pPr algn="ctr"/>
+              <a:endParaRPr lang="de-DE"/>
+            </a:p>
+          </p:txBody>
+        </p:sp>
+        <p:sp>
+          <p:nvSpPr>
+            <p:cNvPr id="140" name="Rechteck 139"/>
+            <p:cNvSpPr/>
+            <p:nvPr/>
+          </p:nvSpPr>
+          <p:spPr>
+            <a:xfrm>
+              <a:off x="2339752" y="4211563"/>
+              <a:ext cx="4824536" cy="144016"/>
+            </a:xfrm>
+            <a:prstGeom prst="rect">
+              <a:avLst/>
+            </a:prstGeom>
             <a:solidFill>
-              <a:srgbClr val="0070C0"/>
+              <a:schemeClr val="bg1">
+                <a:lumMod val="75000"/>
+              </a:schemeClr>
             </a:solidFill>
-            <a:headEnd type="triangle" w="med" len="med"/>
-            <a:tailEnd type="none" w="med" len="med"/>
-          </a:ln>
-        </p:spPr>
-        <p:style>
-          <a:lnRef idx="1">
-            <a:schemeClr val="accent1"/>
-          </a:lnRef>
-          <a:fillRef idx="0">
-            <a:schemeClr val="accent1"/>
-          </a:fillRef>
-          <a:effectRef idx="0">
-            <a:schemeClr val="accent1"/>
-          </a:effectRef>
-          <a:fontRef idx="minor">
-            <a:schemeClr val="tx1"/>
-          </a:fontRef>
-        </p:style>
-        <p:txBody>
-          <a:bodyPr rtlCol="0" anchor="ctr"/>
-          <a:lstStyle/>
-          <a:p>
-            <a:pPr algn="ctr"/>
-            <a:endParaRPr lang="de-DE"/>
-          </a:p>
-        </p:txBody>
-      </p:sp>
+            <a:ln>
+              <a:solidFill>
+                <a:schemeClr val="bg1">
+                  <a:lumMod val="50000"/>
+                </a:schemeClr>
+              </a:solidFill>
+            </a:ln>
+            <a:scene3d>
+              <a:camera prst="isometricBottomDown">
+                <a:rot lat="1800000" lon="17400000" rev="17990253"/>
+              </a:camera>
+              <a:lightRig rig="threePt" dir="t"/>
+            </a:scene3d>
+          </p:spPr>
+          <p:style>
+            <a:lnRef idx="2">
+              <a:schemeClr val="accent1">
+                <a:shade val="50000"/>
+              </a:schemeClr>
+            </a:lnRef>
+            <a:fillRef idx="1">
+              <a:schemeClr val="accent1"/>
+            </a:fillRef>
+            <a:effectRef idx="0">
+              <a:schemeClr val="accent1"/>
+            </a:effectRef>
+            <a:fontRef idx="minor">
+              <a:schemeClr val="lt1"/>
+            </a:fontRef>
+          </p:style>
+          <p:txBody>
+            <a:bodyPr rtlCol="0" anchor="ctr"/>
+            <a:lstStyle/>
+            <a:p>
+              <a:pPr algn="ctr"/>
+              <a:endParaRPr lang="de-DE"/>
+            </a:p>
+          </p:txBody>
+        </p:sp>
+        <p:sp>
+          <p:nvSpPr>
+            <p:cNvPr id="141" name="Rechteck 140"/>
+            <p:cNvSpPr/>
+            <p:nvPr/>
+          </p:nvSpPr>
+          <p:spPr>
+            <a:xfrm>
+              <a:off x="1926149" y="4203248"/>
+              <a:ext cx="4824536" cy="648072"/>
+            </a:xfrm>
+            <a:prstGeom prst="rect">
+              <a:avLst/>
+            </a:prstGeom>
+            <a:solidFill>
+              <a:schemeClr val="bg1">
+                <a:lumMod val="75000"/>
+              </a:schemeClr>
+            </a:solidFill>
+            <a:ln>
+              <a:solidFill>
+                <a:schemeClr val="bg1">
+                  <a:lumMod val="50000"/>
+                </a:schemeClr>
+              </a:solidFill>
+            </a:ln>
+            <a:scene3d>
+              <a:camera prst="isometricBottomDown">
+                <a:rot lat="1800000" lon="17400000" rev="17990253"/>
+              </a:camera>
+              <a:lightRig rig="threePt" dir="t"/>
+            </a:scene3d>
+          </p:spPr>
+          <p:style>
+            <a:lnRef idx="2">
+              <a:schemeClr val="accent1">
+                <a:shade val="50000"/>
+              </a:schemeClr>
+            </a:lnRef>
+            <a:fillRef idx="1">
+              <a:schemeClr val="accent1"/>
+            </a:fillRef>
+            <a:effectRef idx="0">
+              <a:schemeClr val="accent1"/>
+            </a:effectRef>
+            <a:fontRef idx="minor">
+              <a:schemeClr val="lt1"/>
+            </a:fontRef>
+          </p:style>
+          <p:txBody>
+            <a:bodyPr rtlCol="0" anchor="ctr"/>
+            <a:lstStyle/>
+            <a:p>
+              <a:pPr algn="ctr"/>
+              <a:endParaRPr lang="de-DE"/>
+            </a:p>
+          </p:txBody>
+        </p:sp>
+        <p:cxnSp>
+          <p:nvCxnSpPr>
+            <p:cNvPr id="143" name="Gerade Verbindung 142"/>
+            <p:cNvCxnSpPr/>
+            <p:nvPr/>
+          </p:nvCxnSpPr>
+          <p:spPr>
+            <a:xfrm flipH="1" flipV="1">
+              <a:off x="3069357" y="4077072"/>
+              <a:ext cx="265792" cy="53340"/>
+            </a:xfrm>
+            <a:prstGeom prst="line">
+              <a:avLst/>
+            </a:prstGeom>
+            <a:ln>
+              <a:solidFill>
+                <a:schemeClr val="tx1"/>
+              </a:solidFill>
+            </a:ln>
+          </p:spPr>
+          <p:style>
+            <a:lnRef idx="1">
+              <a:schemeClr val="accent1"/>
+            </a:lnRef>
+            <a:fillRef idx="0">
+              <a:schemeClr val="accent1"/>
+            </a:fillRef>
+            <a:effectRef idx="0">
+              <a:schemeClr val="accent1"/>
+            </a:effectRef>
+            <a:fontRef idx="minor">
+              <a:schemeClr val="tx1"/>
+            </a:fontRef>
+          </p:style>
+        </p:cxnSp>
+        <p:cxnSp>
+          <p:nvCxnSpPr>
+            <p:cNvPr id="146" name="Gerade Verbindung 145"/>
+            <p:cNvCxnSpPr/>
+            <p:nvPr/>
+          </p:nvCxnSpPr>
+          <p:spPr>
+            <a:xfrm flipV="1">
+              <a:off x="2960468" y="3996598"/>
+              <a:ext cx="205182" cy="160577"/>
+            </a:xfrm>
+            <a:prstGeom prst="line">
+              <a:avLst/>
+            </a:prstGeom>
+            <a:ln w="28575">
+              <a:solidFill>
+                <a:schemeClr val="tx1"/>
+              </a:solidFill>
+            </a:ln>
+          </p:spPr>
+          <p:style>
+            <a:lnRef idx="1">
+              <a:schemeClr val="accent1"/>
+            </a:lnRef>
+            <a:fillRef idx="0">
+              <a:schemeClr val="accent1"/>
+            </a:fillRef>
+            <a:effectRef idx="0">
+              <a:schemeClr val="accent1"/>
+            </a:effectRef>
+            <a:fontRef idx="minor">
+              <a:schemeClr val="tx1"/>
+            </a:fontRef>
+          </p:style>
+        </p:cxnSp>
+        <p:cxnSp>
+          <p:nvCxnSpPr>
+            <p:cNvPr id="148" name="Gerade Verbindung 147"/>
+            <p:cNvCxnSpPr/>
+            <p:nvPr/>
+          </p:nvCxnSpPr>
+          <p:spPr>
+            <a:xfrm flipV="1">
+              <a:off x="2853333" y="3988503"/>
+              <a:ext cx="205182" cy="160577"/>
+            </a:xfrm>
+            <a:prstGeom prst="line">
+              <a:avLst/>
+            </a:prstGeom>
+            <a:ln w="28575">
+              <a:solidFill>
+                <a:schemeClr val="tx1"/>
+              </a:solidFill>
+            </a:ln>
+          </p:spPr>
+          <p:style>
+            <a:lnRef idx="1">
+              <a:schemeClr val="accent1"/>
+            </a:lnRef>
+            <a:fillRef idx="0">
+              <a:schemeClr val="accent1"/>
+            </a:fillRef>
+            <a:effectRef idx="0">
+              <a:schemeClr val="accent1"/>
+            </a:effectRef>
+            <a:fontRef idx="minor">
+              <a:schemeClr val="tx1"/>
+            </a:fontRef>
+          </p:style>
+        </p:cxnSp>
+        <p:cxnSp>
+          <p:nvCxnSpPr>
+            <p:cNvPr id="149" name="Gerade Verbindung 148"/>
+            <p:cNvCxnSpPr/>
+            <p:nvPr/>
+          </p:nvCxnSpPr>
+          <p:spPr>
+            <a:xfrm flipH="1" flipV="1">
+              <a:off x="2686309" y="4009524"/>
+              <a:ext cx="265792" cy="53340"/>
+            </a:xfrm>
+            <a:prstGeom prst="line">
+              <a:avLst/>
+            </a:prstGeom>
+            <a:ln>
+              <a:solidFill>
+                <a:schemeClr val="tx1"/>
+              </a:solidFill>
+            </a:ln>
+          </p:spPr>
+          <p:style>
+            <a:lnRef idx="1">
+              <a:schemeClr val="accent1"/>
+            </a:lnRef>
+            <a:fillRef idx="0">
+              <a:schemeClr val="accent1"/>
+            </a:fillRef>
+            <a:effectRef idx="0">
+              <a:schemeClr val="accent1"/>
+            </a:effectRef>
+            <a:fontRef idx="minor">
+              <a:schemeClr val="tx1"/>
+            </a:fontRef>
+          </p:style>
+        </p:cxnSp>
+        <p:sp>
+          <p:nvSpPr>
+            <p:cNvPr id="150" name="Textfeld 149"/>
+            <p:cNvSpPr txBox="1"/>
+            <p:nvPr/>
+          </p:nvSpPr>
+          <p:spPr>
+            <a:xfrm>
+              <a:off x="2947641" y="3627184"/>
+              <a:ext cx="489236" cy="400110"/>
+            </a:xfrm>
+            <a:prstGeom prst="rect">
+              <a:avLst/>
+            </a:prstGeom>
+            <a:noFill/>
+          </p:spPr>
+          <p:txBody>
+            <a:bodyPr wrap="none" rtlCol="0">
+              <a:spAutoFit/>
+            </a:bodyPr>
+            <a:lstStyle/>
+            <a:p>
+              <a:r>
+                <a:rPr lang="de-DE" sz="2000" i="1" dirty="0" err="1" smtClean="0">
+                  <a:latin typeface="Times New Roman" pitchFamily="18" charset="0"/>
+                  <a:cs typeface="Times New Roman" pitchFamily="18" charset="0"/>
+                </a:rPr>
+                <a:t>C</a:t>
+              </a:r>
+              <a:r>
+                <a:rPr lang="de-DE" sz="2000" i="1" baseline="-25000" dirty="0" err="1" smtClean="0">
+                  <a:latin typeface="Times New Roman" pitchFamily="18" charset="0"/>
+                  <a:cs typeface="Times New Roman" pitchFamily="18" charset="0"/>
+                </a:rPr>
+                <a:t>in</a:t>
+              </a:r>
+              <a:endParaRPr lang="de-DE" sz="2000" i="1" baseline="-25000" dirty="0">
+                <a:latin typeface="Times New Roman" pitchFamily="18" charset="0"/>
+                <a:cs typeface="Times New Roman" pitchFamily="18" charset="0"/>
+              </a:endParaRPr>
+            </a:p>
+          </p:txBody>
+        </p:sp>
+        <p:sp>
+          <p:nvSpPr>
+            <p:cNvPr id="159" name="Bogen 158"/>
+            <p:cNvSpPr/>
+            <p:nvPr/>
+          </p:nvSpPr>
+          <p:spPr>
+            <a:xfrm rot="19588512">
+              <a:off x="3194282" y="4163683"/>
+              <a:ext cx="359427" cy="142601"/>
+            </a:xfrm>
+            <a:prstGeom prst="arc">
+              <a:avLst>
+                <a:gd name="adj1" fmla="val 10660703"/>
+                <a:gd name="adj2" fmla="val 0"/>
+              </a:avLst>
+            </a:prstGeom>
+            <a:ln>
+              <a:solidFill>
+                <a:srgbClr val="0070C0"/>
+              </a:solidFill>
+              <a:headEnd type="triangle" w="med" len="med"/>
+              <a:tailEnd type="none" w="med" len="med"/>
+            </a:ln>
+          </p:spPr>
+          <p:style>
+            <a:lnRef idx="1">
+              <a:schemeClr val="accent1"/>
+            </a:lnRef>
+            <a:fillRef idx="0">
+              <a:schemeClr val="accent1"/>
+            </a:fillRef>
+            <a:effectRef idx="0">
+              <a:schemeClr val="accent1"/>
+            </a:effectRef>
+            <a:fontRef idx="minor">
+              <a:schemeClr val="tx1"/>
+            </a:fontRef>
+          </p:style>
+          <p:txBody>
+            <a:bodyPr rtlCol="0" anchor="ctr"/>
+            <a:lstStyle/>
+            <a:p>
+              <a:pPr algn="ctr"/>
+              <a:endParaRPr lang="de-DE"/>
+            </a:p>
+          </p:txBody>
+        </p:sp>
+        <p:sp>
+          <p:nvSpPr>
+            <p:cNvPr id="162" name="Bogen 161"/>
+            <p:cNvSpPr/>
+            <p:nvPr/>
+          </p:nvSpPr>
+          <p:spPr>
+            <a:xfrm rot="19422256" flipH="1">
+              <a:off x="3509577" y="3948352"/>
+              <a:ext cx="359427" cy="142601"/>
+            </a:xfrm>
+            <a:prstGeom prst="arc">
+              <a:avLst>
+                <a:gd name="adj1" fmla="val 10540938"/>
+                <a:gd name="adj2" fmla="val 0"/>
+              </a:avLst>
+            </a:prstGeom>
+            <a:ln>
+              <a:solidFill>
+                <a:srgbClr val="0070C0"/>
+              </a:solidFill>
+              <a:headEnd type="triangle" w="med" len="med"/>
+              <a:tailEnd type="none" w="med" len="med"/>
+            </a:ln>
+          </p:spPr>
+          <p:style>
+            <a:lnRef idx="1">
+              <a:schemeClr val="accent1"/>
+            </a:lnRef>
+            <a:fillRef idx="0">
+              <a:schemeClr val="accent1"/>
+            </a:fillRef>
+            <a:effectRef idx="0">
+              <a:schemeClr val="accent1"/>
+            </a:effectRef>
+            <a:fontRef idx="minor">
+              <a:schemeClr val="tx1"/>
+            </a:fontRef>
+          </p:style>
+          <p:txBody>
+            <a:bodyPr rtlCol="0" anchor="ctr"/>
+            <a:lstStyle/>
+            <a:p>
+              <a:pPr algn="ctr"/>
+              <a:endParaRPr lang="de-DE"/>
+            </a:p>
+          </p:txBody>
+        </p:sp>
+        <p:sp>
+          <p:nvSpPr>
+            <p:cNvPr id="163" name="Bogen 162"/>
+            <p:cNvSpPr/>
+            <p:nvPr/>
+          </p:nvSpPr>
+          <p:spPr>
+            <a:xfrm>
+              <a:off x="4644008" y="4120618"/>
+              <a:ext cx="216024" cy="270192"/>
+            </a:xfrm>
+            <a:prstGeom prst="arc">
+              <a:avLst>
+                <a:gd name="adj1" fmla="val 3074842"/>
+                <a:gd name="adj2" fmla="val 21276454"/>
+              </a:avLst>
+            </a:prstGeom>
+            <a:ln>
+              <a:solidFill>
+                <a:srgbClr val="C00000"/>
+              </a:solidFill>
+              <a:headEnd type="none" w="med" len="med"/>
+              <a:tailEnd type="triangle" w="med" len="med"/>
+            </a:ln>
+          </p:spPr>
+          <p:style>
+            <a:lnRef idx="1">
+              <a:schemeClr val="accent1"/>
+            </a:lnRef>
+            <a:fillRef idx="0">
+              <a:schemeClr val="accent1"/>
+            </a:fillRef>
+            <a:effectRef idx="0">
+              <a:schemeClr val="accent1"/>
+            </a:effectRef>
+            <a:fontRef idx="minor">
+              <a:schemeClr val="tx1"/>
+            </a:fontRef>
+          </p:style>
+          <p:txBody>
+            <a:bodyPr rtlCol="0" anchor="ctr"/>
+            <a:lstStyle/>
+            <a:p>
+              <a:pPr algn="ctr"/>
+              <a:endParaRPr lang="de-DE"/>
+            </a:p>
+          </p:txBody>
+        </p:sp>
+        <p:cxnSp>
+          <p:nvCxnSpPr>
+            <p:cNvPr id="165" name="Gerade Verbindung mit Pfeil 164"/>
+            <p:cNvCxnSpPr/>
+            <p:nvPr/>
+          </p:nvCxnSpPr>
+          <p:spPr>
+            <a:xfrm>
+              <a:off x="4706491" y="4277078"/>
+              <a:ext cx="268290" cy="29511"/>
+            </a:xfrm>
+            <a:prstGeom prst="straightConnector1">
+              <a:avLst/>
+            </a:prstGeom>
+            <a:ln>
+              <a:solidFill>
+                <a:srgbClr val="FF0000"/>
+              </a:solidFill>
+              <a:headEnd type="none" w="med" len="med"/>
+              <a:tailEnd type="triangle" w="med" len="med"/>
+            </a:ln>
+          </p:spPr>
+          <p:style>
+            <a:lnRef idx="1">
+              <a:schemeClr val="accent1"/>
+            </a:lnRef>
+            <a:fillRef idx="0">
+              <a:schemeClr val="accent1"/>
+            </a:fillRef>
+            <a:effectRef idx="0">
+              <a:schemeClr val="accent1"/>
+            </a:effectRef>
+            <a:fontRef idx="minor">
+              <a:schemeClr val="tx1"/>
+            </a:fontRef>
+          </p:style>
+        </p:cxnSp>
+        <p:sp>
+          <p:nvSpPr>
+            <p:cNvPr id="169" name="Textfeld 168"/>
+            <p:cNvSpPr txBox="1"/>
+            <p:nvPr/>
+          </p:nvSpPr>
+          <p:spPr>
+            <a:xfrm>
+              <a:off x="5796136" y="3943791"/>
+              <a:ext cx="341760" cy="400110"/>
+            </a:xfrm>
+            <a:prstGeom prst="rect">
+              <a:avLst/>
+            </a:prstGeom>
+            <a:noFill/>
+          </p:spPr>
+          <p:txBody>
+            <a:bodyPr wrap="none" rtlCol="0">
+              <a:spAutoFit/>
+            </a:bodyPr>
+            <a:lstStyle/>
+            <a:p>
+              <a:r>
+                <a:rPr lang="de-DE" sz="2000" i="1" dirty="0" smtClean="0">
+                  <a:latin typeface="Times New Roman" pitchFamily="18" charset="0"/>
+                  <a:cs typeface="Times New Roman" pitchFamily="18" charset="0"/>
+                </a:rPr>
+                <a:t>E</a:t>
+              </a:r>
+              <a:endParaRPr lang="de-DE" sz="2000" i="1" baseline="-25000" dirty="0">
+                <a:latin typeface="Times New Roman" pitchFamily="18" charset="0"/>
+                <a:cs typeface="Times New Roman" pitchFamily="18" charset="0"/>
+              </a:endParaRPr>
+            </a:p>
+          </p:txBody>
+        </p:sp>
+        <p:sp>
+          <p:nvSpPr>
+            <p:cNvPr id="170" name="Textfeld 169"/>
+            <p:cNvSpPr txBox="1"/>
+            <p:nvPr/>
+          </p:nvSpPr>
+          <p:spPr>
+            <a:xfrm>
+              <a:off x="4788024" y="3854886"/>
+              <a:ext cx="341760" cy="400110"/>
+            </a:xfrm>
+            <a:prstGeom prst="rect">
+              <a:avLst/>
+            </a:prstGeom>
+            <a:noFill/>
+          </p:spPr>
+          <p:txBody>
+            <a:bodyPr wrap="none" rtlCol="0">
+              <a:spAutoFit/>
+            </a:bodyPr>
+            <a:lstStyle/>
+            <a:p>
+              <a:r>
+                <a:rPr lang="de-DE" sz="2000" i="1" dirty="0" smtClean="0">
+                  <a:latin typeface="Times New Roman" pitchFamily="18" charset="0"/>
+                  <a:cs typeface="Times New Roman" pitchFamily="18" charset="0"/>
+                </a:rPr>
+                <a:t>B</a:t>
+              </a:r>
+              <a:endParaRPr lang="de-DE" sz="2000" i="1" baseline="-25000" dirty="0">
+                <a:latin typeface="Times New Roman" pitchFamily="18" charset="0"/>
+                <a:cs typeface="Times New Roman" pitchFamily="18" charset="0"/>
+              </a:endParaRPr>
+            </a:p>
+          </p:txBody>
+        </p:sp>
+        <p:sp>
+          <p:nvSpPr>
+            <p:cNvPr id="171" name="Textfeld 170"/>
+            <p:cNvSpPr txBox="1"/>
+            <p:nvPr/>
+          </p:nvSpPr>
+          <p:spPr>
+            <a:xfrm>
+              <a:off x="4902773" y="4171493"/>
+              <a:ext cx="269626" cy="400110"/>
+            </a:xfrm>
+            <a:prstGeom prst="rect">
+              <a:avLst/>
+            </a:prstGeom>
+            <a:noFill/>
+          </p:spPr>
+          <p:txBody>
+            <a:bodyPr wrap="none" rtlCol="0">
+              <a:spAutoFit/>
+            </a:bodyPr>
+            <a:lstStyle/>
+            <a:p>
+              <a:r>
+                <a:rPr lang="de-DE" sz="2000" i="1" dirty="0" smtClean="0">
+                  <a:latin typeface="Times New Roman" pitchFamily="18" charset="0"/>
+                  <a:cs typeface="Times New Roman" pitchFamily="18" charset="0"/>
+                </a:rPr>
+                <a:t>I</a:t>
+              </a:r>
+              <a:endParaRPr lang="de-DE" sz="2000" i="1" baseline="-25000" dirty="0">
+                <a:latin typeface="Times New Roman" pitchFamily="18" charset="0"/>
+                <a:cs typeface="Times New Roman" pitchFamily="18" charset="0"/>
+              </a:endParaRPr>
+            </a:p>
+          </p:txBody>
+        </p:sp>
+        <p:sp>
+          <p:nvSpPr>
+            <p:cNvPr id="98" name="Bogen 97"/>
+            <p:cNvSpPr/>
+            <p:nvPr/>
+          </p:nvSpPr>
+          <p:spPr>
+            <a:xfrm rot="19588512">
+              <a:off x="5680654" y="4442190"/>
+              <a:ext cx="359427" cy="142601"/>
+            </a:xfrm>
+            <a:prstGeom prst="arc">
+              <a:avLst>
+                <a:gd name="adj1" fmla="val 10660703"/>
+                <a:gd name="adj2" fmla="val 0"/>
+              </a:avLst>
+            </a:prstGeom>
+            <a:ln>
+              <a:solidFill>
+                <a:srgbClr val="0070C0"/>
+              </a:solidFill>
+              <a:headEnd type="triangle" w="med" len="med"/>
+              <a:tailEnd type="none" w="med" len="med"/>
+            </a:ln>
+          </p:spPr>
+          <p:style>
+            <a:lnRef idx="1">
+              <a:schemeClr val="accent1"/>
+            </a:lnRef>
+            <a:fillRef idx="0">
+              <a:schemeClr val="accent1"/>
+            </a:fillRef>
+            <a:effectRef idx="0">
+              <a:schemeClr val="accent1"/>
+            </a:effectRef>
+            <a:fontRef idx="minor">
+              <a:schemeClr val="tx1"/>
+            </a:fontRef>
+          </p:style>
+          <p:txBody>
+            <a:bodyPr rtlCol="0" anchor="ctr"/>
+            <a:lstStyle/>
+            <a:p>
+              <a:pPr algn="ctr"/>
+              <a:endParaRPr lang="de-DE"/>
+            </a:p>
+          </p:txBody>
+        </p:sp>
+        <p:sp>
+          <p:nvSpPr>
+            <p:cNvPr id="99" name="Bogen 98"/>
+            <p:cNvSpPr/>
+            <p:nvPr/>
+          </p:nvSpPr>
+          <p:spPr>
+            <a:xfrm rot="19422256" flipH="1">
+              <a:off x="5995949" y="4226859"/>
+              <a:ext cx="359427" cy="142601"/>
+            </a:xfrm>
+            <a:prstGeom prst="arc">
+              <a:avLst>
+                <a:gd name="adj1" fmla="val 10540938"/>
+                <a:gd name="adj2" fmla="val 0"/>
+              </a:avLst>
+            </a:prstGeom>
+            <a:ln>
+              <a:solidFill>
+                <a:srgbClr val="0070C0"/>
+              </a:solidFill>
+              <a:headEnd type="triangle" w="med" len="med"/>
+              <a:tailEnd type="none" w="med" len="med"/>
+            </a:ln>
+          </p:spPr>
+          <p:style>
+            <a:lnRef idx="1">
+              <a:schemeClr val="accent1"/>
+            </a:lnRef>
+            <a:fillRef idx="0">
+              <a:schemeClr val="accent1"/>
+            </a:fillRef>
+            <a:effectRef idx="0">
+              <a:schemeClr val="accent1"/>
+            </a:effectRef>
+            <a:fontRef idx="minor">
+              <a:schemeClr val="tx1"/>
+            </a:fontRef>
+          </p:style>
+          <p:txBody>
+            <a:bodyPr rtlCol="0" anchor="ctr"/>
+            <a:lstStyle/>
+            <a:p>
+              <a:pPr algn="ctr"/>
+              <a:endParaRPr lang="de-DE"/>
+            </a:p>
+          </p:txBody>
+        </p:sp>
+        <p:sp>
+          <p:nvSpPr>
+            <p:cNvPr id="96" name="Textfeld 95"/>
+            <p:cNvSpPr txBox="1"/>
+            <p:nvPr/>
+          </p:nvSpPr>
+          <p:spPr>
+            <a:xfrm>
+              <a:off x="5157589" y="4485947"/>
+              <a:ext cx="585417" cy="338554"/>
+            </a:xfrm>
+            <a:prstGeom prst="rect">
+              <a:avLst/>
+            </a:prstGeom>
+            <a:noFill/>
+          </p:spPr>
+          <p:txBody>
+            <a:bodyPr wrap="none" rtlCol="0">
+              <a:spAutoFit/>
+            </a:bodyPr>
+            <a:lstStyle/>
+            <a:p>
+              <a:r>
+                <a:rPr lang="de-DE" sz="1600" i="1" dirty="0" smtClean="0">
+                  <a:latin typeface="Times New Roman" pitchFamily="18" charset="0"/>
+                  <a:cs typeface="Times New Roman" pitchFamily="18" charset="0"/>
+                </a:rPr>
+                <a:t>+q/2</a:t>
+              </a:r>
+              <a:endParaRPr lang="de-DE" sz="1600" i="1" baseline="-25000" dirty="0">
+                <a:latin typeface="Times New Roman" pitchFamily="18" charset="0"/>
+                <a:cs typeface="Times New Roman" pitchFamily="18" charset="0"/>
+              </a:endParaRPr>
+            </a:p>
+          </p:txBody>
+        </p:sp>
+        <p:sp>
+          <p:nvSpPr>
+            <p:cNvPr id="101" name="Textfeld 100"/>
+            <p:cNvSpPr txBox="1"/>
+            <p:nvPr/>
+          </p:nvSpPr>
+          <p:spPr>
+            <a:xfrm>
+              <a:off x="6059785" y="3896166"/>
+              <a:ext cx="585417" cy="338554"/>
+            </a:xfrm>
+            <a:prstGeom prst="rect">
+              <a:avLst/>
+            </a:prstGeom>
+            <a:noFill/>
+          </p:spPr>
+          <p:txBody>
+            <a:bodyPr wrap="none" rtlCol="0">
+              <a:spAutoFit/>
+            </a:bodyPr>
+            <a:lstStyle/>
+            <a:p>
+              <a:r>
+                <a:rPr lang="de-DE" sz="1600" i="1" dirty="0" smtClean="0">
+                  <a:latin typeface="Times New Roman" pitchFamily="18" charset="0"/>
+                  <a:cs typeface="Times New Roman" pitchFamily="18" charset="0"/>
+                </a:rPr>
+                <a:t>+q/2</a:t>
+              </a:r>
+              <a:endParaRPr lang="de-DE" sz="1600" i="1" baseline="-25000" dirty="0">
+                <a:latin typeface="Times New Roman" pitchFamily="18" charset="0"/>
+                <a:cs typeface="Times New Roman" pitchFamily="18" charset="0"/>
+              </a:endParaRPr>
+            </a:p>
+          </p:txBody>
+        </p:sp>
+        <p:sp>
+          <p:nvSpPr>
+            <p:cNvPr id="107" name="Textfeld 106"/>
+            <p:cNvSpPr txBox="1"/>
+            <p:nvPr/>
+          </p:nvSpPr>
+          <p:spPr>
+            <a:xfrm>
+              <a:off x="6093693" y="4262834"/>
+              <a:ext cx="356188" cy="338554"/>
+            </a:xfrm>
+            <a:prstGeom prst="rect">
+              <a:avLst/>
+            </a:prstGeom>
+            <a:noFill/>
+          </p:spPr>
+          <p:txBody>
+            <a:bodyPr wrap="none" rtlCol="0">
+              <a:spAutoFit/>
+            </a:bodyPr>
+            <a:lstStyle/>
+            <a:p>
+              <a:r>
+                <a:rPr lang="de-DE" sz="1600" i="1" dirty="0" smtClean="0">
+                  <a:latin typeface="Times New Roman" pitchFamily="18" charset="0"/>
+                  <a:cs typeface="Times New Roman" pitchFamily="18" charset="0"/>
+                </a:rPr>
+                <a:t>-q</a:t>
+              </a:r>
+              <a:endParaRPr lang="de-DE" sz="1600" i="1" baseline="-25000" dirty="0">
+                <a:latin typeface="Times New Roman" pitchFamily="18" charset="0"/>
+                <a:cs typeface="Times New Roman" pitchFamily="18" charset="0"/>
+              </a:endParaRPr>
+            </a:p>
+          </p:txBody>
+        </p:sp>
+      </p:grpSp>
       <p:graphicFrame>
         <p:nvGraphicFramePr>
           <p:cNvPr id="100" name="Objekt 99"/>
@@ -7794,7 +7877,7 @@
         </p:nvSpPr>
         <p:spPr>
           <a:xfrm>
-            <a:off x="2555776" y="2132856"/>
+            <a:off x="2555776" y="3573016"/>
             <a:ext cx="418753" cy="144016"/>
           </a:xfrm>
           <a:custGeom>
@@ -8019,7 +8102,7 @@
         </p:nvSpPr>
         <p:spPr>
           <a:xfrm rot="10800000">
-            <a:off x="2555776" y="2752353"/>
+            <a:off x="2555776" y="4192513"/>
             <a:ext cx="418753" cy="144016"/>
           </a:xfrm>
           <a:custGeom>
